--- a/London Microsoft Devops 17_09_20/Introduction to IaC.pptx
+++ b/London Microsoft Devops 17_09_20/Introduction to IaC.pptx
@@ -5,23 +5,26 @@
     <p:sldMasterId id="2147483704" r:id="rId1"/>
   </p:sldMasterIdLst>
   <p:notesMasterIdLst>
-    <p:notesMasterId r:id="rId16"/>
+    <p:notesMasterId r:id="rId19"/>
   </p:notesMasterIdLst>
   <p:sldIdLst>
     <p:sldId id="256" r:id="rId2"/>
     <p:sldId id="270" r:id="rId3"/>
     <p:sldId id="1900" r:id="rId4"/>
     <p:sldId id="1912" r:id="rId5"/>
-    <p:sldId id="1901" r:id="rId6"/>
-    <p:sldId id="1902" r:id="rId7"/>
-    <p:sldId id="1903" r:id="rId8"/>
-    <p:sldId id="1904" r:id="rId9"/>
-    <p:sldId id="1905" r:id="rId10"/>
-    <p:sldId id="1906" r:id="rId11"/>
-    <p:sldId id="1907" r:id="rId12"/>
-    <p:sldId id="1908" r:id="rId13"/>
-    <p:sldId id="1909" r:id="rId14"/>
-    <p:sldId id="1914" r:id="rId15"/>
+    <p:sldId id="1917" r:id="rId6"/>
+    <p:sldId id="1901" r:id="rId7"/>
+    <p:sldId id="1902" r:id="rId8"/>
+    <p:sldId id="1903" r:id="rId9"/>
+    <p:sldId id="1904" r:id="rId10"/>
+    <p:sldId id="1905" r:id="rId11"/>
+    <p:sldId id="1906" r:id="rId12"/>
+    <p:sldId id="1907" r:id="rId13"/>
+    <p:sldId id="1908" r:id="rId14"/>
+    <p:sldId id="1909" r:id="rId15"/>
+    <p:sldId id="1914" r:id="rId16"/>
+    <p:sldId id="1916" r:id="rId17"/>
+    <p:sldId id="1915" r:id="rId18"/>
   </p:sldIdLst>
   <p:sldSz cx="12192000" cy="6858000"/>
   <p:notesSz cx="6858000" cy="9144000"/>
@@ -924,6 +927,790 @@
 </file>
 
 <file path=ppt/diagrams/colors2.xml><?xml version="1.0" encoding="utf-8"?>
+<dgm:colorsDef xmlns:dgm="http://schemas.openxmlformats.org/drawingml/2006/diagram" xmlns:a="http://schemas.openxmlformats.org/drawingml/2006/main" uniqueId="urn:microsoft.com/office/officeart/2018/5/colors/Iconchunking_neutralbg_colorful5">
+  <dgm:title val=""/>
+  <dgm:desc val=""/>
+  <dgm:catLst>
+    <dgm:cat type="colorful" pri="10500"/>
+  </dgm:catLst>
+  <dgm:styleLbl name="node0">
+    <dgm:fillClrLst meth="repeat">
+      <a:schemeClr val="accent4"/>
+    </dgm:fillClrLst>
+    <dgm:linClrLst meth="repeat">
+      <a:schemeClr val="lt1"/>
+    </dgm:linClrLst>
+    <dgm:effectClrLst/>
+    <dgm:txLinClrLst/>
+    <dgm:txFillClrLst/>
+    <dgm:txEffectClrLst/>
+  </dgm:styleLbl>
+  <dgm:styleLbl name="node1">
+    <dgm:fillClrLst>
+      <a:schemeClr val="accent5"/>
+      <a:schemeClr val="accent6"/>
+    </dgm:fillClrLst>
+    <dgm:linClrLst meth="repeat">
+      <a:schemeClr val="lt1">
+        <a:alpha val="0"/>
+      </a:schemeClr>
+    </dgm:linClrLst>
+    <dgm:effectClrLst/>
+    <dgm:txLinClrLst/>
+    <dgm:txFillClrLst/>
+    <dgm:txEffectClrLst/>
+  </dgm:styleLbl>
+  <dgm:styleLbl name="alignNode1">
+    <dgm:fillClrLst>
+      <a:schemeClr val="accent5"/>
+      <a:schemeClr val="accent6"/>
+    </dgm:fillClrLst>
+    <dgm:linClrLst>
+      <a:schemeClr val="accent5"/>
+      <a:schemeClr val="accent6"/>
+    </dgm:linClrLst>
+    <dgm:effectClrLst/>
+    <dgm:txLinClrLst/>
+    <dgm:txFillClrLst/>
+    <dgm:txEffectClrLst/>
+  </dgm:styleLbl>
+  <dgm:styleLbl name="lnNode1">
+    <dgm:fillClrLst>
+      <a:schemeClr val="accent5"/>
+      <a:schemeClr val="accent6"/>
+    </dgm:fillClrLst>
+    <dgm:linClrLst meth="repeat">
+      <a:schemeClr val="lt1"/>
+    </dgm:linClrLst>
+    <dgm:effectClrLst/>
+    <dgm:txLinClrLst/>
+    <dgm:txFillClrLst/>
+    <dgm:txEffectClrLst/>
+  </dgm:styleLbl>
+  <dgm:styleLbl name="vennNode1">
+    <dgm:fillClrLst>
+      <a:schemeClr val="accent5">
+        <a:alpha val="50000"/>
+      </a:schemeClr>
+      <a:schemeClr val="accent6">
+        <a:alpha val="50000"/>
+      </a:schemeClr>
+    </dgm:fillClrLst>
+    <dgm:linClrLst meth="repeat">
+      <a:schemeClr val="lt1"/>
+    </dgm:linClrLst>
+    <dgm:effectClrLst/>
+    <dgm:txLinClrLst/>
+    <dgm:txFillClrLst/>
+    <dgm:txEffectClrLst/>
+  </dgm:styleLbl>
+  <dgm:styleLbl name="node2">
+    <dgm:fillClrLst>
+      <a:schemeClr val="accent6"/>
+    </dgm:fillClrLst>
+    <dgm:linClrLst meth="repeat">
+      <a:schemeClr val="lt1"/>
+    </dgm:linClrLst>
+    <dgm:effectClrLst/>
+    <dgm:txLinClrLst/>
+    <dgm:txFillClrLst/>
+    <dgm:txEffectClrLst/>
+  </dgm:styleLbl>
+  <dgm:styleLbl name="node3">
+    <dgm:fillClrLst>
+      <a:schemeClr val="accent1"/>
+    </dgm:fillClrLst>
+    <dgm:linClrLst meth="repeat">
+      <a:schemeClr val="lt1"/>
+    </dgm:linClrLst>
+    <dgm:effectClrLst/>
+    <dgm:txLinClrLst/>
+    <dgm:txFillClrLst/>
+    <dgm:txEffectClrLst/>
+  </dgm:styleLbl>
+  <dgm:styleLbl name="node4">
+    <dgm:fillClrLst>
+      <a:schemeClr val="accent2"/>
+    </dgm:fillClrLst>
+    <dgm:linClrLst meth="repeat">
+      <a:schemeClr val="lt1"/>
+    </dgm:linClrLst>
+    <dgm:effectClrLst/>
+    <dgm:txLinClrLst/>
+    <dgm:txFillClrLst/>
+    <dgm:txEffectClrLst/>
+  </dgm:styleLbl>
+  <dgm:styleLbl name="fgImgPlace1">
+    <dgm:fillClrLst>
+      <a:schemeClr val="accent5">
+        <a:tint val="50000"/>
+      </a:schemeClr>
+      <a:schemeClr val="accent6">
+        <a:tint val="50000"/>
+      </a:schemeClr>
+    </dgm:fillClrLst>
+    <dgm:linClrLst meth="repeat">
+      <a:schemeClr val="lt1"/>
+    </dgm:linClrLst>
+    <dgm:effectClrLst/>
+    <dgm:txLinClrLst/>
+    <dgm:txFillClrLst meth="repeat">
+      <a:schemeClr val="lt1"/>
+    </dgm:txFillClrLst>
+    <dgm:txEffectClrLst/>
+  </dgm:styleLbl>
+  <dgm:styleLbl name="alignImgPlace1">
+    <dgm:fillClrLst>
+      <a:schemeClr val="accent5">
+        <a:tint val="50000"/>
+      </a:schemeClr>
+      <a:schemeClr val="accent6">
+        <a:tint val="20000"/>
+      </a:schemeClr>
+    </dgm:fillClrLst>
+    <dgm:linClrLst meth="repeat">
+      <a:schemeClr val="lt1"/>
+    </dgm:linClrLst>
+    <dgm:effectClrLst/>
+    <dgm:txLinClrLst/>
+    <dgm:txFillClrLst meth="repeat">
+      <a:schemeClr val="lt1"/>
+    </dgm:txFillClrLst>
+    <dgm:txEffectClrLst/>
+  </dgm:styleLbl>
+  <dgm:styleLbl name="bgImgPlace1">
+    <dgm:fillClrLst>
+      <a:schemeClr val="accent5">
+        <a:tint val="50000"/>
+      </a:schemeClr>
+      <a:schemeClr val="accent6">
+        <a:tint val="20000"/>
+      </a:schemeClr>
+    </dgm:fillClrLst>
+    <dgm:linClrLst meth="repeat">
+      <a:schemeClr val="lt1"/>
+    </dgm:linClrLst>
+    <dgm:effectClrLst/>
+    <dgm:txLinClrLst/>
+    <dgm:txFillClrLst meth="repeat">
+      <a:schemeClr val="lt1"/>
+    </dgm:txFillClrLst>
+    <dgm:txEffectClrLst/>
+  </dgm:styleLbl>
+  <dgm:styleLbl name="sibTrans2D1">
+    <dgm:fillClrLst>
+      <a:schemeClr val="accent5"/>
+      <a:schemeClr val="accent6"/>
+    </dgm:fillClrLst>
+    <dgm:linClrLst meth="repeat">
+      <a:schemeClr val="lt1"/>
+    </dgm:linClrLst>
+    <dgm:effectClrLst/>
+    <dgm:txLinClrLst/>
+    <dgm:txFillClrLst/>
+    <dgm:txEffectClrLst/>
+  </dgm:styleLbl>
+  <dgm:styleLbl name="fgSibTrans2D1">
+    <dgm:fillClrLst>
+      <a:schemeClr val="accent5"/>
+      <a:schemeClr val="accent6"/>
+    </dgm:fillClrLst>
+    <dgm:linClrLst meth="repeat">
+      <a:schemeClr val="lt1"/>
+    </dgm:linClrLst>
+    <dgm:effectClrLst/>
+    <dgm:txLinClrLst/>
+    <dgm:txFillClrLst meth="repeat">
+      <a:schemeClr val="lt1"/>
+    </dgm:txFillClrLst>
+    <dgm:txEffectClrLst/>
+  </dgm:styleLbl>
+  <dgm:styleLbl name="bgSibTrans2D1">
+    <dgm:fillClrLst>
+      <a:schemeClr val="accent5"/>
+      <a:schemeClr val="accent6"/>
+    </dgm:fillClrLst>
+    <dgm:linClrLst meth="repeat">
+      <a:schemeClr val="lt1"/>
+    </dgm:linClrLst>
+    <dgm:effectClrLst/>
+    <dgm:txLinClrLst/>
+    <dgm:txFillClrLst meth="repeat">
+      <a:schemeClr val="lt1"/>
+    </dgm:txFillClrLst>
+    <dgm:txEffectClrLst/>
+  </dgm:styleLbl>
+  <dgm:styleLbl name="sibTrans1D1">
+    <dgm:fillClrLst/>
+    <dgm:linClrLst>
+      <a:schemeClr val="accent5"/>
+      <a:schemeClr val="accent6"/>
+    </dgm:linClrLst>
+    <dgm:effectClrLst/>
+    <dgm:txLinClrLst/>
+    <dgm:txFillClrLst meth="repeat">
+      <a:schemeClr val="tx1"/>
+    </dgm:txFillClrLst>
+    <dgm:txEffectClrLst/>
+  </dgm:styleLbl>
+  <dgm:styleLbl name="callout">
+    <dgm:fillClrLst meth="repeat">
+      <a:schemeClr val="accent5"/>
+    </dgm:fillClrLst>
+    <dgm:linClrLst meth="repeat">
+      <a:schemeClr val="accent5">
+        <a:tint val="50000"/>
+      </a:schemeClr>
+    </dgm:linClrLst>
+    <dgm:effectClrLst/>
+    <dgm:txLinClrLst/>
+    <dgm:txFillClrLst meth="repeat">
+      <a:schemeClr val="tx1"/>
+    </dgm:txFillClrLst>
+    <dgm:txEffectClrLst/>
+  </dgm:styleLbl>
+  <dgm:styleLbl name="asst0">
+    <dgm:fillClrLst meth="repeat">
+      <a:schemeClr val="accent5"/>
+    </dgm:fillClrLst>
+    <dgm:linClrLst meth="repeat">
+      <a:schemeClr val="lt1">
+        <a:shade val="80000"/>
+      </a:schemeClr>
+    </dgm:linClrLst>
+    <dgm:effectClrLst/>
+    <dgm:txLinClrLst/>
+    <dgm:txFillClrLst/>
+    <dgm:txEffectClrLst/>
+  </dgm:styleLbl>
+  <dgm:styleLbl name="asst1">
+    <dgm:fillClrLst meth="repeat">
+      <a:schemeClr val="accent6"/>
+    </dgm:fillClrLst>
+    <dgm:linClrLst meth="repeat">
+      <a:schemeClr val="lt1">
+        <a:shade val="80000"/>
+      </a:schemeClr>
+    </dgm:linClrLst>
+    <dgm:effectClrLst/>
+    <dgm:txLinClrLst/>
+    <dgm:txFillClrLst/>
+    <dgm:txEffectClrLst/>
+  </dgm:styleLbl>
+  <dgm:styleLbl name="asst2">
+    <dgm:fillClrLst>
+      <a:schemeClr val="accent1"/>
+    </dgm:fillClrLst>
+    <dgm:linClrLst meth="repeat">
+      <a:schemeClr val="lt1"/>
+    </dgm:linClrLst>
+    <dgm:effectClrLst/>
+    <dgm:txLinClrLst/>
+    <dgm:txFillClrLst/>
+    <dgm:txEffectClrLst/>
+  </dgm:styleLbl>
+  <dgm:styleLbl name="asst3">
+    <dgm:fillClrLst>
+      <a:schemeClr val="accent2"/>
+    </dgm:fillClrLst>
+    <dgm:linClrLst meth="repeat">
+      <a:schemeClr val="lt1"/>
+    </dgm:linClrLst>
+    <dgm:effectClrLst/>
+    <dgm:txLinClrLst/>
+    <dgm:txFillClrLst/>
+    <dgm:txEffectClrLst/>
+  </dgm:styleLbl>
+  <dgm:styleLbl name="asst4">
+    <dgm:fillClrLst>
+      <a:schemeClr val="accent3"/>
+    </dgm:fillClrLst>
+    <dgm:linClrLst meth="repeat">
+      <a:schemeClr val="lt1"/>
+    </dgm:linClrLst>
+    <dgm:effectClrLst/>
+    <dgm:txLinClrLst/>
+    <dgm:txFillClrLst/>
+    <dgm:txEffectClrLst/>
+  </dgm:styleLbl>
+  <dgm:styleLbl name="parChTrans2D1">
+    <dgm:fillClrLst meth="repeat">
+      <a:schemeClr val="accent5"/>
+    </dgm:fillClrLst>
+    <dgm:linClrLst meth="repeat">
+      <a:schemeClr val="lt1"/>
+    </dgm:linClrLst>
+    <dgm:effectClrLst/>
+    <dgm:txLinClrLst/>
+    <dgm:txFillClrLst meth="repeat">
+      <a:schemeClr val="lt1"/>
+    </dgm:txFillClrLst>
+    <dgm:txEffectClrLst/>
+  </dgm:styleLbl>
+  <dgm:styleLbl name="parChTrans2D2">
+    <dgm:fillClrLst meth="repeat">
+      <a:schemeClr val="accent6"/>
+    </dgm:fillClrLst>
+    <dgm:linClrLst meth="repeat">
+      <a:schemeClr val="lt1"/>
+    </dgm:linClrLst>
+    <dgm:effectClrLst/>
+    <dgm:txLinClrLst/>
+    <dgm:txFillClrLst/>
+    <dgm:txEffectClrLst/>
+  </dgm:styleLbl>
+  <dgm:styleLbl name="parChTrans2D3">
+    <dgm:fillClrLst meth="repeat">
+      <a:schemeClr val="accent6"/>
+    </dgm:fillClrLst>
+    <dgm:linClrLst meth="repeat">
+      <a:schemeClr val="lt1"/>
+    </dgm:linClrLst>
+    <dgm:effectClrLst/>
+    <dgm:txLinClrLst/>
+    <dgm:txFillClrLst/>
+    <dgm:txEffectClrLst/>
+  </dgm:styleLbl>
+  <dgm:styleLbl name="parChTrans2D4">
+    <dgm:fillClrLst meth="repeat">
+      <a:schemeClr val="accent1"/>
+    </dgm:fillClrLst>
+    <dgm:linClrLst meth="repeat">
+      <a:schemeClr val="lt1"/>
+    </dgm:linClrLst>
+    <dgm:effectClrLst/>
+    <dgm:txLinClrLst/>
+    <dgm:txFillClrLst meth="repeat">
+      <a:schemeClr val="lt1"/>
+    </dgm:txFillClrLst>
+    <dgm:txEffectClrLst/>
+  </dgm:styleLbl>
+  <dgm:styleLbl name="parChTrans1D1">
+    <dgm:fillClrLst meth="repeat">
+      <a:schemeClr val="accent5"/>
+    </dgm:fillClrLst>
+    <dgm:linClrLst meth="repeat">
+      <a:schemeClr val="accent5"/>
+    </dgm:linClrLst>
+    <dgm:effectClrLst/>
+    <dgm:txLinClrLst/>
+    <dgm:txFillClrLst meth="repeat">
+      <a:schemeClr val="tx1"/>
+    </dgm:txFillClrLst>
+    <dgm:txEffectClrLst/>
+  </dgm:styleLbl>
+  <dgm:styleLbl name="parChTrans1D2">
+    <dgm:fillClrLst meth="repeat">
+      <a:schemeClr val="accent6">
+        <a:tint val="90000"/>
+      </a:schemeClr>
+    </dgm:fillClrLst>
+    <dgm:linClrLst meth="repeat">
+      <a:schemeClr val="accent6"/>
+    </dgm:linClrLst>
+    <dgm:effectClrLst/>
+    <dgm:txLinClrLst/>
+    <dgm:txFillClrLst meth="repeat">
+      <a:schemeClr val="tx1"/>
+    </dgm:txFillClrLst>
+    <dgm:txEffectClrLst/>
+  </dgm:styleLbl>
+  <dgm:styleLbl name="parChTrans1D3">
+    <dgm:fillClrLst meth="repeat">
+      <a:schemeClr val="accent6">
+        <a:tint val="70000"/>
+      </a:schemeClr>
+    </dgm:fillClrLst>
+    <dgm:linClrLst meth="repeat">
+      <a:schemeClr val="accent1"/>
+    </dgm:linClrLst>
+    <dgm:effectClrLst/>
+    <dgm:txLinClrLst/>
+    <dgm:txFillClrLst meth="repeat">
+      <a:schemeClr val="tx1"/>
+    </dgm:txFillClrLst>
+    <dgm:txEffectClrLst/>
+  </dgm:styleLbl>
+  <dgm:styleLbl name="parChTrans1D4">
+    <dgm:fillClrLst meth="repeat">
+      <a:schemeClr val="accent6">
+        <a:tint val="50000"/>
+      </a:schemeClr>
+    </dgm:fillClrLst>
+    <dgm:linClrLst meth="repeat">
+      <a:schemeClr val="accent2"/>
+    </dgm:linClrLst>
+    <dgm:effectClrLst/>
+    <dgm:txLinClrLst/>
+    <dgm:txFillClrLst meth="repeat">
+      <a:schemeClr val="tx1"/>
+    </dgm:txFillClrLst>
+    <dgm:txEffectClrLst/>
+  </dgm:styleLbl>
+  <dgm:styleLbl name="fgAcc1">
+    <dgm:fillClrLst meth="repeat">
+      <a:schemeClr val="lt1">
+        <a:alpha val="90000"/>
+      </a:schemeClr>
+    </dgm:fillClrLst>
+    <dgm:linClrLst>
+      <a:schemeClr val="accent5"/>
+      <a:schemeClr val="accent6"/>
+    </dgm:linClrLst>
+    <dgm:effectClrLst/>
+    <dgm:txLinClrLst/>
+    <dgm:txFillClrLst meth="repeat">
+      <a:schemeClr val="dk1"/>
+    </dgm:txFillClrLst>
+    <dgm:txEffectClrLst/>
+  </dgm:styleLbl>
+  <dgm:styleLbl name="conFgAcc1">
+    <dgm:fillClrLst meth="repeat">
+      <a:schemeClr val="lt1">
+        <a:alpha val="90000"/>
+      </a:schemeClr>
+    </dgm:fillClrLst>
+    <dgm:linClrLst>
+      <a:schemeClr val="accent5"/>
+      <a:schemeClr val="accent6"/>
+    </dgm:linClrLst>
+    <dgm:effectClrLst/>
+    <dgm:txLinClrLst/>
+    <dgm:txFillClrLst meth="repeat">
+      <a:schemeClr val="dk1"/>
+    </dgm:txFillClrLst>
+    <dgm:txEffectClrLst/>
+  </dgm:styleLbl>
+  <dgm:styleLbl name="alignAcc1">
+    <dgm:fillClrLst meth="repeat">
+      <a:schemeClr val="lt1">
+        <a:alpha val="90000"/>
+      </a:schemeClr>
+    </dgm:fillClrLst>
+    <dgm:linClrLst>
+      <a:schemeClr val="accent5"/>
+      <a:schemeClr val="accent6"/>
+    </dgm:linClrLst>
+    <dgm:effectClrLst/>
+    <dgm:txLinClrLst/>
+    <dgm:txFillClrLst meth="repeat">
+      <a:schemeClr val="dk1"/>
+    </dgm:txFillClrLst>
+    <dgm:txEffectClrLst/>
+  </dgm:styleLbl>
+  <dgm:styleLbl name="trAlignAcc1">
+    <dgm:fillClrLst meth="repeat">
+      <a:schemeClr val="lt1">
+        <a:alpha val="40000"/>
+      </a:schemeClr>
+    </dgm:fillClrLst>
+    <dgm:linClrLst meth="repeat">
+      <a:schemeClr val="accent5"/>
+    </dgm:linClrLst>
+    <dgm:effectClrLst/>
+    <dgm:txLinClrLst/>
+    <dgm:txFillClrLst meth="repeat">
+      <a:schemeClr val="dk1"/>
+    </dgm:txFillClrLst>
+    <dgm:txEffectClrLst/>
+  </dgm:styleLbl>
+  <dgm:styleLbl name="bgAcc1">
+    <dgm:fillClrLst meth="repeat">
+      <a:schemeClr val="lt1">
+        <a:alpha val="90000"/>
+      </a:schemeClr>
+    </dgm:fillClrLst>
+    <dgm:linClrLst>
+      <a:schemeClr val="accent5"/>
+      <a:schemeClr val="accent6"/>
+    </dgm:linClrLst>
+    <dgm:effectClrLst/>
+    <dgm:txLinClrLst/>
+    <dgm:txFillClrLst meth="repeat">
+      <a:schemeClr val="dk1"/>
+    </dgm:txFillClrLst>
+    <dgm:txEffectClrLst/>
+  </dgm:styleLbl>
+  <dgm:styleLbl name="solidFgAcc1">
+    <dgm:fillClrLst meth="repeat">
+      <a:schemeClr val="lt1"/>
+    </dgm:fillClrLst>
+    <dgm:linClrLst>
+      <a:schemeClr val="accent5"/>
+      <a:schemeClr val="accent6"/>
+    </dgm:linClrLst>
+    <dgm:effectClrLst/>
+    <dgm:txLinClrLst/>
+    <dgm:txFillClrLst meth="repeat">
+      <a:schemeClr val="dk1"/>
+    </dgm:txFillClrLst>
+    <dgm:txEffectClrLst/>
+  </dgm:styleLbl>
+  <dgm:styleLbl name="solidAlignAcc1">
+    <dgm:fillClrLst meth="repeat">
+      <a:schemeClr val="lt1"/>
+    </dgm:fillClrLst>
+    <dgm:linClrLst>
+      <a:schemeClr val="accent5"/>
+      <a:schemeClr val="accent6"/>
+    </dgm:linClrLst>
+    <dgm:effectClrLst/>
+    <dgm:txLinClrLst/>
+    <dgm:txFillClrLst meth="repeat">
+      <a:schemeClr val="dk1"/>
+    </dgm:txFillClrLst>
+    <dgm:txEffectClrLst/>
+  </dgm:styleLbl>
+  <dgm:styleLbl name="solidBgAcc1">
+    <dgm:fillClrLst meth="repeat">
+      <a:schemeClr val="lt1"/>
+    </dgm:fillClrLst>
+    <dgm:linClrLst>
+      <a:schemeClr val="accent5"/>
+      <a:schemeClr val="accent6"/>
+    </dgm:linClrLst>
+    <dgm:effectClrLst/>
+    <dgm:txLinClrLst/>
+    <dgm:txFillClrLst meth="repeat">
+      <a:schemeClr val="dk1"/>
+    </dgm:txFillClrLst>
+    <dgm:txEffectClrLst/>
+  </dgm:styleLbl>
+  <dgm:styleLbl name="fgAccFollowNode1">
+    <dgm:fillClrLst>
+      <a:schemeClr val="accent5">
+        <a:tint val="40000"/>
+        <a:alpha val="90000"/>
+      </a:schemeClr>
+      <a:schemeClr val="accent6">
+        <a:tint val="40000"/>
+        <a:alpha val="90000"/>
+      </a:schemeClr>
+    </dgm:fillClrLst>
+    <dgm:linClrLst>
+      <a:schemeClr val="accent5">
+        <a:tint val="40000"/>
+        <a:alpha val="90000"/>
+      </a:schemeClr>
+      <a:schemeClr val="accent5">
+        <a:tint val="40000"/>
+        <a:alpha val="90000"/>
+      </a:schemeClr>
+    </dgm:linClrLst>
+    <dgm:effectClrLst/>
+    <dgm:txLinClrLst/>
+    <dgm:txFillClrLst meth="repeat">
+      <a:schemeClr val="dk1"/>
+    </dgm:txFillClrLst>
+    <dgm:txEffectClrLst/>
+  </dgm:styleLbl>
+  <dgm:styleLbl name="alignAccFollowNode1">
+    <dgm:fillClrLst>
+      <a:schemeClr val="accent5">
+        <a:tint val="40000"/>
+        <a:alpha val="90000"/>
+      </a:schemeClr>
+      <a:schemeClr val="accent6">
+        <a:tint val="40000"/>
+        <a:alpha val="90000"/>
+      </a:schemeClr>
+    </dgm:fillClrLst>
+    <dgm:linClrLst>
+      <a:schemeClr val="accent5">
+        <a:tint val="40000"/>
+        <a:alpha val="90000"/>
+      </a:schemeClr>
+      <a:schemeClr val="accent6">
+        <a:tint val="40000"/>
+        <a:alpha val="90000"/>
+      </a:schemeClr>
+    </dgm:linClrLst>
+    <dgm:effectClrLst/>
+    <dgm:txLinClrLst/>
+    <dgm:txFillClrLst meth="repeat">
+      <a:schemeClr val="dk1"/>
+    </dgm:txFillClrLst>
+    <dgm:txEffectClrLst/>
+  </dgm:styleLbl>
+  <dgm:styleLbl name="bgAccFollowNode1">
+    <dgm:fillClrLst>
+      <a:schemeClr val="accent5">
+        <a:tint val="40000"/>
+        <a:alpha val="90000"/>
+      </a:schemeClr>
+      <a:schemeClr val="accent6">
+        <a:tint val="40000"/>
+        <a:alpha val="90000"/>
+      </a:schemeClr>
+    </dgm:fillClrLst>
+    <dgm:linClrLst>
+      <a:schemeClr val="accent5">
+        <a:tint val="40000"/>
+        <a:alpha val="90000"/>
+      </a:schemeClr>
+      <a:schemeClr val="accent6">
+        <a:tint val="40000"/>
+        <a:alpha val="90000"/>
+      </a:schemeClr>
+    </dgm:linClrLst>
+    <dgm:effectClrLst/>
+    <dgm:txLinClrLst/>
+    <dgm:txFillClrLst meth="repeat">
+      <a:schemeClr val="dk1"/>
+    </dgm:txFillClrLst>
+    <dgm:txEffectClrLst/>
+  </dgm:styleLbl>
+  <dgm:styleLbl name="fgAcc0">
+    <dgm:fillClrLst meth="repeat">
+      <a:schemeClr val="lt1">
+        <a:alpha val="90000"/>
+      </a:schemeClr>
+    </dgm:fillClrLst>
+    <dgm:linClrLst>
+      <a:schemeClr val="accent4"/>
+    </dgm:linClrLst>
+    <dgm:effectClrLst/>
+    <dgm:txLinClrLst/>
+    <dgm:txFillClrLst meth="repeat">
+      <a:schemeClr val="dk1"/>
+    </dgm:txFillClrLst>
+    <dgm:txEffectClrLst/>
+  </dgm:styleLbl>
+  <dgm:styleLbl name="fgAcc2">
+    <dgm:fillClrLst meth="repeat">
+      <a:schemeClr val="lt1">
+        <a:alpha val="90000"/>
+      </a:schemeClr>
+    </dgm:fillClrLst>
+    <dgm:linClrLst>
+      <a:schemeClr val="accent6"/>
+    </dgm:linClrLst>
+    <dgm:effectClrLst/>
+    <dgm:txLinClrLst/>
+    <dgm:txFillClrLst meth="repeat">
+      <a:schemeClr val="dk1"/>
+    </dgm:txFillClrLst>
+    <dgm:txEffectClrLst/>
+  </dgm:styleLbl>
+  <dgm:styleLbl name="fgAcc3">
+    <dgm:fillClrLst meth="repeat">
+      <a:schemeClr val="lt1">
+        <a:alpha val="90000"/>
+      </a:schemeClr>
+    </dgm:fillClrLst>
+    <dgm:linClrLst>
+      <a:schemeClr val="accent1"/>
+    </dgm:linClrLst>
+    <dgm:effectClrLst/>
+    <dgm:txLinClrLst/>
+    <dgm:txFillClrLst meth="repeat">
+      <a:schemeClr val="dk1"/>
+    </dgm:txFillClrLst>
+    <dgm:txEffectClrLst/>
+  </dgm:styleLbl>
+  <dgm:styleLbl name="fgAcc4">
+    <dgm:fillClrLst meth="repeat">
+      <a:schemeClr val="lt1">
+        <a:alpha val="90000"/>
+      </a:schemeClr>
+    </dgm:fillClrLst>
+    <dgm:linClrLst>
+      <a:schemeClr val="accent2"/>
+    </dgm:linClrLst>
+    <dgm:effectClrLst/>
+    <dgm:txLinClrLst/>
+    <dgm:txFillClrLst meth="repeat">
+      <a:schemeClr val="dk1"/>
+    </dgm:txFillClrLst>
+    <dgm:txEffectClrLst/>
+  </dgm:styleLbl>
+  <dgm:styleLbl name="bgShp">
+    <dgm:fillClrLst meth="repeat">
+      <a:schemeClr val="bg1">
+        <a:lumMod val="95000"/>
+      </a:schemeClr>
+    </dgm:fillClrLst>
+    <dgm:linClrLst meth="repeat">
+      <a:schemeClr val="dk1"/>
+    </dgm:linClrLst>
+    <dgm:effectClrLst/>
+    <dgm:txLinClrLst/>
+    <dgm:txFillClrLst meth="repeat">
+      <a:schemeClr val="dk1"/>
+    </dgm:txFillClrLst>
+    <dgm:txEffectClrLst/>
+  </dgm:styleLbl>
+  <dgm:styleLbl name="dkBgShp">
+    <dgm:fillClrLst meth="repeat">
+      <a:schemeClr val="accent5">
+        <a:shade val="90000"/>
+      </a:schemeClr>
+    </dgm:fillClrLst>
+    <dgm:linClrLst meth="repeat">
+      <a:schemeClr val="dk1"/>
+    </dgm:linClrLst>
+    <dgm:effectClrLst/>
+    <dgm:txLinClrLst/>
+    <dgm:txFillClrLst meth="repeat">
+      <a:schemeClr val="lt1"/>
+    </dgm:txFillClrLst>
+    <dgm:txEffectClrLst/>
+  </dgm:styleLbl>
+  <dgm:styleLbl name="trBgShp">
+    <dgm:fillClrLst meth="repeat">
+      <a:schemeClr val="accent5">
+        <a:tint val="50000"/>
+        <a:alpha val="40000"/>
+      </a:schemeClr>
+    </dgm:fillClrLst>
+    <dgm:linClrLst meth="repeat">
+      <a:schemeClr val="accent5"/>
+    </dgm:linClrLst>
+    <dgm:effectClrLst/>
+    <dgm:txLinClrLst/>
+    <dgm:txFillClrLst meth="repeat">
+      <a:schemeClr val="lt1"/>
+    </dgm:txFillClrLst>
+    <dgm:txEffectClrLst/>
+  </dgm:styleLbl>
+  <dgm:styleLbl name="fgShp">
+    <dgm:fillClrLst meth="repeat">
+      <a:schemeClr val="accent5">
+        <a:tint val="40000"/>
+      </a:schemeClr>
+    </dgm:fillClrLst>
+    <dgm:linClrLst meth="repeat">
+      <a:schemeClr val="lt1"/>
+    </dgm:linClrLst>
+    <dgm:effectClrLst/>
+    <dgm:txLinClrLst/>
+    <dgm:txFillClrLst meth="repeat">
+      <a:schemeClr val="dk1"/>
+    </dgm:txFillClrLst>
+    <dgm:txEffectClrLst/>
+  </dgm:styleLbl>
+  <dgm:styleLbl name="revTx">
+    <dgm:fillClrLst meth="repeat">
+      <a:schemeClr val="lt1">
+        <a:alpha val="0"/>
+      </a:schemeClr>
+    </dgm:fillClrLst>
+    <dgm:linClrLst meth="repeat">
+      <a:schemeClr val="dk1">
+        <a:alpha val="0"/>
+      </a:schemeClr>
+    </dgm:linClrLst>
+    <dgm:effectClrLst/>
+    <dgm:txLinClrLst/>
+    <dgm:txFillClrLst meth="repeat">
+      <a:schemeClr val="tx1"/>
+    </dgm:txFillClrLst>
+    <dgm:txEffectClrLst/>
+  </dgm:styleLbl>
+</dgm:colorsDef>
+</file>
+
+<file path=ppt/diagrams/colors3.xml><?xml version="1.0" encoding="utf-8"?>
 <dgm:colorsDef xmlns:dgm="http://schemas.openxmlformats.org/drawingml/2006/diagram" xmlns:a="http://schemas.openxmlformats.org/drawingml/2006/main" uniqueId="urn:microsoft.com/office/officeart/2018/5/colors/Iconchunking_neutralbg_colorful1">
   <dgm:title val=""/>
   <dgm:desc val=""/>
@@ -1859,6 +2646,62 @@
       </dgm:t>
     </dgm:pt>
     <dgm:pt modelId="{F37480CC-9218-473F-A7C2-A09ED8654A54}">
+      <dgm:prSet custT="1"/>
+      <dgm:spPr/>
+      <dgm:t>
+        <a:bodyPr/>
+        <a:lstStyle/>
+        <a:p>
+          <a:pPr>
+            <a:lnSpc>
+              <a:spcPct val="100000"/>
+            </a:lnSpc>
+          </a:pPr>
+          <a:r>
+            <a:rPr lang="en-GB" sz="2400" dirty="0">
+              <a:solidFill>
+                <a:schemeClr val="tx1">
+                  <a:lumMod val="65000"/>
+                  <a:lumOff val="35000"/>
+                </a:schemeClr>
+              </a:solidFill>
+              <a:latin typeface="Metropolis" panose="00000500000000000000" pitchFamily="50" charset="0"/>
+            </a:rPr>
+            <a:t>Declarative</a:t>
+          </a:r>
+          <a:endParaRPr lang="en-US" sz="2400" dirty="0">
+            <a:latin typeface="Metropolis"/>
+          </a:endParaRPr>
+        </a:p>
+      </dgm:t>
+    </dgm:pt>
+    <dgm:pt modelId="{D8AE2A30-D28D-40C3-B88A-D55C969EAA04}" type="parTrans" cxnId="{607FF0A2-B662-48DE-BF0E-94D835243440}">
+      <dgm:prSet/>
+      <dgm:spPr/>
+      <dgm:t>
+        <a:bodyPr/>
+        <a:lstStyle/>
+        <a:p>
+          <a:endParaRPr lang="en-US">
+            <a:latin typeface="Metropolis"/>
+          </a:endParaRPr>
+        </a:p>
+      </dgm:t>
+    </dgm:pt>
+    <dgm:pt modelId="{1A6E2892-F4FB-4F10-A5C1-D592D66DBB27}" type="sibTrans" cxnId="{607FF0A2-B662-48DE-BF0E-94D835243440}">
+      <dgm:prSet/>
+      <dgm:spPr/>
+      <dgm:t>
+        <a:bodyPr/>
+        <a:lstStyle/>
+        <a:p>
+          <a:endParaRPr lang="en-US">
+            <a:latin typeface="Metropolis"/>
+          </a:endParaRPr>
+        </a:p>
+      </dgm:t>
+    </dgm:pt>
+    <dgm:pt modelId="{AD0937D6-C270-46D8-9FBD-34CE6C82F0DC}">
       <dgm:prSet/>
       <dgm:spPr/>
       <dgm:t>
@@ -1872,11 +2715,665 @@
           </a:pPr>
           <a:r>
             <a:rPr lang="en-GB" dirty="0">
+              <a:solidFill>
+                <a:schemeClr val="tx1">
+                  <a:lumMod val="65000"/>
+                  <a:lumOff val="35000"/>
+                </a:schemeClr>
+              </a:solidFill>
+              <a:latin typeface="Metropolis" panose="00000500000000000000" pitchFamily="50" charset="0"/>
+            </a:rPr>
+            <a:t>Idempotent/Repeatable</a:t>
+          </a:r>
+        </a:p>
+      </dgm:t>
+    </dgm:pt>
+    <dgm:pt modelId="{7D858EDD-8F12-4FB6-A981-E227B1D85995}" type="parTrans" cxnId="{A4AB5C23-02F8-42AC-95B4-D1074D12226A}">
+      <dgm:prSet/>
+      <dgm:spPr/>
+      <dgm:t>
+        <a:bodyPr/>
+        <a:lstStyle/>
+        <a:p>
+          <a:endParaRPr lang="en-GB"/>
+        </a:p>
+      </dgm:t>
+    </dgm:pt>
+    <dgm:pt modelId="{2FDB216C-870A-4F18-B20A-D2BFAAABC59A}" type="sibTrans" cxnId="{A4AB5C23-02F8-42AC-95B4-D1074D12226A}">
+      <dgm:prSet/>
+      <dgm:spPr/>
+      <dgm:t>
+        <a:bodyPr/>
+        <a:lstStyle/>
+        <a:p>
+          <a:endParaRPr lang="en-GB"/>
+        </a:p>
+      </dgm:t>
+    </dgm:pt>
+    <dgm:pt modelId="{994E48BB-C751-4823-B216-E871AE07250B}">
+      <dgm:prSet/>
+      <dgm:spPr/>
+      <dgm:t>
+        <a:bodyPr/>
+        <a:lstStyle/>
+        <a:p>
+          <a:pPr>
+            <a:lnSpc>
+              <a:spcPct val="100000"/>
+            </a:lnSpc>
+          </a:pPr>
+          <a:r>
+            <a:rPr lang="en-GB">
+              <a:solidFill>
+                <a:schemeClr val="tx1">
+                  <a:lumMod val="65000"/>
+                  <a:lumOff val="35000"/>
+                </a:schemeClr>
+              </a:solidFill>
+              <a:latin typeface="Metropolis" panose="00000500000000000000" pitchFamily="50" charset="0"/>
+            </a:rPr>
+            <a:t>Immutable</a:t>
+          </a:r>
+          <a:endParaRPr lang="en-GB" dirty="0">
+            <a:solidFill>
+              <a:schemeClr val="tx1">
+                <a:lumMod val="65000"/>
+                <a:lumOff val="35000"/>
+              </a:schemeClr>
+            </a:solidFill>
+            <a:latin typeface="Metropolis" panose="00000500000000000000" pitchFamily="50" charset="0"/>
+          </a:endParaRPr>
+        </a:p>
+      </dgm:t>
+    </dgm:pt>
+    <dgm:pt modelId="{2FFB55EE-B18A-453B-BFEF-36169F836BFB}" type="parTrans" cxnId="{0D90302B-CD51-4091-8B95-5FA731DE6D74}">
+      <dgm:prSet/>
+      <dgm:spPr/>
+      <dgm:t>
+        <a:bodyPr/>
+        <a:lstStyle/>
+        <a:p>
+          <a:endParaRPr lang="en-GB"/>
+        </a:p>
+      </dgm:t>
+    </dgm:pt>
+    <dgm:pt modelId="{9BF1B34C-F4D7-4AF1-BB5E-14A2201F9D7D}" type="sibTrans" cxnId="{0D90302B-CD51-4091-8B95-5FA731DE6D74}">
+      <dgm:prSet/>
+      <dgm:spPr/>
+      <dgm:t>
+        <a:bodyPr/>
+        <a:lstStyle/>
+        <a:p>
+          <a:endParaRPr lang="en-GB"/>
+        </a:p>
+      </dgm:t>
+    </dgm:pt>
+    <dgm:pt modelId="{E9A6EC65-C6FD-4EC9-AF12-047EEED617EF}">
+      <dgm:prSet/>
+      <dgm:spPr/>
+      <dgm:t>
+        <a:bodyPr/>
+        <a:lstStyle/>
+        <a:p>
+          <a:pPr>
+            <a:lnSpc>
+              <a:spcPct val="100000"/>
+            </a:lnSpc>
+          </a:pPr>
+          <a:r>
+            <a:rPr lang="en-GB">
+              <a:solidFill>
+                <a:schemeClr val="tx1">
+                  <a:lumMod val="65000"/>
+                  <a:lumOff val="35000"/>
+                </a:schemeClr>
+              </a:solidFill>
+              <a:latin typeface="Metropolis" panose="00000500000000000000" pitchFamily="50" charset="0"/>
+            </a:rPr>
+            <a:t>Reusable</a:t>
+          </a:r>
+          <a:endParaRPr lang="en-GB" dirty="0">
+            <a:solidFill>
+              <a:schemeClr val="tx1">
+                <a:lumMod val="65000"/>
+                <a:lumOff val="35000"/>
+              </a:schemeClr>
+            </a:solidFill>
+            <a:latin typeface="Metropolis" panose="00000500000000000000" pitchFamily="50" charset="0"/>
+          </a:endParaRPr>
+        </a:p>
+      </dgm:t>
+    </dgm:pt>
+    <dgm:pt modelId="{261A180E-E359-4C08-B326-9B23EA0364D1}" type="parTrans" cxnId="{2504F840-8F05-42E0-A746-F90305FCD35A}">
+      <dgm:prSet/>
+      <dgm:spPr/>
+      <dgm:t>
+        <a:bodyPr/>
+        <a:lstStyle/>
+        <a:p>
+          <a:endParaRPr lang="en-GB"/>
+        </a:p>
+      </dgm:t>
+    </dgm:pt>
+    <dgm:pt modelId="{A0951EB1-4ECB-4F15-97B0-B23EAAF18303}" type="sibTrans" cxnId="{2504F840-8F05-42E0-A746-F90305FCD35A}">
+      <dgm:prSet/>
+      <dgm:spPr/>
+      <dgm:t>
+        <a:bodyPr/>
+        <a:lstStyle/>
+        <a:p>
+          <a:endParaRPr lang="en-GB"/>
+        </a:p>
+      </dgm:t>
+    </dgm:pt>
+    <dgm:pt modelId="{D70183FA-1DC3-4376-AC23-2EC3CC08C710}">
+      <dgm:prSet/>
+      <dgm:spPr/>
+      <dgm:t>
+        <a:bodyPr/>
+        <a:lstStyle/>
+        <a:p>
+          <a:pPr>
+            <a:lnSpc>
+              <a:spcPct val="100000"/>
+            </a:lnSpc>
+          </a:pPr>
+          <a:r>
+            <a:rPr lang="en-GB">
+              <a:solidFill>
+                <a:schemeClr val="tx1">
+                  <a:lumMod val="65000"/>
+                  <a:lumOff val="35000"/>
+                </a:schemeClr>
+              </a:solidFill>
+              <a:latin typeface="Metropolis" panose="00000500000000000000" pitchFamily="50" charset="0"/>
+            </a:rPr>
+            <a:t>Modular</a:t>
+          </a:r>
+          <a:endParaRPr lang="en-GB" dirty="0">
+            <a:solidFill>
+              <a:schemeClr val="tx1">
+                <a:lumMod val="65000"/>
+                <a:lumOff val="35000"/>
+              </a:schemeClr>
+            </a:solidFill>
+            <a:latin typeface="Metropolis" panose="00000500000000000000" pitchFamily="50" charset="0"/>
+          </a:endParaRPr>
+        </a:p>
+      </dgm:t>
+    </dgm:pt>
+    <dgm:pt modelId="{5CB761A3-0148-4482-A156-388A7DB9F32A}" type="parTrans" cxnId="{EC8E5C55-5835-4C56-903E-2A2B230B7C9D}">
+      <dgm:prSet/>
+      <dgm:spPr/>
+      <dgm:t>
+        <a:bodyPr/>
+        <a:lstStyle/>
+        <a:p>
+          <a:endParaRPr lang="en-GB"/>
+        </a:p>
+      </dgm:t>
+    </dgm:pt>
+    <dgm:pt modelId="{EA411224-5770-4365-B24A-129B0FD3B250}" type="sibTrans" cxnId="{EC8E5C55-5835-4C56-903E-2A2B230B7C9D}">
+      <dgm:prSet/>
+      <dgm:spPr/>
+      <dgm:t>
+        <a:bodyPr/>
+        <a:lstStyle/>
+        <a:p>
+          <a:endParaRPr lang="en-GB"/>
+        </a:p>
+      </dgm:t>
+    </dgm:pt>
+    <dgm:pt modelId="{D4B7E7C1-A5CC-4010-B03B-4B2226877E37}">
+      <dgm:prSet/>
+      <dgm:spPr/>
+      <dgm:t>
+        <a:bodyPr/>
+        <a:lstStyle/>
+        <a:p>
+          <a:pPr>
+            <a:lnSpc>
+              <a:spcPct val="100000"/>
+            </a:lnSpc>
+          </a:pPr>
+          <a:r>
+            <a:rPr lang="en-GB">
+              <a:solidFill>
+                <a:schemeClr val="tx1">
+                  <a:lumMod val="65000"/>
+                  <a:lumOff val="35000"/>
+                </a:schemeClr>
+              </a:solidFill>
+              <a:latin typeface="Metropolis" panose="00000500000000000000" pitchFamily="50" charset="0"/>
+            </a:rPr>
+            <a:t>Drift Correction</a:t>
+          </a:r>
+          <a:endParaRPr lang="en-GB" dirty="0">
+            <a:solidFill>
+              <a:schemeClr val="tx1">
+                <a:lumMod val="65000"/>
+                <a:lumOff val="35000"/>
+              </a:schemeClr>
+            </a:solidFill>
+            <a:latin typeface="Metropolis" panose="00000500000000000000" pitchFamily="50" charset="0"/>
+          </a:endParaRPr>
+        </a:p>
+      </dgm:t>
+    </dgm:pt>
+    <dgm:pt modelId="{1186B269-7E20-42AD-AAFE-2F8E9333C8A7}" type="parTrans" cxnId="{1AFBB645-864C-4CB1-B3A5-3114C4B147A4}">
+      <dgm:prSet/>
+      <dgm:spPr/>
+      <dgm:t>
+        <a:bodyPr/>
+        <a:lstStyle/>
+        <a:p>
+          <a:endParaRPr lang="en-GB"/>
+        </a:p>
+      </dgm:t>
+    </dgm:pt>
+    <dgm:pt modelId="{3841E93B-7866-4869-9242-E73CEA182359}" type="sibTrans" cxnId="{1AFBB645-864C-4CB1-B3A5-3114C4B147A4}">
+      <dgm:prSet/>
+      <dgm:spPr/>
+      <dgm:t>
+        <a:bodyPr/>
+        <a:lstStyle/>
+        <a:p>
+          <a:endParaRPr lang="en-GB"/>
+        </a:p>
+      </dgm:t>
+    </dgm:pt>
+    <dgm:pt modelId="{FB37532D-9183-4DE9-B6D6-1FF31D6A897D}" type="pres">
+      <dgm:prSet presAssocID="{517B4FBD-E968-451B-AB26-46309F8F7F61}" presName="root" presStyleCnt="0">
+        <dgm:presLayoutVars>
+          <dgm:dir/>
+          <dgm:resizeHandles val="exact"/>
+        </dgm:presLayoutVars>
+      </dgm:prSet>
+      <dgm:spPr/>
+    </dgm:pt>
+    <dgm:pt modelId="{273E18F3-0FDA-4091-AD15-CFA3D42A97C8}" type="pres">
+      <dgm:prSet presAssocID="{F37480CC-9218-473F-A7C2-A09ED8654A54}" presName="compNode" presStyleCnt="0"/>
+      <dgm:spPr/>
+    </dgm:pt>
+    <dgm:pt modelId="{1A9337D5-25E7-4924-B4A3-C4163E38FDBF}" type="pres">
+      <dgm:prSet presAssocID="{F37480CC-9218-473F-A7C2-A09ED8654A54}" presName="bgRect" presStyleLbl="bgShp" presStyleIdx="0" presStyleCnt="6"/>
+      <dgm:spPr/>
+    </dgm:pt>
+    <dgm:pt modelId="{50D0172E-0CDE-4405-9064-62AD7F6A33BD}" type="pres">
+      <dgm:prSet presAssocID="{F37480CC-9218-473F-A7C2-A09ED8654A54}" presName="iconRect" presStyleLbl="node1" presStyleIdx="0" presStyleCnt="6"/>
+      <dgm:spPr>
+        <a:blipFill>
+          <a:blip xmlns:r="http://schemas.openxmlformats.org/officeDocument/2006/relationships" r:embed="rId1">
+            <a:extLst>
+              <a:ext uri="{28A0092B-C50C-407E-A947-70E740481C1C}">
+                <a14:useLocalDpi xmlns:a14="http://schemas.microsoft.com/office/drawing/2010/main" val="0"/>
+              </a:ext>
+              <a:ext uri="{96DAC541-7B7A-43D3-8B79-37D633B846F1}">
+                <asvg:svgBlip xmlns:asvg="http://schemas.microsoft.com/office/drawing/2016/SVG/main" r:embed="rId2"/>
+              </a:ext>
+            </a:extLst>
+          </a:blip>
+          <a:stretch>
+            <a:fillRect/>
+          </a:stretch>
+        </a:blipFill>
+        <a:ln>
+          <a:noFill/>
+        </a:ln>
+      </dgm:spPr>
+      <dgm:extLst>
+        <a:ext uri="{E40237B7-FDA0-4F09-8148-C483321AD2D9}">
+          <dgm14:cNvPr xmlns:dgm14="http://schemas.microsoft.com/office/drawing/2010/diagram" id="0" name="" descr="Checkmark"/>
+        </a:ext>
+      </dgm:extLst>
+    </dgm:pt>
+    <dgm:pt modelId="{28E95CB5-C8BA-4340-AD80-2F97BF981675}" type="pres">
+      <dgm:prSet presAssocID="{F37480CC-9218-473F-A7C2-A09ED8654A54}" presName="spaceRect" presStyleCnt="0"/>
+      <dgm:spPr/>
+    </dgm:pt>
+    <dgm:pt modelId="{2C92AB86-DDC2-4A84-B2BD-B730C3294E94}" type="pres">
+      <dgm:prSet presAssocID="{F37480CC-9218-473F-A7C2-A09ED8654A54}" presName="parTx" presStyleLbl="revTx" presStyleIdx="0" presStyleCnt="6">
+        <dgm:presLayoutVars>
+          <dgm:chMax val="0"/>
+          <dgm:chPref val="0"/>
+        </dgm:presLayoutVars>
+      </dgm:prSet>
+      <dgm:spPr/>
+    </dgm:pt>
+    <dgm:pt modelId="{C2CF7029-A2E8-4DE7-9CF1-12B32EDCC61A}" type="pres">
+      <dgm:prSet presAssocID="{1A6E2892-F4FB-4F10-A5C1-D592D66DBB27}" presName="sibTrans" presStyleCnt="0"/>
+      <dgm:spPr/>
+    </dgm:pt>
+    <dgm:pt modelId="{0B5E34F3-1396-4917-9BF0-DFC083812E21}" type="pres">
+      <dgm:prSet presAssocID="{AD0937D6-C270-46D8-9FBD-34CE6C82F0DC}" presName="compNode" presStyleCnt="0"/>
+      <dgm:spPr/>
+    </dgm:pt>
+    <dgm:pt modelId="{DA57E416-7B54-44BD-B98E-90AA9CFD5CAB}" type="pres">
+      <dgm:prSet presAssocID="{AD0937D6-C270-46D8-9FBD-34CE6C82F0DC}" presName="bgRect" presStyleLbl="bgShp" presStyleIdx="1" presStyleCnt="6"/>
+      <dgm:spPr/>
+    </dgm:pt>
+    <dgm:pt modelId="{326009E7-8296-4A8C-984D-781CBAC4A7DE}" type="pres">
+      <dgm:prSet presAssocID="{AD0937D6-C270-46D8-9FBD-34CE6C82F0DC}" presName="iconRect" presStyleLbl="node1" presStyleIdx="1" presStyleCnt="6"/>
+      <dgm:spPr>
+        <a:blipFill>
+          <a:blip xmlns:r="http://schemas.openxmlformats.org/officeDocument/2006/relationships" r:embed="rId3">
+            <a:extLst>
+              <a:ext uri="{96DAC541-7B7A-43D3-8B79-37D633B846F1}">
+                <asvg:svgBlip xmlns:asvg="http://schemas.microsoft.com/office/drawing/2016/SVG/main" r:embed="rId4"/>
+              </a:ext>
+            </a:extLst>
+          </a:blip>
+          <a:srcRect/>
+          <a:stretch>
+            <a:fillRect/>
+          </a:stretch>
+        </a:blipFill>
+      </dgm:spPr>
+      <dgm:extLst>
+        <a:ext uri="{E40237B7-FDA0-4F09-8148-C483321AD2D9}">
+          <dgm14:cNvPr xmlns:dgm14="http://schemas.microsoft.com/office/drawing/2010/diagram" id="0" name="" descr="Line arrow Rotate right"/>
+        </a:ext>
+      </dgm:extLst>
+    </dgm:pt>
+    <dgm:pt modelId="{B4275EC5-B231-4641-8531-A5AC018F3C3A}" type="pres">
+      <dgm:prSet presAssocID="{AD0937D6-C270-46D8-9FBD-34CE6C82F0DC}" presName="spaceRect" presStyleCnt="0"/>
+      <dgm:spPr/>
+    </dgm:pt>
+    <dgm:pt modelId="{02C131D9-A950-44E7-B6C0-97A1BC9809EB}" type="pres">
+      <dgm:prSet presAssocID="{AD0937D6-C270-46D8-9FBD-34CE6C82F0DC}" presName="parTx" presStyleLbl="revTx" presStyleIdx="1" presStyleCnt="6">
+        <dgm:presLayoutVars>
+          <dgm:chMax val="0"/>
+          <dgm:chPref val="0"/>
+        </dgm:presLayoutVars>
+      </dgm:prSet>
+      <dgm:spPr/>
+    </dgm:pt>
+    <dgm:pt modelId="{F235674A-4951-42F6-AD54-DEECF397E86F}" type="pres">
+      <dgm:prSet presAssocID="{2FDB216C-870A-4F18-B20A-D2BFAAABC59A}" presName="sibTrans" presStyleCnt="0"/>
+      <dgm:spPr/>
+    </dgm:pt>
+    <dgm:pt modelId="{37398A87-17A1-425F-A6AE-1A744CAA96FD}" type="pres">
+      <dgm:prSet presAssocID="{994E48BB-C751-4823-B216-E871AE07250B}" presName="compNode" presStyleCnt="0"/>
+      <dgm:spPr/>
+    </dgm:pt>
+    <dgm:pt modelId="{29E61F44-56B0-4BA1-8BC6-104C1BC2E210}" type="pres">
+      <dgm:prSet presAssocID="{994E48BB-C751-4823-B216-E871AE07250B}" presName="bgRect" presStyleLbl="bgShp" presStyleIdx="2" presStyleCnt="6"/>
+      <dgm:spPr/>
+    </dgm:pt>
+    <dgm:pt modelId="{28DFD823-B817-47FE-AE63-24CB73163A8D}" type="pres">
+      <dgm:prSet presAssocID="{994E48BB-C751-4823-B216-E871AE07250B}" presName="iconRect" presStyleLbl="node1" presStyleIdx="2" presStyleCnt="6"/>
+      <dgm:spPr>
+        <a:blipFill>
+          <a:blip xmlns:r="http://schemas.openxmlformats.org/officeDocument/2006/relationships" r:embed="rId5">
+            <a:extLst>
+              <a:ext uri="{96DAC541-7B7A-43D3-8B79-37D633B846F1}">
+                <asvg:svgBlip xmlns:asvg="http://schemas.microsoft.com/office/drawing/2016/SVG/main" r:embed="rId6"/>
+              </a:ext>
+            </a:extLst>
+          </a:blip>
+          <a:srcRect/>
+          <a:stretch>
+            <a:fillRect/>
+          </a:stretch>
+        </a:blipFill>
+      </dgm:spPr>
+      <dgm:extLst>
+        <a:ext uri="{E40237B7-FDA0-4F09-8148-C483321AD2D9}">
+          <dgm14:cNvPr xmlns:dgm14="http://schemas.microsoft.com/office/drawing/2010/diagram" id="0" name="" descr="Tools"/>
+        </a:ext>
+      </dgm:extLst>
+    </dgm:pt>
+    <dgm:pt modelId="{427EEFEE-1F2B-41C1-B32B-80C1A082384E}" type="pres">
+      <dgm:prSet presAssocID="{994E48BB-C751-4823-B216-E871AE07250B}" presName="spaceRect" presStyleCnt="0"/>
+      <dgm:spPr/>
+    </dgm:pt>
+    <dgm:pt modelId="{FB257173-4836-4B1C-BAAB-CE68D6B5CA8C}" type="pres">
+      <dgm:prSet presAssocID="{994E48BB-C751-4823-B216-E871AE07250B}" presName="parTx" presStyleLbl="revTx" presStyleIdx="2" presStyleCnt="6">
+        <dgm:presLayoutVars>
+          <dgm:chMax val="0"/>
+          <dgm:chPref val="0"/>
+        </dgm:presLayoutVars>
+      </dgm:prSet>
+      <dgm:spPr/>
+    </dgm:pt>
+    <dgm:pt modelId="{E057A0CA-707B-4CB1-A725-F8F0AC086803}" type="pres">
+      <dgm:prSet presAssocID="{9BF1B34C-F4D7-4AF1-BB5E-14A2201F9D7D}" presName="sibTrans" presStyleCnt="0"/>
+      <dgm:spPr/>
+    </dgm:pt>
+    <dgm:pt modelId="{DD935838-2885-488E-8CF6-99BB6DE3B3D6}" type="pres">
+      <dgm:prSet presAssocID="{E9A6EC65-C6FD-4EC9-AF12-047EEED617EF}" presName="compNode" presStyleCnt="0"/>
+      <dgm:spPr/>
+    </dgm:pt>
+    <dgm:pt modelId="{CE3458F3-E9A0-494E-A82F-95BA3E7AF313}" type="pres">
+      <dgm:prSet presAssocID="{E9A6EC65-C6FD-4EC9-AF12-047EEED617EF}" presName="bgRect" presStyleLbl="bgShp" presStyleIdx="3" presStyleCnt="6"/>
+      <dgm:spPr/>
+    </dgm:pt>
+    <dgm:pt modelId="{9EDD302E-5BFC-4895-BEC4-6C2269DC4288}" type="pres">
+      <dgm:prSet presAssocID="{E9A6EC65-C6FD-4EC9-AF12-047EEED617EF}" presName="iconRect" presStyleLbl="node1" presStyleIdx="3" presStyleCnt="6"/>
+      <dgm:spPr>
+        <a:blipFill>
+          <a:blip xmlns:r="http://schemas.openxmlformats.org/officeDocument/2006/relationships" r:embed="rId7">
+            <a:extLst>
+              <a:ext uri="{96DAC541-7B7A-43D3-8B79-37D633B846F1}">
+                <asvg:svgBlip xmlns:asvg="http://schemas.microsoft.com/office/drawing/2016/SVG/main" r:embed="rId8"/>
+              </a:ext>
+            </a:extLst>
+          </a:blip>
+          <a:srcRect/>
+          <a:stretch>
+            <a:fillRect/>
+          </a:stretch>
+        </a:blipFill>
+      </dgm:spPr>
+      <dgm:extLst>
+        <a:ext uri="{E40237B7-FDA0-4F09-8148-C483321AD2D9}">
+          <dgm14:cNvPr xmlns:dgm14="http://schemas.microsoft.com/office/drawing/2010/diagram" id="0" name="" descr="Recycle sign"/>
+        </a:ext>
+      </dgm:extLst>
+    </dgm:pt>
+    <dgm:pt modelId="{973279DC-5F2E-4DE8-BD9A-9DEFE1E42A87}" type="pres">
+      <dgm:prSet presAssocID="{E9A6EC65-C6FD-4EC9-AF12-047EEED617EF}" presName="spaceRect" presStyleCnt="0"/>
+      <dgm:spPr/>
+    </dgm:pt>
+    <dgm:pt modelId="{B280C9E1-23C9-4546-81B2-554BE757BCE9}" type="pres">
+      <dgm:prSet presAssocID="{E9A6EC65-C6FD-4EC9-AF12-047EEED617EF}" presName="parTx" presStyleLbl="revTx" presStyleIdx="3" presStyleCnt="6">
+        <dgm:presLayoutVars>
+          <dgm:chMax val="0"/>
+          <dgm:chPref val="0"/>
+        </dgm:presLayoutVars>
+      </dgm:prSet>
+      <dgm:spPr/>
+    </dgm:pt>
+    <dgm:pt modelId="{05FACA25-369D-49E1-9D7C-9BD0E605EB42}" type="pres">
+      <dgm:prSet presAssocID="{A0951EB1-4ECB-4F15-97B0-B23EAAF18303}" presName="sibTrans" presStyleCnt="0"/>
+      <dgm:spPr/>
+    </dgm:pt>
+    <dgm:pt modelId="{FC91A55A-D8C8-4822-8384-FAB9743C7888}" type="pres">
+      <dgm:prSet presAssocID="{D70183FA-1DC3-4376-AC23-2EC3CC08C710}" presName="compNode" presStyleCnt="0"/>
+      <dgm:spPr/>
+    </dgm:pt>
+    <dgm:pt modelId="{8852D19B-5544-46A5-9DBB-FBE694B15C7B}" type="pres">
+      <dgm:prSet presAssocID="{D70183FA-1DC3-4376-AC23-2EC3CC08C710}" presName="bgRect" presStyleLbl="bgShp" presStyleIdx="4" presStyleCnt="6"/>
+      <dgm:spPr/>
+    </dgm:pt>
+    <dgm:pt modelId="{916CA36C-FED6-4AF1-B0B8-E47ED4AAD046}" type="pres">
+      <dgm:prSet presAssocID="{D70183FA-1DC3-4376-AC23-2EC3CC08C710}" presName="iconRect" presStyleLbl="node1" presStyleIdx="4" presStyleCnt="6"/>
+      <dgm:spPr>
+        <a:blipFill>
+          <a:blip xmlns:r="http://schemas.openxmlformats.org/officeDocument/2006/relationships" r:embed="rId9">
+            <a:extLst>
+              <a:ext uri="{96DAC541-7B7A-43D3-8B79-37D633B846F1}">
+                <asvg:svgBlip xmlns:asvg="http://schemas.microsoft.com/office/drawing/2016/SVG/main" r:embed="rId10"/>
+              </a:ext>
+            </a:extLst>
+          </a:blip>
+          <a:srcRect/>
+          <a:stretch>
+            <a:fillRect/>
+          </a:stretch>
+        </a:blipFill>
+      </dgm:spPr>
+      <dgm:extLst>
+        <a:ext uri="{E40237B7-FDA0-4F09-8148-C483321AD2D9}">
+          <dgm14:cNvPr xmlns:dgm14="http://schemas.microsoft.com/office/drawing/2010/diagram" id="0" name="" descr="Puzzle"/>
+        </a:ext>
+      </dgm:extLst>
+    </dgm:pt>
+    <dgm:pt modelId="{3FB537BC-24B9-4256-9054-CAF8CAB53217}" type="pres">
+      <dgm:prSet presAssocID="{D70183FA-1DC3-4376-AC23-2EC3CC08C710}" presName="spaceRect" presStyleCnt="0"/>
+      <dgm:spPr/>
+    </dgm:pt>
+    <dgm:pt modelId="{21D34862-99EB-4975-90BF-4C949049846F}" type="pres">
+      <dgm:prSet presAssocID="{D70183FA-1DC3-4376-AC23-2EC3CC08C710}" presName="parTx" presStyleLbl="revTx" presStyleIdx="4" presStyleCnt="6">
+        <dgm:presLayoutVars>
+          <dgm:chMax val="0"/>
+          <dgm:chPref val="0"/>
+        </dgm:presLayoutVars>
+      </dgm:prSet>
+      <dgm:spPr/>
+    </dgm:pt>
+    <dgm:pt modelId="{2F408962-5040-49C6-8676-79FA626FAA2E}" type="pres">
+      <dgm:prSet presAssocID="{EA411224-5770-4365-B24A-129B0FD3B250}" presName="sibTrans" presStyleCnt="0"/>
+      <dgm:spPr/>
+    </dgm:pt>
+    <dgm:pt modelId="{09C5DAE4-0CC5-48FC-BA9C-A29AEA160362}" type="pres">
+      <dgm:prSet presAssocID="{D4B7E7C1-A5CC-4010-B03B-4B2226877E37}" presName="compNode" presStyleCnt="0"/>
+      <dgm:spPr/>
+    </dgm:pt>
+    <dgm:pt modelId="{487B9B12-F207-4D89-A2F9-4CE6E15F6035}" type="pres">
+      <dgm:prSet presAssocID="{D4B7E7C1-A5CC-4010-B03B-4B2226877E37}" presName="bgRect" presStyleLbl="bgShp" presStyleIdx="5" presStyleCnt="6"/>
+      <dgm:spPr/>
+    </dgm:pt>
+    <dgm:pt modelId="{90CA8F6E-0FDE-4B1D-962B-2E480FE92D19}" type="pres">
+      <dgm:prSet presAssocID="{D4B7E7C1-A5CC-4010-B03B-4B2226877E37}" presName="iconRect" presStyleLbl="node1" presStyleIdx="5" presStyleCnt="6"/>
+      <dgm:spPr>
+        <a:blipFill>
+          <a:blip xmlns:r="http://schemas.openxmlformats.org/officeDocument/2006/relationships" r:embed="rId11">
+            <a:extLst>
+              <a:ext uri="{96DAC541-7B7A-43D3-8B79-37D633B846F1}">
+                <asvg:svgBlip xmlns:asvg="http://schemas.microsoft.com/office/drawing/2016/SVG/main" r:embed="rId12"/>
+              </a:ext>
+            </a:extLst>
+          </a:blip>
+          <a:srcRect/>
+          <a:stretch>
+            <a:fillRect/>
+          </a:stretch>
+        </a:blipFill>
+      </dgm:spPr>
+      <dgm:extLst>
+        <a:ext uri="{E40237B7-FDA0-4F09-8148-C483321AD2D9}">
+          <dgm14:cNvPr xmlns:dgm14="http://schemas.microsoft.com/office/drawing/2010/diagram" id="0" name="" descr="Line arrow Rotate left"/>
+        </a:ext>
+      </dgm:extLst>
+    </dgm:pt>
+    <dgm:pt modelId="{EC3261AB-3C8B-4A13-BF9A-D123355B3543}" type="pres">
+      <dgm:prSet presAssocID="{D4B7E7C1-A5CC-4010-B03B-4B2226877E37}" presName="spaceRect" presStyleCnt="0"/>
+      <dgm:spPr/>
+    </dgm:pt>
+    <dgm:pt modelId="{B4AB2D03-7CC3-429C-B1DD-4F861C9064EB}" type="pres">
+      <dgm:prSet presAssocID="{D4B7E7C1-A5CC-4010-B03B-4B2226877E37}" presName="parTx" presStyleLbl="revTx" presStyleIdx="5" presStyleCnt="6">
+        <dgm:presLayoutVars>
+          <dgm:chMax val="0"/>
+          <dgm:chPref val="0"/>
+        </dgm:presLayoutVars>
+      </dgm:prSet>
+      <dgm:spPr/>
+    </dgm:pt>
+  </dgm:ptLst>
+  <dgm:cxnLst>
+    <dgm:cxn modelId="{BDFD4A0C-E458-4FD3-9A7C-669B4211001B}" type="presOf" srcId="{F37480CC-9218-473F-A7C2-A09ED8654A54}" destId="{2C92AB86-DDC2-4A84-B2BD-B730C3294E94}" srcOrd="0" destOrd="0" presId="urn:microsoft.com/office/officeart/2018/2/layout/IconVerticalSolidList"/>
+    <dgm:cxn modelId="{C5EED320-97AC-483C-B441-0B8AB3F53917}" type="presOf" srcId="{D70183FA-1DC3-4376-AC23-2EC3CC08C710}" destId="{21D34862-99EB-4975-90BF-4C949049846F}" srcOrd="0" destOrd="0" presId="urn:microsoft.com/office/officeart/2018/2/layout/IconVerticalSolidList"/>
+    <dgm:cxn modelId="{07CE0E22-E7CD-4D38-8A77-590D9BA47419}" type="presOf" srcId="{AD0937D6-C270-46D8-9FBD-34CE6C82F0DC}" destId="{02C131D9-A950-44E7-B6C0-97A1BC9809EB}" srcOrd="0" destOrd="0" presId="urn:microsoft.com/office/officeart/2018/2/layout/IconVerticalSolidList"/>
+    <dgm:cxn modelId="{A4AB5C23-02F8-42AC-95B4-D1074D12226A}" srcId="{517B4FBD-E968-451B-AB26-46309F8F7F61}" destId="{AD0937D6-C270-46D8-9FBD-34CE6C82F0DC}" srcOrd="1" destOrd="0" parTransId="{7D858EDD-8F12-4FB6-A981-E227B1D85995}" sibTransId="{2FDB216C-870A-4F18-B20A-D2BFAAABC59A}"/>
+    <dgm:cxn modelId="{0D90302B-CD51-4091-8B95-5FA731DE6D74}" srcId="{517B4FBD-E968-451B-AB26-46309F8F7F61}" destId="{994E48BB-C751-4823-B216-E871AE07250B}" srcOrd="2" destOrd="0" parTransId="{2FFB55EE-B18A-453B-BFEF-36169F836BFB}" sibTransId="{9BF1B34C-F4D7-4AF1-BB5E-14A2201F9D7D}"/>
+    <dgm:cxn modelId="{FED92C3D-0110-4B0A-B29A-311B7A9C5A9B}" type="presOf" srcId="{517B4FBD-E968-451B-AB26-46309F8F7F61}" destId="{FB37532D-9183-4DE9-B6D6-1FF31D6A897D}" srcOrd="0" destOrd="0" presId="urn:microsoft.com/office/officeart/2018/2/layout/IconVerticalSolidList"/>
+    <dgm:cxn modelId="{2504F840-8F05-42E0-A746-F90305FCD35A}" srcId="{517B4FBD-E968-451B-AB26-46309F8F7F61}" destId="{E9A6EC65-C6FD-4EC9-AF12-047EEED617EF}" srcOrd="3" destOrd="0" parTransId="{261A180E-E359-4C08-B326-9B23EA0364D1}" sibTransId="{A0951EB1-4ECB-4F15-97B0-B23EAAF18303}"/>
+    <dgm:cxn modelId="{1AFBB645-864C-4CB1-B3A5-3114C4B147A4}" srcId="{517B4FBD-E968-451B-AB26-46309F8F7F61}" destId="{D4B7E7C1-A5CC-4010-B03B-4B2226877E37}" srcOrd="5" destOrd="0" parTransId="{1186B269-7E20-42AD-AAFE-2F8E9333C8A7}" sibTransId="{3841E93B-7866-4869-9242-E73CEA182359}"/>
+    <dgm:cxn modelId="{EC8E5C55-5835-4C56-903E-2A2B230B7C9D}" srcId="{517B4FBD-E968-451B-AB26-46309F8F7F61}" destId="{D70183FA-1DC3-4376-AC23-2EC3CC08C710}" srcOrd="4" destOrd="0" parTransId="{5CB761A3-0148-4482-A156-388A7DB9F32A}" sibTransId="{EA411224-5770-4365-B24A-129B0FD3B250}"/>
+    <dgm:cxn modelId="{300B1D56-48EC-4187-A873-AC96E0633B56}" type="presOf" srcId="{E9A6EC65-C6FD-4EC9-AF12-047EEED617EF}" destId="{B280C9E1-23C9-4546-81B2-554BE757BCE9}" srcOrd="0" destOrd="0" presId="urn:microsoft.com/office/officeart/2018/2/layout/IconVerticalSolidList"/>
+    <dgm:cxn modelId="{A1740E86-AF0B-43B9-8A83-6B4C82BC7513}" type="presOf" srcId="{D4B7E7C1-A5CC-4010-B03B-4B2226877E37}" destId="{B4AB2D03-7CC3-429C-B1DD-4F861C9064EB}" srcOrd="0" destOrd="0" presId="urn:microsoft.com/office/officeart/2018/2/layout/IconVerticalSolidList"/>
+    <dgm:cxn modelId="{607FF0A2-B662-48DE-BF0E-94D835243440}" srcId="{517B4FBD-E968-451B-AB26-46309F8F7F61}" destId="{F37480CC-9218-473F-A7C2-A09ED8654A54}" srcOrd="0" destOrd="0" parTransId="{D8AE2A30-D28D-40C3-B88A-D55C969EAA04}" sibTransId="{1A6E2892-F4FB-4F10-A5C1-D592D66DBB27}"/>
+    <dgm:cxn modelId="{128959C2-D46F-41A7-8825-398716E7F360}" type="presOf" srcId="{994E48BB-C751-4823-B216-E871AE07250B}" destId="{FB257173-4836-4B1C-BAAB-CE68D6B5CA8C}" srcOrd="0" destOrd="0" presId="urn:microsoft.com/office/officeart/2018/2/layout/IconVerticalSolidList"/>
+    <dgm:cxn modelId="{CBB8CD2B-DFA2-4D3A-8AA8-5DCCBB99F121}" type="presParOf" srcId="{FB37532D-9183-4DE9-B6D6-1FF31D6A897D}" destId="{273E18F3-0FDA-4091-AD15-CFA3D42A97C8}" srcOrd="0" destOrd="0" presId="urn:microsoft.com/office/officeart/2018/2/layout/IconVerticalSolidList"/>
+    <dgm:cxn modelId="{090A6B11-6814-4AB7-A154-C2A37C34A9C5}" type="presParOf" srcId="{273E18F3-0FDA-4091-AD15-CFA3D42A97C8}" destId="{1A9337D5-25E7-4924-B4A3-C4163E38FDBF}" srcOrd="0" destOrd="0" presId="urn:microsoft.com/office/officeart/2018/2/layout/IconVerticalSolidList"/>
+    <dgm:cxn modelId="{90F2AAE2-E18E-46A8-B1E8-1CED10222D2B}" type="presParOf" srcId="{273E18F3-0FDA-4091-AD15-CFA3D42A97C8}" destId="{50D0172E-0CDE-4405-9064-62AD7F6A33BD}" srcOrd="1" destOrd="0" presId="urn:microsoft.com/office/officeart/2018/2/layout/IconVerticalSolidList"/>
+    <dgm:cxn modelId="{90C646D6-D0F6-482C-9CB8-30EBEA1D088B}" type="presParOf" srcId="{273E18F3-0FDA-4091-AD15-CFA3D42A97C8}" destId="{28E95CB5-C8BA-4340-AD80-2F97BF981675}" srcOrd="2" destOrd="0" presId="urn:microsoft.com/office/officeart/2018/2/layout/IconVerticalSolidList"/>
+    <dgm:cxn modelId="{418E8C20-7E1A-4910-9E46-FDE45F32D910}" type="presParOf" srcId="{273E18F3-0FDA-4091-AD15-CFA3D42A97C8}" destId="{2C92AB86-DDC2-4A84-B2BD-B730C3294E94}" srcOrd="3" destOrd="0" presId="urn:microsoft.com/office/officeart/2018/2/layout/IconVerticalSolidList"/>
+    <dgm:cxn modelId="{C0BC93AC-F8BC-4372-8EFA-C66F78E0408B}" type="presParOf" srcId="{FB37532D-9183-4DE9-B6D6-1FF31D6A897D}" destId="{C2CF7029-A2E8-4DE7-9CF1-12B32EDCC61A}" srcOrd="1" destOrd="0" presId="urn:microsoft.com/office/officeart/2018/2/layout/IconVerticalSolidList"/>
+    <dgm:cxn modelId="{16AFD652-ED9E-48B8-80D5-E12BDAAC398B}" type="presParOf" srcId="{FB37532D-9183-4DE9-B6D6-1FF31D6A897D}" destId="{0B5E34F3-1396-4917-9BF0-DFC083812E21}" srcOrd="2" destOrd="0" presId="urn:microsoft.com/office/officeart/2018/2/layout/IconVerticalSolidList"/>
+    <dgm:cxn modelId="{A6AA3673-19E6-46F1-B661-D5E5C20F69B6}" type="presParOf" srcId="{0B5E34F3-1396-4917-9BF0-DFC083812E21}" destId="{DA57E416-7B54-44BD-B98E-90AA9CFD5CAB}" srcOrd="0" destOrd="0" presId="urn:microsoft.com/office/officeart/2018/2/layout/IconVerticalSolidList"/>
+    <dgm:cxn modelId="{11E2FA93-E006-40BF-AA32-EDCD627E2E87}" type="presParOf" srcId="{0B5E34F3-1396-4917-9BF0-DFC083812E21}" destId="{326009E7-8296-4A8C-984D-781CBAC4A7DE}" srcOrd="1" destOrd="0" presId="urn:microsoft.com/office/officeart/2018/2/layout/IconVerticalSolidList"/>
+    <dgm:cxn modelId="{955261FB-B87C-4D95-9E51-9D3AA094D919}" type="presParOf" srcId="{0B5E34F3-1396-4917-9BF0-DFC083812E21}" destId="{B4275EC5-B231-4641-8531-A5AC018F3C3A}" srcOrd="2" destOrd="0" presId="urn:microsoft.com/office/officeart/2018/2/layout/IconVerticalSolidList"/>
+    <dgm:cxn modelId="{E4B80E53-AE93-45C3-91FE-6689E71D48AF}" type="presParOf" srcId="{0B5E34F3-1396-4917-9BF0-DFC083812E21}" destId="{02C131D9-A950-44E7-B6C0-97A1BC9809EB}" srcOrd="3" destOrd="0" presId="urn:microsoft.com/office/officeart/2018/2/layout/IconVerticalSolidList"/>
+    <dgm:cxn modelId="{7255EE53-E5B4-445A-AF62-0BE9543E7A5B}" type="presParOf" srcId="{FB37532D-9183-4DE9-B6D6-1FF31D6A897D}" destId="{F235674A-4951-42F6-AD54-DEECF397E86F}" srcOrd="3" destOrd="0" presId="urn:microsoft.com/office/officeart/2018/2/layout/IconVerticalSolidList"/>
+    <dgm:cxn modelId="{ABAAC896-415D-4427-B05B-FA0DA032B77A}" type="presParOf" srcId="{FB37532D-9183-4DE9-B6D6-1FF31D6A897D}" destId="{37398A87-17A1-425F-A6AE-1A744CAA96FD}" srcOrd="4" destOrd="0" presId="urn:microsoft.com/office/officeart/2018/2/layout/IconVerticalSolidList"/>
+    <dgm:cxn modelId="{F037B429-99A3-4AD1-8C53-6FE9456B18DC}" type="presParOf" srcId="{37398A87-17A1-425F-A6AE-1A744CAA96FD}" destId="{29E61F44-56B0-4BA1-8BC6-104C1BC2E210}" srcOrd="0" destOrd="0" presId="urn:microsoft.com/office/officeart/2018/2/layout/IconVerticalSolidList"/>
+    <dgm:cxn modelId="{C2B45DD7-06CF-4CD7-B499-229B95B3DD6D}" type="presParOf" srcId="{37398A87-17A1-425F-A6AE-1A744CAA96FD}" destId="{28DFD823-B817-47FE-AE63-24CB73163A8D}" srcOrd="1" destOrd="0" presId="urn:microsoft.com/office/officeart/2018/2/layout/IconVerticalSolidList"/>
+    <dgm:cxn modelId="{DEC82CCF-80A5-48C8-AF45-32B7B2EA6A23}" type="presParOf" srcId="{37398A87-17A1-425F-A6AE-1A744CAA96FD}" destId="{427EEFEE-1F2B-41C1-B32B-80C1A082384E}" srcOrd="2" destOrd="0" presId="urn:microsoft.com/office/officeart/2018/2/layout/IconVerticalSolidList"/>
+    <dgm:cxn modelId="{723BB488-41F7-4A56-A04A-F13908D2D089}" type="presParOf" srcId="{37398A87-17A1-425F-A6AE-1A744CAA96FD}" destId="{FB257173-4836-4B1C-BAAB-CE68D6B5CA8C}" srcOrd="3" destOrd="0" presId="urn:microsoft.com/office/officeart/2018/2/layout/IconVerticalSolidList"/>
+    <dgm:cxn modelId="{0DDAF884-D11E-4B99-8359-EE13B208F7A9}" type="presParOf" srcId="{FB37532D-9183-4DE9-B6D6-1FF31D6A897D}" destId="{E057A0CA-707B-4CB1-A725-F8F0AC086803}" srcOrd="5" destOrd="0" presId="urn:microsoft.com/office/officeart/2018/2/layout/IconVerticalSolidList"/>
+    <dgm:cxn modelId="{A6E27117-0C27-4286-8423-F76745F08C3F}" type="presParOf" srcId="{FB37532D-9183-4DE9-B6D6-1FF31D6A897D}" destId="{DD935838-2885-488E-8CF6-99BB6DE3B3D6}" srcOrd="6" destOrd="0" presId="urn:microsoft.com/office/officeart/2018/2/layout/IconVerticalSolidList"/>
+    <dgm:cxn modelId="{B1665829-5094-45A4-BDE3-EF80849A5916}" type="presParOf" srcId="{DD935838-2885-488E-8CF6-99BB6DE3B3D6}" destId="{CE3458F3-E9A0-494E-A82F-95BA3E7AF313}" srcOrd="0" destOrd="0" presId="urn:microsoft.com/office/officeart/2018/2/layout/IconVerticalSolidList"/>
+    <dgm:cxn modelId="{F4745513-DD09-4E35-B2B3-4B6A60D74477}" type="presParOf" srcId="{DD935838-2885-488E-8CF6-99BB6DE3B3D6}" destId="{9EDD302E-5BFC-4895-BEC4-6C2269DC4288}" srcOrd="1" destOrd="0" presId="urn:microsoft.com/office/officeart/2018/2/layout/IconVerticalSolidList"/>
+    <dgm:cxn modelId="{2447F28B-A28E-4E71-B1B7-DD5F113247E2}" type="presParOf" srcId="{DD935838-2885-488E-8CF6-99BB6DE3B3D6}" destId="{973279DC-5F2E-4DE8-BD9A-9DEFE1E42A87}" srcOrd="2" destOrd="0" presId="urn:microsoft.com/office/officeart/2018/2/layout/IconVerticalSolidList"/>
+    <dgm:cxn modelId="{5AC6C119-E133-4995-89D5-1FC512FF910E}" type="presParOf" srcId="{DD935838-2885-488E-8CF6-99BB6DE3B3D6}" destId="{B280C9E1-23C9-4546-81B2-554BE757BCE9}" srcOrd="3" destOrd="0" presId="urn:microsoft.com/office/officeart/2018/2/layout/IconVerticalSolidList"/>
+    <dgm:cxn modelId="{5D118890-51D7-48D8-AF2B-1400ADE470EA}" type="presParOf" srcId="{FB37532D-9183-4DE9-B6D6-1FF31D6A897D}" destId="{05FACA25-369D-49E1-9D7C-9BD0E605EB42}" srcOrd="7" destOrd="0" presId="urn:microsoft.com/office/officeart/2018/2/layout/IconVerticalSolidList"/>
+    <dgm:cxn modelId="{18C41817-6AFC-40D0-9601-78FEFBA2D076}" type="presParOf" srcId="{FB37532D-9183-4DE9-B6D6-1FF31D6A897D}" destId="{FC91A55A-D8C8-4822-8384-FAB9743C7888}" srcOrd="8" destOrd="0" presId="urn:microsoft.com/office/officeart/2018/2/layout/IconVerticalSolidList"/>
+    <dgm:cxn modelId="{89CBDF8E-31AC-431F-86F3-B54E67508F11}" type="presParOf" srcId="{FC91A55A-D8C8-4822-8384-FAB9743C7888}" destId="{8852D19B-5544-46A5-9DBB-FBE694B15C7B}" srcOrd="0" destOrd="0" presId="urn:microsoft.com/office/officeart/2018/2/layout/IconVerticalSolidList"/>
+    <dgm:cxn modelId="{7DD67036-5139-4793-9579-7F5FB732DB24}" type="presParOf" srcId="{FC91A55A-D8C8-4822-8384-FAB9743C7888}" destId="{916CA36C-FED6-4AF1-B0B8-E47ED4AAD046}" srcOrd="1" destOrd="0" presId="urn:microsoft.com/office/officeart/2018/2/layout/IconVerticalSolidList"/>
+    <dgm:cxn modelId="{D1B223F4-4FE1-4C10-9FF9-9CB108FE8CE2}" type="presParOf" srcId="{FC91A55A-D8C8-4822-8384-FAB9743C7888}" destId="{3FB537BC-24B9-4256-9054-CAF8CAB53217}" srcOrd="2" destOrd="0" presId="urn:microsoft.com/office/officeart/2018/2/layout/IconVerticalSolidList"/>
+    <dgm:cxn modelId="{A24E46F6-E257-43EF-888E-664266380577}" type="presParOf" srcId="{FC91A55A-D8C8-4822-8384-FAB9743C7888}" destId="{21D34862-99EB-4975-90BF-4C949049846F}" srcOrd="3" destOrd="0" presId="urn:microsoft.com/office/officeart/2018/2/layout/IconVerticalSolidList"/>
+    <dgm:cxn modelId="{DE922A3F-D1BF-435E-91A2-BF56E5B12A2A}" type="presParOf" srcId="{FB37532D-9183-4DE9-B6D6-1FF31D6A897D}" destId="{2F408962-5040-49C6-8676-79FA626FAA2E}" srcOrd="9" destOrd="0" presId="urn:microsoft.com/office/officeart/2018/2/layout/IconVerticalSolidList"/>
+    <dgm:cxn modelId="{28EF2B89-6BA8-4A5A-9904-6DF28FEDD499}" type="presParOf" srcId="{FB37532D-9183-4DE9-B6D6-1FF31D6A897D}" destId="{09C5DAE4-0CC5-48FC-BA9C-A29AEA160362}" srcOrd="10" destOrd="0" presId="urn:microsoft.com/office/officeart/2018/2/layout/IconVerticalSolidList"/>
+    <dgm:cxn modelId="{15F25473-DB9B-4005-AF9E-9A16F92F40C6}" type="presParOf" srcId="{09C5DAE4-0CC5-48FC-BA9C-A29AEA160362}" destId="{487B9B12-F207-4D89-A2F9-4CE6E15F6035}" srcOrd="0" destOrd="0" presId="urn:microsoft.com/office/officeart/2018/2/layout/IconVerticalSolidList"/>
+    <dgm:cxn modelId="{0A75A431-232A-460F-8597-144F7E3DA595}" type="presParOf" srcId="{09C5DAE4-0CC5-48FC-BA9C-A29AEA160362}" destId="{90CA8F6E-0FDE-4B1D-962B-2E480FE92D19}" srcOrd="1" destOrd="0" presId="urn:microsoft.com/office/officeart/2018/2/layout/IconVerticalSolidList"/>
+    <dgm:cxn modelId="{9321EABF-6C96-4024-ACC6-CCCE0124E2C4}" type="presParOf" srcId="{09C5DAE4-0CC5-48FC-BA9C-A29AEA160362}" destId="{EC3261AB-3C8B-4A13-BF9A-D123355B3543}" srcOrd="2" destOrd="0" presId="urn:microsoft.com/office/officeart/2018/2/layout/IconVerticalSolidList"/>
+    <dgm:cxn modelId="{58B7A691-90CF-45D9-826E-7D71D46B1BFA}" type="presParOf" srcId="{09C5DAE4-0CC5-48FC-BA9C-A29AEA160362}" destId="{B4AB2D03-7CC3-429C-B1DD-4F861C9064EB}" srcOrd="3" destOrd="0" presId="urn:microsoft.com/office/officeart/2018/2/layout/IconVerticalSolidList"/>
+  </dgm:cxnLst>
+  <dgm:bg/>
+  <dgm:whole/>
+  <dgm:extLst>
+    <a:ext uri="http://schemas.microsoft.com/office/drawing/2008/diagram">
+      <dsp:dataModelExt xmlns:dsp="http://schemas.microsoft.com/office/drawing/2008/diagram" relId="rId7" minVer="http://schemas.openxmlformats.org/drawingml/2006/diagram"/>
+    </a:ext>
+  </dgm:extLst>
+</dgm:dataModel>
+</file>
+
+<file path=ppt/diagrams/data2.xml><?xml version="1.0" encoding="utf-8"?>
+<dgm:dataModel xmlns:dgm="http://schemas.openxmlformats.org/drawingml/2006/diagram" xmlns:a="http://schemas.openxmlformats.org/drawingml/2006/main">
+  <dgm:ptLst>
+    <dgm:pt modelId="{517B4FBD-E968-451B-AB26-46309F8F7F61}" type="doc">
+      <dgm:prSet loTypeId="urn:microsoft.com/office/officeart/2018/2/layout/IconVerticalSolidList" loCatId="icon" qsTypeId="urn:microsoft.com/office/officeart/2005/8/quickstyle/simple1" qsCatId="simple" csTypeId="urn:microsoft.com/office/officeart/2018/5/colors/Iconchunking_neutralbg_colorful5" csCatId="colorful" phldr="1"/>
+      <dgm:spPr/>
+      <dgm:t>
+        <a:bodyPr/>
+        <a:lstStyle/>
+        <a:p>
+          <a:endParaRPr lang="en-US"/>
+        </a:p>
+      </dgm:t>
+    </dgm:pt>
+    <dgm:pt modelId="{F37480CC-9218-473F-A7C2-A09ED8654A54}">
+      <dgm:prSet custT="1"/>
+      <dgm:spPr/>
+      <dgm:t>
+        <a:bodyPr/>
+        <a:lstStyle/>
+        <a:p>
+          <a:pPr>
+            <a:lnSpc>
+              <a:spcPct val="100000"/>
+            </a:lnSpc>
+          </a:pPr>
+          <a:r>
+            <a:rPr lang="en-GB" sz="2400" dirty="0">
               <a:latin typeface="Metropolis"/>
             </a:rPr>
             <a:t>Consistency</a:t>
           </a:r>
-          <a:endParaRPr lang="en-US" dirty="0">
+          <a:endParaRPr lang="en-US" sz="2400" dirty="0">
             <a:latin typeface="Metropolis"/>
           </a:endParaRPr>
         </a:p>
@@ -1909,7 +3406,7 @@
       </dgm:t>
     </dgm:pt>
     <dgm:pt modelId="{62E6045B-ACC0-4402-AE47-4F265640C4A8}">
-      <dgm:prSet/>
+      <dgm:prSet custT="1"/>
       <dgm:spPr/>
       <dgm:t>
         <a:bodyPr/>
@@ -1921,12 +3418,12 @@
             </a:lnSpc>
           </a:pPr>
           <a:r>
-            <a:rPr lang="en-GB" dirty="0">
+            <a:rPr lang="en-GB" sz="2400" dirty="0">
               <a:latin typeface="Metropolis"/>
             </a:rPr>
             <a:t>Speed</a:t>
           </a:r>
-          <a:endParaRPr lang="en-US" dirty="0">
+          <a:endParaRPr lang="en-US" sz="2400" dirty="0">
             <a:latin typeface="Metropolis"/>
           </a:endParaRPr>
         </a:p>
@@ -1959,7 +3456,7 @@
       </dgm:t>
     </dgm:pt>
     <dgm:pt modelId="{D12E8468-B8F7-4089-820A-F3872A4A6EBB}">
-      <dgm:prSet/>
+      <dgm:prSet custT="1"/>
       <dgm:spPr/>
       <dgm:t>
         <a:bodyPr/>
@@ -1971,12 +3468,12 @@
             </a:lnSpc>
           </a:pPr>
           <a:r>
-            <a:rPr lang="en-GB" dirty="0">
+            <a:rPr lang="en-GB" sz="2400" dirty="0">
               <a:latin typeface="Metropolis"/>
             </a:rPr>
             <a:t>Versioning</a:t>
           </a:r>
-          <a:endParaRPr lang="en-US" dirty="0">
+          <a:endParaRPr lang="en-US" sz="2400" dirty="0">
             <a:latin typeface="Metropolis"/>
           </a:endParaRPr>
         </a:p>
@@ -2009,7 +3506,7 @@
       </dgm:t>
     </dgm:pt>
     <dgm:pt modelId="{B6221855-1A2C-4E14-B173-9E279EAEB5B1}">
-      <dgm:prSet/>
+      <dgm:prSet custT="1"/>
       <dgm:spPr/>
       <dgm:t>
         <a:bodyPr/>
@@ -2021,12 +3518,12 @@
             </a:lnSpc>
           </a:pPr>
           <a:r>
-            <a:rPr lang="en-GB">
+            <a:rPr lang="en-GB" sz="2400">
               <a:latin typeface="Metropolis"/>
             </a:rPr>
             <a:t>Accountability &amp; Change Management</a:t>
           </a:r>
-          <a:endParaRPr lang="en-US">
+          <a:endParaRPr lang="en-US" sz="2400">
             <a:latin typeface="Metropolis"/>
           </a:endParaRPr>
         </a:p>
@@ -2059,7 +3556,7 @@
       </dgm:t>
     </dgm:pt>
     <dgm:pt modelId="{EAF66330-A9D4-4DB3-A982-480789E5B0E2}">
-      <dgm:prSet/>
+      <dgm:prSet custT="1"/>
       <dgm:spPr/>
       <dgm:t>
         <a:bodyPr/>
@@ -2071,12 +3568,12 @@
             </a:lnSpc>
           </a:pPr>
           <a:r>
-            <a:rPr lang="en-GB">
+            <a:rPr lang="en-GB" sz="2400">
               <a:latin typeface="Metropolis"/>
             </a:rPr>
             <a:t>Scalability</a:t>
           </a:r>
-          <a:endParaRPr lang="en-US">
+          <a:endParaRPr lang="en-US" sz="2400">
             <a:latin typeface="Metropolis"/>
           </a:endParaRPr>
         </a:p>
@@ -2109,7 +3606,7 @@
       </dgm:t>
     </dgm:pt>
     <dgm:pt modelId="{8EE1F544-4581-490C-A082-9635DE7DD9E1}">
-      <dgm:prSet/>
+      <dgm:prSet custT="1"/>
       <dgm:spPr/>
       <dgm:t>
         <a:bodyPr/>
@@ -2121,12 +3618,12 @@
             </a:lnSpc>
           </a:pPr>
           <a:r>
-            <a:rPr lang="en-GB" dirty="0">
+            <a:rPr lang="en-GB" sz="2400" dirty="0">
               <a:latin typeface="Metropolis"/>
             </a:rPr>
             <a:t>Testing</a:t>
           </a:r>
-          <a:endParaRPr lang="en-US" dirty="0">
+          <a:endParaRPr lang="en-US" sz="2400" dirty="0">
             <a:latin typeface="Metropolis"/>
           </a:endParaRPr>
         </a:p>
@@ -2159,7 +3656,7 @@
       </dgm:t>
     </dgm:pt>
     <dgm:pt modelId="{349BDD19-A5EF-4B8D-BF1A-1403082E0302}">
-      <dgm:prSet/>
+      <dgm:prSet custT="1"/>
       <dgm:spPr/>
       <dgm:t>
         <a:bodyPr/>
@@ -2171,12 +3668,12 @@
             </a:lnSpc>
           </a:pPr>
           <a:r>
-            <a:rPr lang="en-GB" dirty="0">
+            <a:rPr lang="en-GB" sz="2400" dirty="0">
               <a:latin typeface="Metropolis"/>
             </a:rPr>
             <a:t>Documentation</a:t>
           </a:r>
-          <a:endParaRPr lang="en-US" dirty="0">
+          <a:endParaRPr lang="en-US" sz="2400" dirty="0">
             <a:latin typeface="Metropolis"/>
           </a:endParaRPr>
         </a:p>
@@ -2209,7 +3706,7 @@
       </dgm:t>
     </dgm:pt>
     <dgm:pt modelId="{99ABD7A3-09FF-485F-9A2D-C28CBE66B29D}">
-      <dgm:prSet/>
+      <dgm:prSet custT="1"/>
       <dgm:spPr/>
       <dgm:t>
         <a:bodyPr/>
@@ -2221,7 +3718,7 @@
             </a:lnSpc>
           </a:pPr>
           <a:r>
-            <a:rPr lang="en-US" dirty="0">
+            <a:rPr lang="en-US" sz="2400" dirty="0">
               <a:latin typeface="Metropolis"/>
             </a:rPr>
             <a:t>Collaboration</a:t>
@@ -2752,7 +4249,7 @@
 </dgm:dataModel>
 </file>
 
-<file path=ppt/diagrams/data2.xml><?xml version="1.0" encoding="utf-8"?>
+<file path=ppt/diagrams/data3.xml><?xml version="1.0" encoding="utf-8"?>
 <dgm:dataModel xmlns:dgm="http://schemas.openxmlformats.org/drawingml/2006/diagram" xmlns:a="http://schemas.openxmlformats.org/drawingml/2006/main">
   <dgm:ptLst>
     <dgm:pt modelId="{9588C51C-C4ED-4AA8-8447-7229F9806DED}" type="doc">
@@ -2767,17 +4264,33 @@
       </dgm:t>
     </dgm:pt>
     <dgm:pt modelId="{EF6C39F7-A718-4117-98CA-B36AF24B3720}">
-      <dgm:prSet/>
+      <dgm:prSet custT="1"/>
       <dgm:spPr/>
       <dgm:t>
         <a:bodyPr/>
         <a:lstStyle/>
         <a:p>
           <a:r>
-            <a:rPr lang="en-GB"/>
+            <a:rPr lang="en-GB" sz="2000" dirty="0">
+              <a:solidFill>
+                <a:schemeClr val="tx1">
+                  <a:lumMod val="75000"/>
+                  <a:lumOff val="25000"/>
+                </a:schemeClr>
+              </a:solidFill>
+              <a:latin typeface="Metropolis" panose="00000500000000000000"/>
+            </a:rPr>
             <a:t>Try out tools and see what works for you</a:t>
           </a:r>
-          <a:endParaRPr lang="en-US"/>
+          <a:endParaRPr lang="en-US" sz="2000" dirty="0">
+            <a:solidFill>
+              <a:schemeClr val="tx1">
+                <a:lumMod val="75000"/>
+                <a:lumOff val="25000"/>
+              </a:schemeClr>
+            </a:solidFill>
+            <a:latin typeface="Metropolis" panose="00000500000000000000"/>
+          </a:endParaRPr>
         </a:p>
       </dgm:t>
     </dgm:pt>
@@ -2804,17 +4317,33 @@
       </dgm:t>
     </dgm:pt>
     <dgm:pt modelId="{A5A9DE16-3F26-42FB-AF71-B48E82510DDC}">
-      <dgm:prSet/>
+      <dgm:prSet custT="1"/>
       <dgm:spPr/>
       <dgm:t>
         <a:bodyPr/>
         <a:lstStyle/>
         <a:p>
           <a:r>
-            <a:rPr lang="en-GB"/>
+            <a:rPr lang="en-GB" sz="2000">
+              <a:solidFill>
+                <a:schemeClr val="tx1">
+                  <a:lumMod val="75000"/>
+                  <a:lumOff val="25000"/>
+                </a:schemeClr>
+              </a:solidFill>
+              <a:latin typeface="Metropolis" panose="00000500000000000000"/>
+            </a:rPr>
             <a:t>Start with a small, contained unit of work</a:t>
           </a:r>
-          <a:endParaRPr lang="en-US"/>
+          <a:endParaRPr lang="en-US" sz="2000">
+            <a:solidFill>
+              <a:schemeClr val="tx1">
+                <a:lumMod val="75000"/>
+                <a:lumOff val="25000"/>
+              </a:schemeClr>
+            </a:solidFill>
+            <a:latin typeface="Metropolis" panose="00000500000000000000"/>
+          </a:endParaRPr>
         </a:p>
       </dgm:t>
     </dgm:pt>
@@ -2841,17 +4370,33 @@
       </dgm:t>
     </dgm:pt>
     <dgm:pt modelId="{5159827E-B384-4756-89F6-5B28E2B3DB3D}">
-      <dgm:prSet/>
+      <dgm:prSet custT="1"/>
       <dgm:spPr/>
       <dgm:t>
         <a:bodyPr/>
         <a:lstStyle/>
         <a:p>
           <a:r>
-            <a:rPr lang="en-GB"/>
+            <a:rPr lang="en-GB" sz="2000">
+              <a:solidFill>
+                <a:schemeClr val="tx1">
+                  <a:lumMod val="75000"/>
+                  <a:lumOff val="25000"/>
+                </a:schemeClr>
+              </a:solidFill>
+              <a:latin typeface="Metropolis" panose="00000500000000000000"/>
+            </a:rPr>
             <a:t>Iterate</a:t>
           </a:r>
-          <a:endParaRPr lang="en-US"/>
+          <a:endParaRPr lang="en-US" sz="2000">
+            <a:solidFill>
+              <a:schemeClr val="tx1">
+                <a:lumMod val="75000"/>
+                <a:lumOff val="25000"/>
+              </a:schemeClr>
+            </a:solidFill>
+            <a:latin typeface="Metropolis" panose="00000500000000000000"/>
+          </a:endParaRPr>
         </a:p>
       </dgm:t>
     </dgm:pt>
@@ -2878,17 +4423,33 @@
       </dgm:t>
     </dgm:pt>
     <dgm:pt modelId="{17456557-385D-4195-97C7-373F6D591DD6}">
-      <dgm:prSet/>
+      <dgm:prSet custT="1"/>
       <dgm:spPr/>
       <dgm:t>
         <a:bodyPr/>
         <a:lstStyle/>
         <a:p>
           <a:r>
-            <a:rPr lang="en-GB"/>
+            <a:rPr lang="en-GB" sz="2000">
+              <a:solidFill>
+                <a:schemeClr val="tx1">
+                  <a:lumMod val="75000"/>
+                  <a:lumOff val="25000"/>
+                </a:schemeClr>
+              </a:solidFill>
+              <a:latin typeface="Metropolis" panose="00000500000000000000"/>
+            </a:rPr>
             <a:t>Don’t do it in production!</a:t>
           </a:r>
-          <a:endParaRPr lang="en-US"/>
+          <a:endParaRPr lang="en-US" sz="2000">
+            <a:solidFill>
+              <a:schemeClr val="tx1">
+                <a:lumMod val="75000"/>
+                <a:lumOff val="25000"/>
+              </a:schemeClr>
+            </a:solidFill>
+            <a:latin typeface="Metropolis" panose="00000500000000000000"/>
+          </a:endParaRPr>
         </a:p>
       </dgm:t>
     </dgm:pt>
@@ -2915,17 +4476,33 @@
       </dgm:t>
     </dgm:pt>
     <dgm:pt modelId="{FE7C009D-1D68-42AC-B3A8-E53C7B41DB04}">
-      <dgm:prSet/>
+      <dgm:prSet custT="1"/>
       <dgm:spPr/>
       <dgm:t>
         <a:bodyPr/>
         <a:lstStyle/>
         <a:p>
           <a:r>
-            <a:rPr lang="en-GB"/>
-            <a:t>Keep Templates focussed – lower the blast area!</a:t>
+            <a:rPr lang="en-GB" sz="2000" dirty="0">
+              <a:solidFill>
+                <a:schemeClr val="tx1">
+                  <a:lumMod val="75000"/>
+                  <a:lumOff val="25000"/>
+                </a:schemeClr>
+              </a:solidFill>
+              <a:latin typeface="Metropolis" panose="00000500000000000000"/>
+            </a:rPr>
+            <a:t>Keep templates focussed – lower the blast area!</a:t>
           </a:r>
-          <a:endParaRPr lang="en-US"/>
+          <a:endParaRPr lang="en-US" sz="2000" dirty="0">
+            <a:solidFill>
+              <a:schemeClr val="tx1">
+                <a:lumMod val="75000"/>
+                <a:lumOff val="25000"/>
+              </a:schemeClr>
+            </a:solidFill>
+            <a:latin typeface="Metropolis" panose="00000500000000000000"/>
+          </a:endParaRPr>
         </a:p>
       </dgm:t>
     </dgm:pt>
@@ -2952,17 +4529,33 @@
       </dgm:t>
     </dgm:pt>
     <dgm:pt modelId="{3BE30089-B9DB-43F9-A5F0-42D435182D3D}">
-      <dgm:prSet/>
+      <dgm:prSet custT="1"/>
       <dgm:spPr/>
       <dgm:t>
         <a:bodyPr/>
         <a:lstStyle/>
         <a:p>
           <a:r>
-            <a:rPr lang="en-GB"/>
+            <a:rPr lang="en-GB" sz="2000">
+              <a:solidFill>
+                <a:schemeClr val="tx1">
+                  <a:lumMod val="75000"/>
+                  <a:lumOff val="25000"/>
+                </a:schemeClr>
+              </a:solidFill>
+              <a:latin typeface="Metropolis" panose="00000500000000000000"/>
+            </a:rPr>
             <a:t>Store your code in version control</a:t>
           </a:r>
-          <a:endParaRPr lang="en-US"/>
+          <a:endParaRPr lang="en-US" sz="2000">
+            <a:solidFill>
+              <a:schemeClr val="tx1">
+                <a:lumMod val="75000"/>
+                <a:lumOff val="25000"/>
+              </a:schemeClr>
+            </a:solidFill>
+            <a:latin typeface="Metropolis" panose="00000500000000000000"/>
+          </a:endParaRPr>
         </a:p>
       </dgm:t>
     </dgm:pt>
@@ -2989,17 +4582,33 @@
       </dgm:t>
     </dgm:pt>
     <dgm:pt modelId="{2A7236EB-719C-4A6E-9771-7C4CE2473D19}">
-      <dgm:prSet/>
+      <dgm:prSet custT="1"/>
       <dgm:spPr/>
       <dgm:t>
         <a:bodyPr/>
         <a:lstStyle/>
         <a:p>
           <a:r>
-            <a:rPr lang="en-GB"/>
+            <a:rPr lang="en-GB" sz="2000" dirty="0">
+              <a:solidFill>
+                <a:schemeClr val="tx1">
+                  <a:lumMod val="75000"/>
+                  <a:lumOff val="25000"/>
+                </a:schemeClr>
+              </a:solidFill>
+              <a:latin typeface="Metropolis" panose="00000500000000000000"/>
+            </a:rPr>
             <a:t>When your ready, look at CI/CD</a:t>
           </a:r>
-          <a:endParaRPr lang="en-US"/>
+          <a:endParaRPr lang="en-US" sz="2000" dirty="0">
+            <a:solidFill>
+              <a:schemeClr val="tx1">
+                <a:lumMod val="75000"/>
+                <a:lumOff val="25000"/>
+              </a:schemeClr>
+            </a:solidFill>
+            <a:latin typeface="Metropolis" panose="00000500000000000000"/>
+          </a:endParaRPr>
         </a:p>
       </dgm:t>
     </dgm:pt>
@@ -3485,6 +5094,1047 @@
       </dsp:nvSpPr>
       <dsp:spPr>
         <a:xfrm>
+          <a:off x="0" y="1624"/>
+          <a:ext cx="10515600" cy="692060"/>
+        </a:xfrm>
+        <a:prstGeom prst="roundRect">
+          <a:avLst>
+            <a:gd name="adj" fmla="val 10000"/>
+          </a:avLst>
+        </a:prstGeom>
+        <a:solidFill>
+          <a:schemeClr val="bg1">
+            <a:lumMod val="95000"/>
+            <a:hueOff val="0"/>
+            <a:satOff val="0"/>
+            <a:lumOff val="0"/>
+            <a:alphaOff val="0"/>
+          </a:schemeClr>
+        </a:solidFill>
+        <a:ln>
+          <a:noFill/>
+        </a:ln>
+        <a:effectLst/>
+      </dsp:spPr>
+      <dsp:style>
+        <a:lnRef idx="0">
+          <a:scrgbClr r="0" g="0" b="0"/>
+        </a:lnRef>
+        <a:fillRef idx="1">
+          <a:scrgbClr r="0" g="0" b="0"/>
+        </a:fillRef>
+        <a:effectRef idx="0">
+          <a:scrgbClr r="0" g="0" b="0"/>
+        </a:effectRef>
+        <a:fontRef idx="minor"/>
+      </dsp:style>
+    </dsp:sp>
+    <dsp:sp modelId="{50D0172E-0CDE-4405-9064-62AD7F6A33BD}">
+      <dsp:nvSpPr>
+        <dsp:cNvPr id="0" name=""/>
+        <dsp:cNvSpPr/>
+      </dsp:nvSpPr>
+      <dsp:spPr>
+        <a:xfrm>
+          <a:off x="209348" y="157337"/>
+          <a:ext cx="380633" cy="380633"/>
+        </a:xfrm>
+        <a:prstGeom prst="rect">
+          <a:avLst/>
+        </a:prstGeom>
+        <a:blipFill>
+          <a:blip xmlns:r="http://schemas.openxmlformats.org/officeDocument/2006/relationships" r:embed="rId1">
+            <a:extLst>
+              <a:ext uri="{28A0092B-C50C-407E-A947-70E740481C1C}">
+                <a14:useLocalDpi xmlns:a14="http://schemas.microsoft.com/office/drawing/2010/main" val="0"/>
+              </a:ext>
+              <a:ext uri="{96DAC541-7B7A-43D3-8B79-37D633B846F1}">
+                <asvg:svgBlip xmlns:asvg="http://schemas.microsoft.com/office/drawing/2016/SVG/main" r:embed="rId2"/>
+              </a:ext>
+            </a:extLst>
+          </a:blip>
+          <a:stretch>
+            <a:fillRect/>
+          </a:stretch>
+        </a:blipFill>
+        <a:ln w="12700" cap="flat" cmpd="sng" algn="ctr">
+          <a:noFill/>
+          <a:prstDash val="solid"/>
+          <a:miter lim="800000"/>
+        </a:ln>
+        <a:effectLst/>
+      </dsp:spPr>
+      <dsp:style>
+        <a:lnRef idx="2">
+          <a:scrgbClr r="0" g="0" b="0"/>
+        </a:lnRef>
+        <a:fillRef idx="1">
+          <a:scrgbClr r="0" g="0" b="0"/>
+        </a:fillRef>
+        <a:effectRef idx="0">
+          <a:scrgbClr r="0" g="0" b="0"/>
+        </a:effectRef>
+        <a:fontRef idx="minor">
+          <a:schemeClr val="lt1"/>
+        </a:fontRef>
+      </dsp:style>
+    </dsp:sp>
+    <dsp:sp modelId="{2C92AB86-DDC2-4A84-B2BD-B730C3294E94}">
+      <dsp:nvSpPr>
+        <dsp:cNvPr id="0" name=""/>
+        <dsp:cNvSpPr/>
+      </dsp:nvSpPr>
+      <dsp:spPr>
+        <a:xfrm>
+          <a:off x="799330" y="1624"/>
+          <a:ext cx="9716269" cy="692060"/>
+        </a:xfrm>
+        <a:prstGeom prst="rect">
+          <a:avLst/>
+        </a:prstGeom>
+        <a:noFill/>
+        <a:ln>
+          <a:noFill/>
+        </a:ln>
+        <a:effectLst/>
+      </dsp:spPr>
+      <dsp:style>
+        <a:lnRef idx="0">
+          <a:scrgbClr r="0" g="0" b="0"/>
+        </a:lnRef>
+        <a:fillRef idx="0">
+          <a:scrgbClr r="0" g="0" b="0"/>
+        </a:fillRef>
+        <a:effectRef idx="0">
+          <a:scrgbClr r="0" g="0" b="0"/>
+        </a:effectRef>
+        <a:fontRef idx="minor"/>
+      </dsp:style>
+      <dsp:txBody>
+        <a:bodyPr spcFirstLastPara="0" vert="horz" wrap="square" lIns="73243" tIns="73243" rIns="73243" bIns="73243" numCol="1" spcCol="1270" anchor="ctr" anchorCtr="0">
+          <a:noAutofit/>
+        </a:bodyPr>
+        <a:lstStyle/>
+        <a:p>
+          <a:pPr marL="0" lvl="0" indent="0" algn="l" defTabSz="1066800">
+            <a:lnSpc>
+              <a:spcPct val="100000"/>
+            </a:lnSpc>
+            <a:spcBef>
+              <a:spcPct val="0"/>
+            </a:spcBef>
+            <a:spcAft>
+              <a:spcPct val="35000"/>
+            </a:spcAft>
+            <a:buNone/>
+          </a:pPr>
+          <a:r>
+            <a:rPr lang="en-GB" sz="2400" kern="1200" dirty="0">
+              <a:solidFill>
+                <a:schemeClr val="tx1">
+                  <a:lumMod val="65000"/>
+                  <a:lumOff val="35000"/>
+                </a:schemeClr>
+              </a:solidFill>
+              <a:latin typeface="Metropolis" panose="00000500000000000000" pitchFamily="50" charset="0"/>
+            </a:rPr>
+            <a:t>Declarative</a:t>
+          </a:r>
+          <a:endParaRPr lang="en-US" sz="2400" kern="1200" dirty="0">
+            <a:latin typeface="Metropolis"/>
+          </a:endParaRPr>
+        </a:p>
+      </dsp:txBody>
+      <dsp:txXfrm>
+        <a:off x="799330" y="1624"/>
+        <a:ext cx="9716269" cy="692060"/>
+      </dsp:txXfrm>
+    </dsp:sp>
+    <dsp:sp modelId="{DA57E416-7B54-44BD-B98E-90AA9CFD5CAB}">
+      <dsp:nvSpPr>
+        <dsp:cNvPr id="0" name=""/>
+        <dsp:cNvSpPr/>
+      </dsp:nvSpPr>
+      <dsp:spPr>
+        <a:xfrm>
+          <a:off x="0" y="866700"/>
+          <a:ext cx="10515600" cy="692060"/>
+        </a:xfrm>
+        <a:prstGeom prst="roundRect">
+          <a:avLst>
+            <a:gd name="adj" fmla="val 10000"/>
+          </a:avLst>
+        </a:prstGeom>
+        <a:solidFill>
+          <a:schemeClr val="bg1">
+            <a:lumMod val="95000"/>
+            <a:hueOff val="0"/>
+            <a:satOff val="0"/>
+            <a:lumOff val="0"/>
+            <a:alphaOff val="0"/>
+          </a:schemeClr>
+        </a:solidFill>
+        <a:ln>
+          <a:noFill/>
+        </a:ln>
+        <a:effectLst/>
+      </dsp:spPr>
+      <dsp:style>
+        <a:lnRef idx="0">
+          <a:scrgbClr r="0" g="0" b="0"/>
+        </a:lnRef>
+        <a:fillRef idx="1">
+          <a:scrgbClr r="0" g="0" b="0"/>
+        </a:fillRef>
+        <a:effectRef idx="0">
+          <a:scrgbClr r="0" g="0" b="0"/>
+        </a:effectRef>
+        <a:fontRef idx="minor"/>
+      </dsp:style>
+    </dsp:sp>
+    <dsp:sp modelId="{326009E7-8296-4A8C-984D-781CBAC4A7DE}">
+      <dsp:nvSpPr>
+        <dsp:cNvPr id="0" name=""/>
+        <dsp:cNvSpPr/>
+      </dsp:nvSpPr>
+      <dsp:spPr>
+        <a:xfrm>
+          <a:off x="209348" y="1022413"/>
+          <a:ext cx="380633" cy="380633"/>
+        </a:xfrm>
+        <a:prstGeom prst="rect">
+          <a:avLst/>
+        </a:prstGeom>
+        <a:blipFill>
+          <a:blip xmlns:r="http://schemas.openxmlformats.org/officeDocument/2006/relationships" r:embed="rId3">
+            <a:extLst>
+              <a:ext uri="{96DAC541-7B7A-43D3-8B79-37D633B846F1}">
+                <asvg:svgBlip xmlns:asvg="http://schemas.microsoft.com/office/drawing/2016/SVG/main" r:embed="rId4"/>
+              </a:ext>
+            </a:extLst>
+          </a:blip>
+          <a:srcRect/>
+          <a:stretch>
+            <a:fillRect/>
+          </a:stretch>
+        </a:blipFill>
+        <a:ln w="12700" cap="flat" cmpd="sng" algn="ctr">
+          <a:solidFill>
+            <a:schemeClr val="lt1">
+              <a:alpha val="0"/>
+              <a:hueOff val="0"/>
+              <a:satOff val="0"/>
+              <a:lumOff val="0"/>
+              <a:alphaOff val="0"/>
+            </a:schemeClr>
+          </a:solidFill>
+          <a:prstDash val="solid"/>
+          <a:miter lim="800000"/>
+        </a:ln>
+        <a:effectLst/>
+      </dsp:spPr>
+      <dsp:style>
+        <a:lnRef idx="2">
+          <a:scrgbClr r="0" g="0" b="0"/>
+        </a:lnRef>
+        <a:fillRef idx="1">
+          <a:scrgbClr r="0" g="0" b="0"/>
+        </a:fillRef>
+        <a:effectRef idx="0">
+          <a:scrgbClr r="0" g="0" b="0"/>
+        </a:effectRef>
+        <a:fontRef idx="minor">
+          <a:schemeClr val="lt1"/>
+        </a:fontRef>
+      </dsp:style>
+    </dsp:sp>
+    <dsp:sp modelId="{02C131D9-A950-44E7-B6C0-97A1BC9809EB}">
+      <dsp:nvSpPr>
+        <dsp:cNvPr id="0" name=""/>
+        <dsp:cNvSpPr/>
+      </dsp:nvSpPr>
+      <dsp:spPr>
+        <a:xfrm>
+          <a:off x="799330" y="866700"/>
+          <a:ext cx="9716269" cy="692060"/>
+        </a:xfrm>
+        <a:prstGeom prst="rect">
+          <a:avLst/>
+        </a:prstGeom>
+        <a:noFill/>
+        <a:ln>
+          <a:noFill/>
+        </a:ln>
+        <a:effectLst/>
+      </dsp:spPr>
+      <dsp:style>
+        <a:lnRef idx="0">
+          <a:scrgbClr r="0" g="0" b="0"/>
+        </a:lnRef>
+        <a:fillRef idx="0">
+          <a:scrgbClr r="0" g="0" b="0"/>
+        </a:fillRef>
+        <a:effectRef idx="0">
+          <a:scrgbClr r="0" g="0" b="0"/>
+        </a:effectRef>
+        <a:fontRef idx="minor"/>
+      </dsp:style>
+      <dsp:txBody>
+        <a:bodyPr spcFirstLastPara="0" vert="horz" wrap="square" lIns="73243" tIns="73243" rIns="73243" bIns="73243" numCol="1" spcCol="1270" anchor="ctr" anchorCtr="0">
+          <a:noAutofit/>
+        </a:bodyPr>
+        <a:lstStyle/>
+        <a:p>
+          <a:pPr marL="0" lvl="0" indent="0" algn="l" defTabSz="844550">
+            <a:lnSpc>
+              <a:spcPct val="100000"/>
+            </a:lnSpc>
+            <a:spcBef>
+              <a:spcPct val="0"/>
+            </a:spcBef>
+            <a:spcAft>
+              <a:spcPct val="35000"/>
+            </a:spcAft>
+            <a:buNone/>
+          </a:pPr>
+          <a:r>
+            <a:rPr lang="en-GB" sz="1900" kern="1200" dirty="0">
+              <a:solidFill>
+                <a:schemeClr val="tx1">
+                  <a:lumMod val="65000"/>
+                  <a:lumOff val="35000"/>
+                </a:schemeClr>
+              </a:solidFill>
+              <a:latin typeface="Metropolis" panose="00000500000000000000" pitchFamily="50" charset="0"/>
+            </a:rPr>
+            <a:t>Idempotent/Repeatable</a:t>
+          </a:r>
+        </a:p>
+      </dsp:txBody>
+      <dsp:txXfrm>
+        <a:off x="799330" y="866700"/>
+        <a:ext cx="9716269" cy="692060"/>
+      </dsp:txXfrm>
+    </dsp:sp>
+    <dsp:sp modelId="{29E61F44-56B0-4BA1-8BC6-104C1BC2E210}">
+      <dsp:nvSpPr>
+        <dsp:cNvPr id="0" name=""/>
+        <dsp:cNvSpPr/>
+      </dsp:nvSpPr>
+      <dsp:spPr>
+        <a:xfrm>
+          <a:off x="0" y="1731776"/>
+          <a:ext cx="10515600" cy="692060"/>
+        </a:xfrm>
+        <a:prstGeom prst="roundRect">
+          <a:avLst>
+            <a:gd name="adj" fmla="val 10000"/>
+          </a:avLst>
+        </a:prstGeom>
+        <a:solidFill>
+          <a:schemeClr val="bg1">
+            <a:lumMod val="95000"/>
+            <a:hueOff val="0"/>
+            <a:satOff val="0"/>
+            <a:lumOff val="0"/>
+            <a:alphaOff val="0"/>
+          </a:schemeClr>
+        </a:solidFill>
+        <a:ln>
+          <a:noFill/>
+        </a:ln>
+        <a:effectLst/>
+      </dsp:spPr>
+      <dsp:style>
+        <a:lnRef idx="0">
+          <a:scrgbClr r="0" g="0" b="0"/>
+        </a:lnRef>
+        <a:fillRef idx="1">
+          <a:scrgbClr r="0" g="0" b="0"/>
+        </a:fillRef>
+        <a:effectRef idx="0">
+          <a:scrgbClr r="0" g="0" b="0"/>
+        </a:effectRef>
+        <a:fontRef idx="minor"/>
+      </dsp:style>
+    </dsp:sp>
+    <dsp:sp modelId="{28DFD823-B817-47FE-AE63-24CB73163A8D}">
+      <dsp:nvSpPr>
+        <dsp:cNvPr id="0" name=""/>
+        <dsp:cNvSpPr/>
+      </dsp:nvSpPr>
+      <dsp:spPr>
+        <a:xfrm>
+          <a:off x="209348" y="1887489"/>
+          <a:ext cx="380633" cy="380633"/>
+        </a:xfrm>
+        <a:prstGeom prst="rect">
+          <a:avLst/>
+        </a:prstGeom>
+        <a:blipFill>
+          <a:blip xmlns:r="http://schemas.openxmlformats.org/officeDocument/2006/relationships" r:embed="rId5">
+            <a:extLst>
+              <a:ext uri="{96DAC541-7B7A-43D3-8B79-37D633B846F1}">
+                <asvg:svgBlip xmlns:asvg="http://schemas.microsoft.com/office/drawing/2016/SVG/main" r:embed="rId6"/>
+              </a:ext>
+            </a:extLst>
+          </a:blip>
+          <a:srcRect/>
+          <a:stretch>
+            <a:fillRect/>
+          </a:stretch>
+        </a:blipFill>
+        <a:ln w="12700" cap="flat" cmpd="sng" algn="ctr">
+          <a:solidFill>
+            <a:schemeClr val="lt1">
+              <a:alpha val="0"/>
+              <a:hueOff val="0"/>
+              <a:satOff val="0"/>
+              <a:lumOff val="0"/>
+              <a:alphaOff val="0"/>
+            </a:schemeClr>
+          </a:solidFill>
+          <a:prstDash val="solid"/>
+          <a:miter lim="800000"/>
+        </a:ln>
+        <a:effectLst/>
+      </dsp:spPr>
+      <dsp:style>
+        <a:lnRef idx="2">
+          <a:scrgbClr r="0" g="0" b="0"/>
+        </a:lnRef>
+        <a:fillRef idx="1">
+          <a:scrgbClr r="0" g="0" b="0"/>
+        </a:fillRef>
+        <a:effectRef idx="0">
+          <a:scrgbClr r="0" g="0" b="0"/>
+        </a:effectRef>
+        <a:fontRef idx="minor">
+          <a:schemeClr val="lt1"/>
+        </a:fontRef>
+      </dsp:style>
+    </dsp:sp>
+    <dsp:sp modelId="{FB257173-4836-4B1C-BAAB-CE68D6B5CA8C}">
+      <dsp:nvSpPr>
+        <dsp:cNvPr id="0" name=""/>
+        <dsp:cNvSpPr/>
+      </dsp:nvSpPr>
+      <dsp:spPr>
+        <a:xfrm>
+          <a:off x="799330" y="1731776"/>
+          <a:ext cx="9716269" cy="692060"/>
+        </a:xfrm>
+        <a:prstGeom prst="rect">
+          <a:avLst/>
+        </a:prstGeom>
+        <a:noFill/>
+        <a:ln>
+          <a:noFill/>
+        </a:ln>
+        <a:effectLst/>
+      </dsp:spPr>
+      <dsp:style>
+        <a:lnRef idx="0">
+          <a:scrgbClr r="0" g="0" b="0"/>
+        </a:lnRef>
+        <a:fillRef idx="0">
+          <a:scrgbClr r="0" g="0" b="0"/>
+        </a:fillRef>
+        <a:effectRef idx="0">
+          <a:scrgbClr r="0" g="0" b="0"/>
+        </a:effectRef>
+        <a:fontRef idx="minor"/>
+      </dsp:style>
+      <dsp:txBody>
+        <a:bodyPr spcFirstLastPara="0" vert="horz" wrap="square" lIns="73243" tIns="73243" rIns="73243" bIns="73243" numCol="1" spcCol="1270" anchor="ctr" anchorCtr="0">
+          <a:noAutofit/>
+        </a:bodyPr>
+        <a:lstStyle/>
+        <a:p>
+          <a:pPr marL="0" lvl="0" indent="0" algn="l" defTabSz="844550">
+            <a:lnSpc>
+              <a:spcPct val="100000"/>
+            </a:lnSpc>
+            <a:spcBef>
+              <a:spcPct val="0"/>
+            </a:spcBef>
+            <a:spcAft>
+              <a:spcPct val="35000"/>
+            </a:spcAft>
+            <a:buNone/>
+          </a:pPr>
+          <a:r>
+            <a:rPr lang="en-GB" sz="1900" kern="1200">
+              <a:solidFill>
+                <a:schemeClr val="tx1">
+                  <a:lumMod val="65000"/>
+                  <a:lumOff val="35000"/>
+                </a:schemeClr>
+              </a:solidFill>
+              <a:latin typeface="Metropolis" panose="00000500000000000000" pitchFamily="50" charset="0"/>
+            </a:rPr>
+            <a:t>Immutable</a:t>
+          </a:r>
+          <a:endParaRPr lang="en-GB" sz="1900" kern="1200" dirty="0">
+            <a:solidFill>
+              <a:schemeClr val="tx1">
+                <a:lumMod val="65000"/>
+                <a:lumOff val="35000"/>
+              </a:schemeClr>
+            </a:solidFill>
+            <a:latin typeface="Metropolis" panose="00000500000000000000" pitchFamily="50" charset="0"/>
+          </a:endParaRPr>
+        </a:p>
+      </dsp:txBody>
+      <dsp:txXfrm>
+        <a:off x="799330" y="1731776"/>
+        <a:ext cx="9716269" cy="692060"/>
+      </dsp:txXfrm>
+    </dsp:sp>
+    <dsp:sp modelId="{CE3458F3-E9A0-494E-A82F-95BA3E7AF313}">
+      <dsp:nvSpPr>
+        <dsp:cNvPr id="0" name=""/>
+        <dsp:cNvSpPr/>
+      </dsp:nvSpPr>
+      <dsp:spPr>
+        <a:xfrm>
+          <a:off x="0" y="2596852"/>
+          <a:ext cx="10515600" cy="692060"/>
+        </a:xfrm>
+        <a:prstGeom prst="roundRect">
+          <a:avLst>
+            <a:gd name="adj" fmla="val 10000"/>
+          </a:avLst>
+        </a:prstGeom>
+        <a:solidFill>
+          <a:schemeClr val="bg1">
+            <a:lumMod val="95000"/>
+            <a:hueOff val="0"/>
+            <a:satOff val="0"/>
+            <a:lumOff val="0"/>
+            <a:alphaOff val="0"/>
+          </a:schemeClr>
+        </a:solidFill>
+        <a:ln>
+          <a:noFill/>
+        </a:ln>
+        <a:effectLst/>
+      </dsp:spPr>
+      <dsp:style>
+        <a:lnRef idx="0">
+          <a:scrgbClr r="0" g="0" b="0"/>
+        </a:lnRef>
+        <a:fillRef idx="1">
+          <a:scrgbClr r="0" g="0" b="0"/>
+        </a:fillRef>
+        <a:effectRef idx="0">
+          <a:scrgbClr r="0" g="0" b="0"/>
+        </a:effectRef>
+        <a:fontRef idx="minor"/>
+      </dsp:style>
+    </dsp:sp>
+    <dsp:sp modelId="{9EDD302E-5BFC-4895-BEC4-6C2269DC4288}">
+      <dsp:nvSpPr>
+        <dsp:cNvPr id="0" name=""/>
+        <dsp:cNvSpPr/>
+      </dsp:nvSpPr>
+      <dsp:spPr>
+        <a:xfrm>
+          <a:off x="209348" y="2752565"/>
+          <a:ext cx="380633" cy="380633"/>
+        </a:xfrm>
+        <a:prstGeom prst="rect">
+          <a:avLst/>
+        </a:prstGeom>
+        <a:blipFill>
+          <a:blip xmlns:r="http://schemas.openxmlformats.org/officeDocument/2006/relationships" r:embed="rId7">
+            <a:extLst>
+              <a:ext uri="{96DAC541-7B7A-43D3-8B79-37D633B846F1}">
+                <asvg:svgBlip xmlns:asvg="http://schemas.microsoft.com/office/drawing/2016/SVG/main" r:embed="rId8"/>
+              </a:ext>
+            </a:extLst>
+          </a:blip>
+          <a:srcRect/>
+          <a:stretch>
+            <a:fillRect/>
+          </a:stretch>
+        </a:blipFill>
+        <a:ln w="12700" cap="flat" cmpd="sng" algn="ctr">
+          <a:solidFill>
+            <a:schemeClr val="lt1">
+              <a:alpha val="0"/>
+              <a:hueOff val="0"/>
+              <a:satOff val="0"/>
+              <a:lumOff val="0"/>
+              <a:alphaOff val="0"/>
+            </a:schemeClr>
+          </a:solidFill>
+          <a:prstDash val="solid"/>
+          <a:miter lim="800000"/>
+        </a:ln>
+        <a:effectLst/>
+      </dsp:spPr>
+      <dsp:style>
+        <a:lnRef idx="2">
+          <a:scrgbClr r="0" g="0" b="0"/>
+        </a:lnRef>
+        <a:fillRef idx="1">
+          <a:scrgbClr r="0" g="0" b="0"/>
+        </a:fillRef>
+        <a:effectRef idx="0">
+          <a:scrgbClr r="0" g="0" b="0"/>
+        </a:effectRef>
+        <a:fontRef idx="minor">
+          <a:schemeClr val="lt1"/>
+        </a:fontRef>
+      </dsp:style>
+    </dsp:sp>
+    <dsp:sp modelId="{B280C9E1-23C9-4546-81B2-554BE757BCE9}">
+      <dsp:nvSpPr>
+        <dsp:cNvPr id="0" name=""/>
+        <dsp:cNvSpPr/>
+      </dsp:nvSpPr>
+      <dsp:spPr>
+        <a:xfrm>
+          <a:off x="799330" y="2596852"/>
+          <a:ext cx="9716269" cy="692060"/>
+        </a:xfrm>
+        <a:prstGeom prst="rect">
+          <a:avLst/>
+        </a:prstGeom>
+        <a:noFill/>
+        <a:ln>
+          <a:noFill/>
+        </a:ln>
+        <a:effectLst/>
+      </dsp:spPr>
+      <dsp:style>
+        <a:lnRef idx="0">
+          <a:scrgbClr r="0" g="0" b="0"/>
+        </a:lnRef>
+        <a:fillRef idx="0">
+          <a:scrgbClr r="0" g="0" b="0"/>
+        </a:fillRef>
+        <a:effectRef idx="0">
+          <a:scrgbClr r="0" g="0" b="0"/>
+        </a:effectRef>
+        <a:fontRef idx="minor"/>
+      </dsp:style>
+      <dsp:txBody>
+        <a:bodyPr spcFirstLastPara="0" vert="horz" wrap="square" lIns="73243" tIns="73243" rIns="73243" bIns="73243" numCol="1" spcCol="1270" anchor="ctr" anchorCtr="0">
+          <a:noAutofit/>
+        </a:bodyPr>
+        <a:lstStyle/>
+        <a:p>
+          <a:pPr marL="0" lvl="0" indent="0" algn="l" defTabSz="844550">
+            <a:lnSpc>
+              <a:spcPct val="100000"/>
+            </a:lnSpc>
+            <a:spcBef>
+              <a:spcPct val="0"/>
+            </a:spcBef>
+            <a:spcAft>
+              <a:spcPct val="35000"/>
+            </a:spcAft>
+            <a:buNone/>
+          </a:pPr>
+          <a:r>
+            <a:rPr lang="en-GB" sz="1900" kern="1200">
+              <a:solidFill>
+                <a:schemeClr val="tx1">
+                  <a:lumMod val="65000"/>
+                  <a:lumOff val="35000"/>
+                </a:schemeClr>
+              </a:solidFill>
+              <a:latin typeface="Metropolis" panose="00000500000000000000" pitchFamily="50" charset="0"/>
+            </a:rPr>
+            <a:t>Reusable</a:t>
+          </a:r>
+          <a:endParaRPr lang="en-GB" sz="1900" kern="1200" dirty="0">
+            <a:solidFill>
+              <a:schemeClr val="tx1">
+                <a:lumMod val="65000"/>
+                <a:lumOff val="35000"/>
+              </a:schemeClr>
+            </a:solidFill>
+            <a:latin typeface="Metropolis" panose="00000500000000000000" pitchFamily="50" charset="0"/>
+          </a:endParaRPr>
+        </a:p>
+      </dsp:txBody>
+      <dsp:txXfrm>
+        <a:off x="799330" y="2596852"/>
+        <a:ext cx="9716269" cy="692060"/>
+      </dsp:txXfrm>
+    </dsp:sp>
+    <dsp:sp modelId="{8852D19B-5544-46A5-9DBB-FBE694B15C7B}">
+      <dsp:nvSpPr>
+        <dsp:cNvPr id="0" name=""/>
+        <dsp:cNvSpPr/>
+      </dsp:nvSpPr>
+      <dsp:spPr>
+        <a:xfrm>
+          <a:off x="0" y="3461928"/>
+          <a:ext cx="10515600" cy="692060"/>
+        </a:xfrm>
+        <a:prstGeom prst="roundRect">
+          <a:avLst>
+            <a:gd name="adj" fmla="val 10000"/>
+          </a:avLst>
+        </a:prstGeom>
+        <a:solidFill>
+          <a:schemeClr val="bg1">
+            <a:lumMod val="95000"/>
+            <a:hueOff val="0"/>
+            <a:satOff val="0"/>
+            <a:lumOff val="0"/>
+            <a:alphaOff val="0"/>
+          </a:schemeClr>
+        </a:solidFill>
+        <a:ln>
+          <a:noFill/>
+        </a:ln>
+        <a:effectLst/>
+      </dsp:spPr>
+      <dsp:style>
+        <a:lnRef idx="0">
+          <a:scrgbClr r="0" g="0" b="0"/>
+        </a:lnRef>
+        <a:fillRef idx="1">
+          <a:scrgbClr r="0" g="0" b="0"/>
+        </a:fillRef>
+        <a:effectRef idx="0">
+          <a:scrgbClr r="0" g="0" b="0"/>
+        </a:effectRef>
+        <a:fontRef idx="minor"/>
+      </dsp:style>
+    </dsp:sp>
+    <dsp:sp modelId="{916CA36C-FED6-4AF1-B0B8-E47ED4AAD046}">
+      <dsp:nvSpPr>
+        <dsp:cNvPr id="0" name=""/>
+        <dsp:cNvSpPr/>
+      </dsp:nvSpPr>
+      <dsp:spPr>
+        <a:xfrm>
+          <a:off x="209348" y="3617641"/>
+          <a:ext cx="380633" cy="380633"/>
+        </a:xfrm>
+        <a:prstGeom prst="rect">
+          <a:avLst/>
+        </a:prstGeom>
+        <a:blipFill>
+          <a:blip xmlns:r="http://schemas.openxmlformats.org/officeDocument/2006/relationships" r:embed="rId9">
+            <a:extLst>
+              <a:ext uri="{96DAC541-7B7A-43D3-8B79-37D633B846F1}">
+                <asvg:svgBlip xmlns:asvg="http://schemas.microsoft.com/office/drawing/2016/SVG/main" r:embed="rId10"/>
+              </a:ext>
+            </a:extLst>
+          </a:blip>
+          <a:srcRect/>
+          <a:stretch>
+            <a:fillRect/>
+          </a:stretch>
+        </a:blipFill>
+        <a:ln w="12700" cap="flat" cmpd="sng" algn="ctr">
+          <a:solidFill>
+            <a:schemeClr val="lt1">
+              <a:alpha val="0"/>
+              <a:hueOff val="0"/>
+              <a:satOff val="0"/>
+              <a:lumOff val="0"/>
+              <a:alphaOff val="0"/>
+            </a:schemeClr>
+          </a:solidFill>
+          <a:prstDash val="solid"/>
+          <a:miter lim="800000"/>
+        </a:ln>
+        <a:effectLst/>
+      </dsp:spPr>
+      <dsp:style>
+        <a:lnRef idx="2">
+          <a:scrgbClr r="0" g="0" b="0"/>
+        </a:lnRef>
+        <a:fillRef idx="1">
+          <a:scrgbClr r="0" g="0" b="0"/>
+        </a:fillRef>
+        <a:effectRef idx="0">
+          <a:scrgbClr r="0" g="0" b="0"/>
+        </a:effectRef>
+        <a:fontRef idx="minor">
+          <a:schemeClr val="lt1"/>
+        </a:fontRef>
+      </dsp:style>
+    </dsp:sp>
+    <dsp:sp modelId="{21D34862-99EB-4975-90BF-4C949049846F}">
+      <dsp:nvSpPr>
+        <dsp:cNvPr id="0" name=""/>
+        <dsp:cNvSpPr/>
+      </dsp:nvSpPr>
+      <dsp:spPr>
+        <a:xfrm>
+          <a:off x="799330" y="3461928"/>
+          <a:ext cx="9716269" cy="692060"/>
+        </a:xfrm>
+        <a:prstGeom prst="rect">
+          <a:avLst/>
+        </a:prstGeom>
+        <a:noFill/>
+        <a:ln>
+          <a:noFill/>
+        </a:ln>
+        <a:effectLst/>
+      </dsp:spPr>
+      <dsp:style>
+        <a:lnRef idx="0">
+          <a:scrgbClr r="0" g="0" b="0"/>
+        </a:lnRef>
+        <a:fillRef idx="0">
+          <a:scrgbClr r="0" g="0" b="0"/>
+        </a:fillRef>
+        <a:effectRef idx="0">
+          <a:scrgbClr r="0" g="0" b="0"/>
+        </a:effectRef>
+        <a:fontRef idx="minor"/>
+      </dsp:style>
+      <dsp:txBody>
+        <a:bodyPr spcFirstLastPara="0" vert="horz" wrap="square" lIns="73243" tIns="73243" rIns="73243" bIns="73243" numCol="1" spcCol="1270" anchor="ctr" anchorCtr="0">
+          <a:noAutofit/>
+        </a:bodyPr>
+        <a:lstStyle/>
+        <a:p>
+          <a:pPr marL="0" lvl="0" indent="0" algn="l" defTabSz="844550">
+            <a:lnSpc>
+              <a:spcPct val="100000"/>
+            </a:lnSpc>
+            <a:spcBef>
+              <a:spcPct val="0"/>
+            </a:spcBef>
+            <a:spcAft>
+              <a:spcPct val="35000"/>
+            </a:spcAft>
+            <a:buNone/>
+          </a:pPr>
+          <a:r>
+            <a:rPr lang="en-GB" sz="1900" kern="1200">
+              <a:solidFill>
+                <a:schemeClr val="tx1">
+                  <a:lumMod val="65000"/>
+                  <a:lumOff val="35000"/>
+                </a:schemeClr>
+              </a:solidFill>
+              <a:latin typeface="Metropolis" panose="00000500000000000000" pitchFamily="50" charset="0"/>
+            </a:rPr>
+            <a:t>Modular</a:t>
+          </a:r>
+          <a:endParaRPr lang="en-GB" sz="1900" kern="1200" dirty="0">
+            <a:solidFill>
+              <a:schemeClr val="tx1">
+                <a:lumMod val="65000"/>
+                <a:lumOff val="35000"/>
+              </a:schemeClr>
+            </a:solidFill>
+            <a:latin typeface="Metropolis" panose="00000500000000000000" pitchFamily="50" charset="0"/>
+          </a:endParaRPr>
+        </a:p>
+      </dsp:txBody>
+      <dsp:txXfrm>
+        <a:off x="799330" y="3461928"/>
+        <a:ext cx="9716269" cy="692060"/>
+      </dsp:txXfrm>
+    </dsp:sp>
+    <dsp:sp modelId="{487B9B12-F207-4D89-A2F9-4CE6E15F6035}">
+      <dsp:nvSpPr>
+        <dsp:cNvPr id="0" name=""/>
+        <dsp:cNvSpPr/>
+      </dsp:nvSpPr>
+      <dsp:spPr>
+        <a:xfrm>
+          <a:off x="0" y="4327004"/>
+          <a:ext cx="10515600" cy="692060"/>
+        </a:xfrm>
+        <a:prstGeom prst="roundRect">
+          <a:avLst>
+            <a:gd name="adj" fmla="val 10000"/>
+          </a:avLst>
+        </a:prstGeom>
+        <a:solidFill>
+          <a:schemeClr val="bg1">
+            <a:lumMod val="95000"/>
+            <a:hueOff val="0"/>
+            <a:satOff val="0"/>
+            <a:lumOff val="0"/>
+            <a:alphaOff val="0"/>
+          </a:schemeClr>
+        </a:solidFill>
+        <a:ln>
+          <a:noFill/>
+        </a:ln>
+        <a:effectLst/>
+      </dsp:spPr>
+      <dsp:style>
+        <a:lnRef idx="0">
+          <a:scrgbClr r="0" g="0" b="0"/>
+        </a:lnRef>
+        <a:fillRef idx="1">
+          <a:scrgbClr r="0" g="0" b="0"/>
+        </a:fillRef>
+        <a:effectRef idx="0">
+          <a:scrgbClr r="0" g="0" b="0"/>
+        </a:effectRef>
+        <a:fontRef idx="minor"/>
+      </dsp:style>
+    </dsp:sp>
+    <dsp:sp modelId="{90CA8F6E-0FDE-4B1D-962B-2E480FE92D19}">
+      <dsp:nvSpPr>
+        <dsp:cNvPr id="0" name=""/>
+        <dsp:cNvSpPr/>
+      </dsp:nvSpPr>
+      <dsp:spPr>
+        <a:xfrm>
+          <a:off x="209348" y="4482717"/>
+          <a:ext cx="380633" cy="380633"/>
+        </a:xfrm>
+        <a:prstGeom prst="rect">
+          <a:avLst/>
+        </a:prstGeom>
+        <a:blipFill>
+          <a:blip xmlns:r="http://schemas.openxmlformats.org/officeDocument/2006/relationships" r:embed="rId11">
+            <a:extLst>
+              <a:ext uri="{96DAC541-7B7A-43D3-8B79-37D633B846F1}">
+                <asvg:svgBlip xmlns:asvg="http://schemas.microsoft.com/office/drawing/2016/SVG/main" r:embed="rId12"/>
+              </a:ext>
+            </a:extLst>
+          </a:blip>
+          <a:srcRect/>
+          <a:stretch>
+            <a:fillRect/>
+          </a:stretch>
+        </a:blipFill>
+        <a:ln w="12700" cap="flat" cmpd="sng" algn="ctr">
+          <a:solidFill>
+            <a:schemeClr val="lt1">
+              <a:alpha val="0"/>
+              <a:hueOff val="0"/>
+              <a:satOff val="0"/>
+              <a:lumOff val="0"/>
+              <a:alphaOff val="0"/>
+            </a:schemeClr>
+          </a:solidFill>
+          <a:prstDash val="solid"/>
+          <a:miter lim="800000"/>
+        </a:ln>
+        <a:effectLst/>
+      </dsp:spPr>
+      <dsp:style>
+        <a:lnRef idx="2">
+          <a:scrgbClr r="0" g="0" b="0"/>
+        </a:lnRef>
+        <a:fillRef idx="1">
+          <a:scrgbClr r="0" g="0" b="0"/>
+        </a:fillRef>
+        <a:effectRef idx="0">
+          <a:scrgbClr r="0" g="0" b="0"/>
+        </a:effectRef>
+        <a:fontRef idx="minor">
+          <a:schemeClr val="lt1"/>
+        </a:fontRef>
+      </dsp:style>
+    </dsp:sp>
+    <dsp:sp modelId="{B4AB2D03-7CC3-429C-B1DD-4F861C9064EB}">
+      <dsp:nvSpPr>
+        <dsp:cNvPr id="0" name=""/>
+        <dsp:cNvSpPr/>
+      </dsp:nvSpPr>
+      <dsp:spPr>
+        <a:xfrm>
+          <a:off x="799330" y="4327004"/>
+          <a:ext cx="9716269" cy="692060"/>
+        </a:xfrm>
+        <a:prstGeom prst="rect">
+          <a:avLst/>
+        </a:prstGeom>
+        <a:noFill/>
+        <a:ln>
+          <a:noFill/>
+        </a:ln>
+        <a:effectLst/>
+      </dsp:spPr>
+      <dsp:style>
+        <a:lnRef idx="0">
+          <a:scrgbClr r="0" g="0" b="0"/>
+        </a:lnRef>
+        <a:fillRef idx="0">
+          <a:scrgbClr r="0" g="0" b="0"/>
+        </a:fillRef>
+        <a:effectRef idx="0">
+          <a:scrgbClr r="0" g="0" b="0"/>
+        </a:effectRef>
+        <a:fontRef idx="minor"/>
+      </dsp:style>
+      <dsp:txBody>
+        <a:bodyPr spcFirstLastPara="0" vert="horz" wrap="square" lIns="73243" tIns="73243" rIns="73243" bIns="73243" numCol="1" spcCol="1270" anchor="ctr" anchorCtr="0">
+          <a:noAutofit/>
+        </a:bodyPr>
+        <a:lstStyle/>
+        <a:p>
+          <a:pPr marL="0" lvl="0" indent="0" algn="l" defTabSz="844550">
+            <a:lnSpc>
+              <a:spcPct val="100000"/>
+            </a:lnSpc>
+            <a:spcBef>
+              <a:spcPct val="0"/>
+            </a:spcBef>
+            <a:spcAft>
+              <a:spcPct val="35000"/>
+            </a:spcAft>
+            <a:buNone/>
+          </a:pPr>
+          <a:r>
+            <a:rPr lang="en-GB" sz="1900" kern="1200">
+              <a:solidFill>
+                <a:schemeClr val="tx1">
+                  <a:lumMod val="65000"/>
+                  <a:lumOff val="35000"/>
+                </a:schemeClr>
+              </a:solidFill>
+              <a:latin typeface="Metropolis" panose="00000500000000000000" pitchFamily="50" charset="0"/>
+            </a:rPr>
+            <a:t>Drift Correction</a:t>
+          </a:r>
+          <a:endParaRPr lang="en-GB" sz="1900" kern="1200" dirty="0">
+            <a:solidFill>
+              <a:schemeClr val="tx1">
+                <a:lumMod val="65000"/>
+                <a:lumOff val="35000"/>
+              </a:schemeClr>
+            </a:solidFill>
+            <a:latin typeface="Metropolis" panose="00000500000000000000" pitchFamily="50" charset="0"/>
+          </a:endParaRPr>
+        </a:p>
+      </dsp:txBody>
+      <dsp:txXfrm>
+        <a:off x="799330" y="4327004"/>
+        <a:ext cx="9716269" cy="692060"/>
+      </dsp:txXfrm>
+    </dsp:sp>
+  </dsp:spTree>
+</dsp:drawing>
+</file>
+
+<file path=ppt/diagrams/drawing2.xml><?xml version="1.0" encoding="utf-8"?>
+<dsp:drawing xmlns:dgm="http://schemas.openxmlformats.org/drawingml/2006/diagram" xmlns:dsp="http://schemas.microsoft.com/office/drawing/2008/diagram" xmlns:a="http://schemas.openxmlformats.org/drawingml/2006/main">
+  <dsp:spTree>
+    <dsp:nvGrpSpPr>
+      <dsp:cNvPr id="0" name=""/>
+      <dsp:cNvGrpSpPr/>
+    </dsp:nvGrpSpPr>
+    <dsp:grpSpPr/>
+    <dsp:sp modelId="{1A9337D5-25E7-4924-B4A3-C4163E38FDBF}">
+      <dsp:nvSpPr>
+        <dsp:cNvPr id="0" name=""/>
+        <dsp:cNvSpPr/>
+      </dsp:nvSpPr>
+      <dsp:spPr>
+        <a:xfrm>
           <a:off x="0" y="612"/>
           <a:ext cx="10515600" cy="514816"/>
         </a:xfrm>
@@ -3607,7 +6257,7 @@
         </a:bodyPr>
         <a:lstStyle/>
         <a:p>
-          <a:pPr marL="0" lvl="0" indent="0" algn="l" defTabSz="711200">
+          <a:pPr marL="0" lvl="0" indent="0" algn="l" defTabSz="1066800">
             <a:lnSpc>
               <a:spcPct val="100000"/>
             </a:lnSpc>
@@ -3620,12 +6270,12 @@
             <a:buNone/>
           </a:pPr>
           <a:r>
-            <a:rPr lang="en-GB" sz="1600" kern="1200" dirty="0">
+            <a:rPr lang="en-GB" sz="2400" kern="1200" dirty="0">
               <a:latin typeface="Metropolis"/>
             </a:rPr>
             <a:t>Consistency</a:t>
           </a:r>
-          <a:endParaRPr lang="en-US" sz="1600" kern="1200" dirty="0">
+          <a:endParaRPr lang="en-US" sz="2400" kern="1200" dirty="0">
             <a:latin typeface="Metropolis"/>
           </a:endParaRPr>
         </a:p>
@@ -3764,7 +6414,7 @@
         </a:bodyPr>
         <a:lstStyle/>
         <a:p>
-          <a:pPr marL="0" lvl="0" indent="0" algn="l" defTabSz="711200">
+          <a:pPr marL="0" lvl="0" indent="0" algn="l" defTabSz="1066800">
             <a:lnSpc>
               <a:spcPct val="100000"/>
             </a:lnSpc>
@@ -3777,12 +6427,12 @@
             <a:buNone/>
           </a:pPr>
           <a:r>
-            <a:rPr lang="en-GB" sz="1600" kern="1200" dirty="0">
+            <a:rPr lang="en-GB" sz="2400" kern="1200" dirty="0">
               <a:latin typeface="Metropolis"/>
             </a:rPr>
             <a:t>Speed</a:t>
           </a:r>
-          <a:endParaRPr lang="en-US" sz="1600" kern="1200" dirty="0">
+          <a:endParaRPr lang="en-US" sz="2400" kern="1200" dirty="0">
             <a:latin typeface="Metropolis"/>
           </a:endParaRPr>
         </a:p>
@@ -3927,7 +6577,7 @@
         </a:bodyPr>
         <a:lstStyle/>
         <a:p>
-          <a:pPr marL="0" lvl="0" indent="0" algn="l" defTabSz="711200">
+          <a:pPr marL="0" lvl="0" indent="0" algn="l" defTabSz="1066800">
             <a:lnSpc>
               <a:spcPct val="100000"/>
             </a:lnSpc>
@@ -3940,7 +6590,7 @@
             <a:buNone/>
           </a:pPr>
           <a:r>
-            <a:rPr lang="en-US" sz="1600" kern="1200" dirty="0">
+            <a:rPr lang="en-US" sz="2400" kern="1200" dirty="0">
               <a:latin typeface="Metropolis"/>
             </a:rPr>
             <a:t>Collaboration</a:t>
@@ -4081,7 +6731,7 @@
         </a:bodyPr>
         <a:lstStyle/>
         <a:p>
-          <a:pPr marL="0" lvl="0" indent="0" algn="l" defTabSz="711200">
+          <a:pPr marL="0" lvl="0" indent="0" algn="l" defTabSz="1066800">
             <a:lnSpc>
               <a:spcPct val="100000"/>
             </a:lnSpc>
@@ -4094,12 +6744,12 @@
             <a:buNone/>
           </a:pPr>
           <a:r>
-            <a:rPr lang="en-GB" sz="1600" kern="1200">
+            <a:rPr lang="en-GB" sz="2400" kern="1200">
               <a:latin typeface="Metropolis"/>
             </a:rPr>
             <a:t>Accountability &amp; Change Management</a:t>
           </a:r>
-          <a:endParaRPr lang="en-US" sz="1600" kern="1200">
+          <a:endParaRPr lang="en-US" sz="2400" kern="1200">
             <a:latin typeface="Metropolis"/>
           </a:endParaRPr>
         </a:p>
@@ -4238,7 +6888,7 @@
         </a:bodyPr>
         <a:lstStyle/>
         <a:p>
-          <a:pPr marL="0" lvl="0" indent="0" algn="l" defTabSz="711200">
+          <a:pPr marL="0" lvl="0" indent="0" algn="l" defTabSz="1066800">
             <a:lnSpc>
               <a:spcPct val="100000"/>
             </a:lnSpc>
@@ -4251,12 +6901,12 @@
             <a:buNone/>
           </a:pPr>
           <a:r>
-            <a:rPr lang="en-GB" sz="1600" kern="1200">
+            <a:rPr lang="en-GB" sz="2400" kern="1200">
               <a:latin typeface="Metropolis"/>
             </a:rPr>
             <a:t>Scalability</a:t>
           </a:r>
-          <a:endParaRPr lang="en-US" sz="1600" kern="1200">
+          <a:endParaRPr lang="en-US" sz="2400" kern="1200">
             <a:latin typeface="Metropolis"/>
           </a:endParaRPr>
         </a:p>
@@ -4395,7 +7045,7 @@
         </a:bodyPr>
         <a:lstStyle/>
         <a:p>
-          <a:pPr marL="0" lvl="0" indent="0" algn="l" defTabSz="711200">
+          <a:pPr marL="0" lvl="0" indent="0" algn="l" defTabSz="1066800">
             <a:lnSpc>
               <a:spcPct val="100000"/>
             </a:lnSpc>
@@ -4408,12 +7058,12 @@
             <a:buNone/>
           </a:pPr>
           <a:r>
-            <a:rPr lang="en-GB" sz="1600" kern="1200" dirty="0">
+            <a:rPr lang="en-GB" sz="2400" kern="1200" dirty="0">
               <a:latin typeface="Metropolis"/>
             </a:rPr>
             <a:t>Versioning</a:t>
           </a:r>
-          <a:endParaRPr lang="en-US" sz="1600" kern="1200" dirty="0">
+          <a:endParaRPr lang="en-US" sz="2400" kern="1200" dirty="0">
             <a:latin typeface="Metropolis"/>
           </a:endParaRPr>
         </a:p>
@@ -4552,7 +7202,7 @@
         </a:bodyPr>
         <a:lstStyle/>
         <a:p>
-          <a:pPr marL="0" lvl="0" indent="0" algn="l" defTabSz="711200">
+          <a:pPr marL="0" lvl="0" indent="0" algn="l" defTabSz="1066800">
             <a:lnSpc>
               <a:spcPct val="100000"/>
             </a:lnSpc>
@@ -4565,12 +7215,12 @@
             <a:buNone/>
           </a:pPr>
           <a:r>
-            <a:rPr lang="en-GB" sz="1600" kern="1200" dirty="0">
+            <a:rPr lang="en-GB" sz="2400" kern="1200" dirty="0">
               <a:latin typeface="Metropolis"/>
             </a:rPr>
             <a:t>Testing</a:t>
           </a:r>
-          <a:endParaRPr lang="en-US" sz="1600" kern="1200" dirty="0">
+          <a:endParaRPr lang="en-US" sz="2400" kern="1200" dirty="0">
             <a:latin typeface="Metropolis"/>
           </a:endParaRPr>
         </a:p>
@@ -4709,7 +7359,7 @@
         </a:bodyPr>
         <a:lstStyle/>
         <a:p>
-          <a:pPr marL="0" lvl="0" indent="0" algn="l" defTabSz="711200">
+          <a:pPr marL="0" lvl="0" indent="0" algn="l" defTabSz="1066800">
             <a:lnSpc>
               <a:spcPct val="100000"/>
             </a:lnSpc>
@@ -4722,12 +7372,12 @@
             <a:buNone/>
           </a:pPr>
           <a:r>
-            <a:rPr lang="en-GB" sz="1600" kern="1200" dirty="0">
+            <a:rPr lang="en-GB" sz="2400" kern="1200" dirty="0">
               <a:latin typeface="Metropolis"/>
             </a:rPr>
             <a:t>Documentation</a:t>
           </a:r>
-          <a:endParaRPr lang="en-US" sz="1600" kern="1200" dirty="0">
+          <a:endParaRPr lang="en-US" sz="2400" kern="1200" dirty="0">
             <a:latin typeface="Metropolis"/>
           </a:endParaRPr>
         </a:p>
@@ -4741,7 +7391,7 @@
 </dsp:drawing>
 </file>
 
-<file path=ppt/diagrams/drawing2.xml><?xml version="1.0" encoding="utf-8"?>
+<file path=ppt/diagrams/drawing3.xml><?xml version="1.0" encoding="utf-8"?>
 <dsp:drawing xmlns:dgm="http://schemas.openxmlformats.org/drawingml/2006/diagram" xmlns:dsp="http://schemas.microsoft.com/office/drawing/2008/diagram" xmlns:a="http://schemas.openxmlformats.org/drawingml/2006/main">
   <dsp:spTree>
     <dsp:nvGrpSpPr>
@@ -4878,7 +7528,7 @@
         </a:bodyPr>
         <a:lstStyle/>
         <a:p>
-          <a:pPr marL="0" lvl="0" indent="0" algn="l" defTabSz="711200">
+          <a:pPr marL="0" lvl="0" indent="0" algn="l" defTabSz="889000">
             <a:lnSpc>
               <a:spcPct val="90000"/>
             </a:lnSpc>
@@ -4891,10 +7541,26 @@
             <a:buNone/>
           </a:pPr>
           <a:r>
-            <a:rPr lang="en-GB" sz="1600" kern="1200"/>
+            <a:rPr lang="en-GB" sz="2000" kern="1200" dirty="0">
+              <a:solidFill>
+                <a:schemeClr val="tx1">
+                  <a:lumMod val="75000"/>
+                  <a:lumOff val="25000"/>
+                </a:schemeClr>
+              </a:solidFill>
+              <a:latin typeface="Metropolis" panose="00000500000000000000"/>
+            </a:rPr>
             <a:t>Try out tools and see what works for you</a:t>
           </a:r>
-          <a:endParaRPr lang="en-US" sz="1600" kern="1200"/>
+          <a:endParaRPr lang="en-US" sz="2000" kern="1200" dirty="0">
+            <a:solidFill>
+              <a:schemeClr val="tx1">
+                <a:lumMod val="75000"/>
+                <a:lumOff val="25000"/>
+              </a:schemeClr>
+            </a:solidFill>
+            <a:latin typeface="Metropolis" panose="00000500000000000000"/>
+          </a:endParaRPr>
         </a:p>
       </dsp:txBody>
       <dsp:txXfrm>
@@ -5031,7 +7697,7 @@
         </a:bodyPr>
         <a:lstStyle/>
         <a:p>
-          <a:pPr marL="0" lvl="0" indent="0" algn="l" defTabSz="711200">
+          <a:pPr marL="0" lvl="0" indent="0" algn="l" defTabSz="889000">
             <a:lnSpc>
               <a:spcPct val="90000"/>
             </a:lnSpc>
@@ -5044,10 +7710,26 @@
             <a:buNone/>
           </a:pPr>
           <a:r>
-            <a:rPr lang="en-GB" sz="1600" kern="1200"/>
+            <a:rPr lang="en-GB" sz="2000" kern="1200">
+              <a:solidFill>
+                <a:schemeClr val="tx1">
+                  <a:lumMod val="75000"/>
+                  <a:lumOff val="25000"/>
+                </a:schemeClr>
+              </a:solidFill>
+              <a:latin typeface="Metropolis" panose="00000500000000000000"/>
+            </a:rPr>
             <a:t>Start with a small, contained unit of work</a:t>
           </a:r>
-          <a:endParaRPr lang="en-US" sz="1600" kern="1200"/>
+          <a:endParaRPr lang="en-US" sz="2000" kern="1200">
+            <a:solidFill>
+              <a:schemeClr val="tx1">
+                <a:lumMod val="75000"/>
+                <a:lumOff val="25000"/>
+              </a:schemeClr>
+            </a:solidFill>
+            <a:latin typeface="Metropolis" panose="00000500000000000000"/>
+          </a:endParaRPr>
         </a:p>
       </dsp:txBody>
       <dsp:txXfrm>
@@ -5184,7 +7866,7 @@
         </a:bodyPr>
         <a:lstStyle/>
         <a:p>
-          <a:pPr marL="0" lvl="0" indent="0" algn="l" defTabSz="711200">
+          <a:pPr marL="0" lvl="0" indent="0" algn="l" defTabSz="889000">
             <a:lnSpc>
               <a:spcPct val="90000"/>
             </a:lnSpc>
@@ -5197,10 +7879,26 @@
             <a:buNone/>
           </a:pPr>
           <a:r>
-            <a:rPr lang="en-GB" sz="1600" kern="1200"/>
+            <a:rPr lang="en-GB" sz="2000" kern="1200">
+              <a:solidFill>
+                <a:schemeClr val="tx1">
+                  <a:lumMod val="75000"/>
+                  <a:lumOff val="25000"/>
+                </a:schemeClr>
+              </a:solidFill>
+              <a:latin typeface="Metropolis" panose="00000500000000000000"/>
+            </a:rPr>
             <a:t>Iterate</a:t>
           </a:r>
-          <a:endParaRPr lang="en-US" sz="1600" kern="1200"/>
+          <a:endParaRPr lang="en-US" sz="2000" kern="1200">
+            <a:solidFill>
+              <a:schemeClr val="tx1">
+                <a:lumMod val="75000"/>
+                <a:lumOff val="25000"/>
+              </a:schemeClr>
+            </a:solidFill>
+            <a:latin typeface="Metropolis" panose="00000500000000000000"/>
+          </a:endParaRPr>
         </a:p>
       </dsp:txBody>
       <dsp:txXfrm>
@@ -5337,7 +8035,7 @@
         </a:bodyPr>
         <a:lstStyle/>
         <a:p>
-          <a:pPr marL="0" lvl="0" indent="0" algn="l" defTabSz="711200">
+          <a:pPr marL="0" lvl="0" indent="0" algn="l" defTabSz="889000">
             <a:lnSpc>
               <a:spcPct val="90000"/>
             </a:lnSpc>
@@ -5350,10 +8048,26 @@
             <a:buNone/>
           </a:pPr>
           <a:r>
-            <a:rPr lang="en-GB" sz="1600" kern="1200"/>
+            <a:rPr lang="en-GB" sz="2000" kern="1200">
+              <a:solidFill>
+                <a:schemeClr val="tx1">
+                  <a:lumMod val="75000"/>
+                  <a:lumOff val="25000"/>
+                </a:schemeClr>
+              </a:solidFill>
+              <a:latin typeface="Metropolis" panose="00000500000000000000"/>
+            </a:rPr>
             <a:t>Don’t do it in production!</a:t>
           </a:r>
-          <a:endParaRPr lang="en-US" sz="1600" kern="1200"/>
+          <a:endParaRPr lang="en-US" sz="2000" kern="1200">
+            <a:solidFill>
+              <a:schemeClr val="tx1">
+                <a:lumMod val="75000"/>
+                <a:lumOff val="25000"/>
+              </a:schemeClr>
+            </a:solidFill>
+            <a:latin typeface="Metropolis" panose="00000500000000000000"/>
+          </a:endParaRPr>
         </a:p>
       </dsp:txBody>
       <dsp:txXfrm>
@@ -5490,7 +8204,7 @@
         </a:bodyPr>
         <a:lstStyle/>
         <a:p>
-          <a:pPr marL="0" lvl="0" indent="0" algn="l" defTabSz="711200">
+          <a:pPr marL="0" lvl="0" indent="0" algn="l" defTabSz="889000">
             <a:lnSpc>
               <a:spcPct val="90000"/>
             </a:lnSpc>
@@ -5503,10 +8217,26 @@
             <a:buNone/>
           </a:pPr>
           <a:r>
-            <a:rPr lang="en-GB" sz="1600" kern="1200"/>
-            <a:t>Keep Templates focussed – lower the blast area!</a:t>
+            <a:rPr lang="en-GB" sz="2000" kern="1200" dirty="0">
+              <a:solidFill>
+                <a:schemeClr val="tx1">
+                  <a:lumMod val="75000"/>
+                  <a:lumOff val="25000"/>
+                </a:schemeClr>
+              </a:solidFill>
+              <a:latin typeface="Metropolis" panose="00000500000000000000"/>
+            </a:rPr>
+            <a:t>Keep templates focussed – lower the blast area!</a:t>
           </a:r>
-          <a:endParaRPr lang="en-US" sz="1600" kern="1200"/>
+          <a:endParaRPr lang="en-US" sz="2000" kern="1200" dirty="0">
+            <a:solidFill>
+              <a:schemeClr val="tx1">
+                <a:lumMod val="75000"/>
+                <a:lumOff val="25000"/>
+              </a:schemeClr>
+            </a:solidFill>
+            <a:latin typeface="Metropolis" panose="00000500000000000000"/>
+          </a:endParaRPr>
         </a:p>
       </dsp:txBody>
       <dsp:txXfrm>
@@ -5643,7 +8373,7 @@
         </a:bodyPr>
         <a:lstStyle/>
         <a:p>
-          <a:pPr marL="0" lvl="0" indent="0" algn="l" defTabSz="711200">
+          <a:pPr marL="0" lvl="0" indent="0" algn="l" defTabSz="889000">
             <a:lnSpc>
               <a:spcPct val="90000"/>
             </a:lnSpc>
@@ -5656,10 +8386,26 @@
             <a:buNone/>
           </a:pPr>
           <a:r>
-            <a:rPr lang="en-GB" sz="1600" kern="1200"/>
+            <a:rPr lang="en-GB" sz="2000" kern="1200">
+              <a:solidFill>
+                <a:schemeClr val="tx1">
+                  <a:lumMod val="75000"/>
+                  <a:lumOff val="25000"/>
+                </a:schemeClr>
+              </a:solidFill>
+              <a:latin typeface="Metropolis" panose="00000500000000000000"/>
+            </a:rPr>
             <a:t>Store your code in version control</a:t>
           </a:r>
-          <a:endParaRPr lang="en-US" sz="1600" kern="1200"/>
+          <a:endParaRPr lang="en-US" sz="2000" kern="1200">
+            <a:solidFill>
+              <a:schemeClr val="tx1">
+                <a:lumMod val="75000"/>
+                <a:lumOff val="25000"/>
+              </a:schemeClr>
+            </a:solidFill>
+            <a:latin typeface="Metropolis" panose="00000500000000000000"/>
+          </a:endParaRPr>
         </a:p>
       </dsp:txBody>
       <dsp:txXfrm>
@@ -5796,7 +8542,7 @@
         </a:bodyPr>
         <a:lstStyle/>
         <a:p>
-          <a:pPr marL="0" lvl="0" indent="0" algn="l" defTabSz="711200">
+          <a:pPr marL="0" lvl="0" indent="0" algn="l" defTabSz="889000">
             <a:lnSpc>
               <a:spcPct val="90000"/>
             </a:lnSpc>
@@ -5809,10 +8555,26 @@
             <a:buNone/>
           </a:pPr>
           <a:r>
-            <a:rPr lang="en-GB" sz="1600" kern="1200"/>
+            <a:rPr lang="en-GB" sz="2000" kern="1200" dirty="0">
+              <a:solidFill>
+                <a:schemeClr val="tx1">
+                  <a:lumMod val="75000"/>
+                  <a:lumOff val="25000"/>
+                </a:schemeClr>
+              </a:solidFill>
+              <a:latin typeface="Metropolis" panose="00000500000000000000"/>
+            </a:rPr>
             <a:t>When your ready, look at CI/CD</a:t>
           </a:r>
-          <a:endParaRPr lang="en-US" sz="1600" kern="1200"/>
+          <a:endParaRPr lang="en-US" sz="2000" kern="1200" dirty="0">
+            <a:solidFill>
+              <a:schemeClr val="tx1">
+                <a:lumMod val="75000"/>
+                <a:lumOff val="25000"/>
+              </a:schemeClr>
+            </a:solidFill>
+            <a:latin typeface="Metropolis" panose="00000500000000000000"/>
+          </a:endParaRPr>
         </a:p>
       </dsp:txBody>
       <dsp:txXfrm>
@@ -6412,6 +9174,300 @@
 </dgm:layoutDef>
 </file>
 
+<file path=ppt/diagrams/layout3.xml><?xml version="1.0" encoding="utf-8"?>
+<dgm:layoutDef xmlns:dgm="http://schemas.openxmlformats.org/drawingml/2006/diagram" xmlns:a="http://schemas.openxmlformats.org/drawingml/2006/main" uniqueId="urn:microsoft.com/office/officeart/2018/2/layout/IconVerticalSolidList">
+  <dgm:title val="Icon Vertical Solid List"/>
+  <dgm:desc val="Use to show a series of visuals from top to bottom with Level 1 or Level 1 and Level 2 text grouped in a shape. Works best with icons or small pictures with lengthier descriptions."/>
+  <dgm:catLst>
+    <dgm:cat type="icon" pri="500"/>
+  </dgm:catLst>
+  <dgm:sampData useDef="1">
+    <dgm:dataModel>
+      <dgm:ptLst/>
+      <dgm:bg/>
+      <dgm:whole/>
+    </dgm:dataModel>
+  </dgm:sampData>
+  <dgm:styleData useDef="1">
+    <dgm:dataModel>
+      <dgm:ptLst/>
+      <dgm:bg/>
+      <dgm:whole/>
+    </dgm:dataModel>
+  </dgm:styleData>
+  <dgm:clrData useDef="1">
+    <dgm:dataModel>
+      <dgm:ptLst/>
+      <dgm:bg/>
+      <dgm:whole/>
+    </dgm:dataModel>
+  </dgm:clrData>
+  <dgm:layoutNode name="root">
+    <dgm:varLst>
+      <dgm:dir/>
+      <dgm:resizeHandles val="exact"/>
+    </dgm:varLst>
+    <dgm:choose name="Name0">
+      <dgm:if name="Name1" axis="self" func="var" arg="dir" op="equ" val="norm">
+        <dgm:alg type="lin">
+          <dgm:param type="linDir" val="fromT"/>
+          <dgm:param type="nodeHorzAlign" val="l"/>
+        </dgm:alg>
+      </dgm:if>
+      <dgm:else name="Name2">
+        <dgm:alg type="lin">
+          <dgm:param type="linDir" val="fromT"/>
+          <dgm:param type="nodeHorzAlign" val="r"/>
+        </dgm:alg>
+      </dgm:else>
+    </dgm:choose>
+    <dgm:shape xmlns:r="http://schemas.openxmlformats.org/officeDocument/2006/relationships" r:blip="">
+      <dgm:adjLst/>
+    </dgm:shape>
+    <dgm:presOf/>
+    <dgm:choose name="Name3">
+      <dgm:if name="Name4" axis="ch" ptType="node" func="cnt" op="lte" val="3">
+        <dgm:constrLst>
+          <dgm:constr type="h" for="ch" forName="compNode" refType="h" fact="0.3"/>
+          <dgm:constr type="w" for="ch" forName="compNode" refType="w"/>
+          <dgm:constr type="h" for="ch" forName="sibTrans" refType="h" refFor="ch" refForName="compNode" fact="0.25"/>
+          <dgm:constr type="primFontSz" for="des" forName="parTx" val="25"/>
+          <dgm:constr type="primFontSz" for="des" forName="desTx" refType="primFontSz" refFor="des" refForName="parTx" op="lte" fact="0.75"/>
+          <dgm:constr type="h" for="des" forName="compNode" op="equ"/>
+          <dgm:constr type="h" for="des" forName="bgRect" op="equ"/>
+          <dgm:constr type="h" for="des" forName="iconRect" op="equ"/>
+          <dgm:constr type="w" for="des" forName="iconRect" op="equ"/>
+          <dgm:constr type="h" for="des" forName="spaceRect" op="equ"/>
+          <dgm:constr type="h" for="des" forName="parTx" op="equ"/>
+          <dgm:constr type="h" for="des" forName="desTx" op="equ"/>
+        </dgm:constrLst>
+      </dgm:if>
+      <dgm:if name="Name5" axis="ch" ptType="node" func="cnt" op="lte" val="4">
+        <dgm:constrLst>
+          <dgm:constr type="h" for="ch" forName="compNode" refType="h" fact="0.3"/>
+          <dgm:constr type="w" for="ch" forName="compNode" refType="w"/>
+          <dgm:constr type="h" for="ch" forName="sibTrans" refType="h" refFor="ch" refForName="compNode" fact="0.25"/>
+          <dgm:constr type="primFontSz" for="des" forName="parTx" val="22"/>
+          <dgm:constr type="primFontSz" for="des" forName="desTx" refType="primFontSz" refFor="des" refForName="parTx" op="lte" fact="0.75"/>
+          <dgm:constr type="h" for="des" forName="compNode" op="equ"/>
+          <dgm:constr type="h" for="des" forName="bgRect" op="equ"/>
+          <dgm:constr type="h" for="des" forName="iconRect" op="equ"/>
+          <dgm:constr type="w" for="des" forName="iconRect" op="equ"/>
+          <dgm:constr type="h" for="des" forName="spaceRect" op="equ"/>
+          <dgm:constr type="h" for="des" forName="parTx" op="equ"/>
+          <dgm:constr type="h" for="des" forName="desTx" op="equ"/>
+        </dgm:constrLst>
+      </dgm:if>
+      <dgm:if name="Name6" axis="ch" ptType="node" func="cnt" op="lte" val="6">
+        <dgm:constrLst>
+          <dgm:constr type="h" for="ch" forName="compNode" refType="h" fact="0.3"/>
+          <dgm:constr type="w" for="ch" forName="compNode" refType="w"/>
+          <dgm:constr type="h" for="ch" forName="sibTrans" refType="h" refFor="ch" refForName="compNode" fact="0.25"/>
+          <dgm:constr type="primFontSz" for="des" forName="parTx" val="19"/>
+          <dgm:constr type="primFontSz" for="des" forName="desTx" refType="primFontSz" refFor="des" refForName="parTx" op="lte" fact="0.75"/>
+          <dgm:constr type="h" for="des" forName="compNode" op="equ"/>
+          <dgm:constr type="h" for="des" forName="bgRect" op="equ"/>
+          <dgm:constr type="h" for="des" forName="iconRect" op="equ"/>
+          <dgm:constr type="w" for="des" forName="iconRect" op="equ"/>
+          <dgm:constr type="h" for="des" forName="spaceRect" op="equ"/>
+          <dgm:constr type="h" for="des" forName="parTx" op="equ"/>
+          <dgm:constr type="h" for="des" forName="desTx" op="equ"/>
+        </dgm:constrLst>
+      </dgm:if>
+      <dgm:else name="Name7">
+        <dgm:constrLst>
+          <dgm:constr type="h" for="ch" forName="compNode" refType="h" fact="0.3"/>
+          <dgm:constr type="w" for="ch" forName="compNode" refType="w"/>
+          <dgm:constr type="h" for="ch" forName="sibTrans" refType="h" refFor="ch" refForName="compNode" fact="0.25"/>
+          <dgm:constr type="primFontSz" for="des" forName="parTx" val="16"/>
+          <dgm:constr type="primFontSz" for="des" forName="desTx" refType="primFontSz" refFor="des" refForName="parTx" op="lte" fact="0.75"/>
+          <dgm:constr type="h" for="des" forName="compNode" op="equ"/>
+          <dgm:constr type="h" for="des" forName="bgRect" op="equ"/>
+          <dgm:constr type="h" for="des" forName="iconRect" op="equ"/>
+          <dgm:constr type="w" for="des" forName="iconRect" op="equ"/>
+          <dgm:constr type="h" for="des" forName="spaceRect" op="equ"/>
+          <dgm:constr type="h" for="des" forName="parTx" op="equ"/>
+          <dgm:constr type="h" for="des" forName="desTx" op="equ"/>
+        </dgm:constrLst>
+      </dgm:else>
+    </dgm:choose>
+    <dgm:ruleLst>
+      <dgm:rule type="h" for="ch" forName="compNode" val="0" fact="NaN" max="NaN"/>
+    </dgm:ruleLst>
+    <dgm:forEach name="Name8" axis="ch" ptType="node">
+      <dgm:layoutNode name="compNode">
+        <dgm:alg type="composite"/>
+        <dgm:shape xmlns:r="http://schemas.openxmlformats.org/officeDocument/2006/relationships" r:blip="">
+          <dgm:adjLst/>
+        </dgm:shape>
+        <dgm:presOf axis="self"/>
+        <dgm:choose name="Name9">
+          <dgm:if name="Name10" axis="ch" ptType="node" func="cnt" op="gte" val="1">
+            <dgm:constrLst>
+              <dgm:constr type="w" for="ch" forName="bgRect" refType="w"/>
+              <dgm:constr type="h" for="ch" forName="bgRect" refType="h"/>
+              <dgm:constr type="l" for="ch" forName="bgRect"/>
+              <dgm:constr type="t" for="ch" forName="bgRect"/>
+              <dgm:constr type="h" for="ch" forName="iconRect" refType="h" fact="0.55"/>
+              <dgm:constr type="w" for="ch" forName="iconRect" refType="h" refFor="ch" refForName="iconRect"/>
+              <dgm:constr type="l" for="ch" forName="iconRect" refType="h" refFor="ch" refForName="iconRect" fact="0.55"/>
+              <dgm:constr type="ctrY" for="ch" forName="iconRect" refType="ctrY" refFor="ch" refForName="bgRect"/>
+              <dgm:constr type="w" for="ch" forName="spaceRect" refType="l" refFor="ch" refForName="iconRect"/>
+              <dgm:constr type="h" for="ch" forName="spaceRect" refType="h"/>
+              <dgm:constr type="l" for="ch" forName="spaceRect" refType="r" refFor="ch" refForName="iconRect"/>
+              <dgm:constr type="t" for="ch" forName="spaceRect"/>
+              <dgm:constr type="w" for="ch" forName="parTx" refType="w" fact="0.45"/>
+              <dgm:constr type="h" for="ch" forName="parTx" refType="h"/>
+              <dgm:constr type="l" for="ch" forName="parTx" refType="r" refFor="ch" refForName="spaceRect"/>
+              <dgm:constr type="t" for="ch" forName="parTx"/>
+              <dgm:constr type="h" for="ch" forName="desTx" refType="h"/>
+              <dgm:constr type="l" for="ch" forName="desTx" refType="r" refFor="ch" refForName="parTx"/>
+              <dgm:constr type="t" for="ch" forName="desTx"/>
+            </dgm:constrLst>
+          </dgm:if>
+          <dgm:else name="Name11">
+            <dgm:constrLst>
+              <dgm:constr type="w" for="ch" forName="bgRect" refType="w"/>
+              <dgm:constr type="h" for="ch" forName="bgRect" refType="h"/>
+              <dgm:constr type="l" for="ch" forName="bgRect"/>
+              <dgm:constr type="t" for="ch" forName="bgRect"/>
+              <dgm:constr type="h" for="ch" forName="iconRect" refType="h" fact="0.55"/>
+              <dgm:constr type="w" for="ch" forName="iconRect" refType="h" refFor="ch" refForName="iconRect"/>
+              <dgm:constr type="l" for="ch" forName="iconRect" refType="h" refFor="ch" refForName="iconRect" fact="0.55"/>
+              <dgm:constr type="ctrY" for="ch" forName="iconRect" refType="ctrY" refFor="ch" refForName="bgRect"/>
+              <dgm:constr type="w" for="ch" forName="spaceRect" refType="l" refFor="ch" refForName="iconRect"/>
+              <dgm:constr type="h" for="ch" forName="spaceRect" refType="h"/>
+              <dgm:constr type="l" for="ch" forName="spaceRect" refType="r" refFor="ch" refForName="iconRect"/>
+              <dgm:constr type="t" for="ch" forName="spaceRect"/>
+              <dgm:constr type="h" for="ch" forName="parTx" refType="h"/>
+              <dgm:constr type="l" for="ch" forName="parTx" refType="r" refFor="ch" refForName="spaceRect"/>
+              <dgm:constr type="t" for="ch" forName="parTx"/>
+            </dgm:constrLst>
+          </dgm:else>
+        </dgm:choose>
+        <dgm:ruleLst>
+          <dgm:rule type="h" val="INF" fact="NaN" max="NaN"/>
+        </dgm:ruleLst>
+        <dgm:layoutNode name="bgRect" styleLbl="bgShp">
+          <dgm:alg type="sp"/>
+          <dgm:shape xmlns:r="http://schemas.openxmlformats.org/officeDocument/2006/relationships" type="roundRect" r:blip="">
+            <dgm:adjLst>
+              <dgm:adj idx="1" val="0.1"/>
+            </dgm:adjLst>
+          </dgm:shape>
+          <dgm:presOf/>
+          <dgm:constrLst/>
+          <dgm:ruleLst/>
+        </dgm:layoutNode>
+        <dgm:layoutNode name="iconRect" styleLbl="node1">
+          <dgm:alg type="sp"/>
+          <dgm:shape xmlns:r="http://schemas.openxmlformats.org/officeDocument/2006/relationships" type="rect" r:blip="" blipPhldr="1">
+            <dgm:adjLst/>
+          </dgm:shape>
+          <dgm:presOf/>
+          <dgm:constrLst/>
+          <dgm:ruleLst/>
+        </dgm:layoutNode>
+        <dgm:layoutNode name="spaceRect">
+          <dgm:alg type="sp"/>
+          <dgm:shape xmlns:r="http://schemas.openxmlformats.org/officeDocument/2006/relationships" r:blip="">
+            <dgm:adjLst/>
+          </dgm:shape>
+          <dgm:presOf/>
+          <dgm:constrLst/>
+          <dgm:ruleLst/>
+        </dgm:layoutNode>
+        <dgm:layoutNode name="parTx" styleLbl="revTx">
+          <dgm:varLst>
+            <dgm:chMax val="0"/>
+            <dgm:chPref val="0"/>
+          </dgm:varLst>
+          <dgm:alg type="tx">
+            <dgm:param type="txAnchorVert" val="mid"/>
+            <dgm:param type="parTxLTRAlign" val="l"/>
+            <dgm:param type="shpTxLTRAlignCh" val="l"/>
+            <dgm:param type="parTxRTLAlign" val="r"/>
+            <dgm:param type="shpTxRTLAlignCh" val="r"/>
+          </dgm:alg>
+          <dgm:shape xmlns:r="http://schemas.openxmlformats.org/officeDocument/2006/relationships" type="rect" r:blip="">
+            <dgm:adjLst/>
+          </dgm:shape>
+          <dgm:presOf axis="self" ptType="node"/>
+          <dgm:constrLst>
+            <dgm:constr type="lMarg" refType="h" fact="0.3"/>
+            <dgm:constr type="rMarg" refType="h" fact="0.3"/>
+            <dgm:constr type="tMarg" refType="h" fact="0.3"/>
+            <dgm:constr type="bMarg" refType="h" fact="0.3"/>
+          </dgm:constrLst>
+          <dgm:ruleLst>
+            <dgm:rule type="primFontSz" val="14" fact="NaN" max="NaN"/>
+            <dgm:rule type="h" val="INF" fact="NaN" max="NaN"/>
+          </dgm:ruleLst>
+        </dgm:layoutNode>
+        <dgm:choose name="Name12">
+          <dgm:if name="Name13" axis="ch" ptType="node" func="cnt" op="gte" val="1">
+            <dgm:layoutNode name="desTx" styleLbl="revTx">
+              <dgm:varLst/>
+              <dgm:alg type="tx">
+                <dgm:param type="txAnchorVertCh" val="mid"/>
+                <dgm:param type="parTxLTRAlign" val="l"/>
+                <dgm:param type="shpTxLTRAlignCh" val="l"/>
+                <dgm:param type="parTxRTLAlign" val="r"/>
+                <dgm:param type="shpTxRTLAlignCh" val="r"/>
+                <dgm:param type="stBulletLvl" val="0"/>
+              </dgm:alg>
+              <dgm:shape xmlns:r="http://schemas.openxmlformats.org/officeDocument/2006/relationships" type="rect" r:blip="">
+                <dgm:adjLst/>
+              </dgm:shape>
+              <dgm:presOf axis="des" ptType="node"/>
+              <dgm:constrLst>
+                <dgm:constr type="primFontSz" val="18"/>
+                <dgm:constr type="secFontSz" refType="primFontSz"/>
+                <dgm:constr type="lMarg" refType="h" fact="0.3"/>
+                <dgm:constr type="rMarg" refType="h" fact="0.3"/>
+                <dgm:constr type="tMarg" refType="h" fact="0.3"/>
+                <dgm:constr type="bMarg" refType="h" fact="0.3"/>
+              </dgm:constrLst>
+              <dgm:ruleLst>
+                <dgm:rule type="primFontSz" val="11" fact="NaN" max="NaN"/>
+              </dgm:ruleLst>
+            </dgm:layoutNode>
+          </dgm:if>
+          <dgm:else name="Name14"/>
+        </dgm:choose>
+      </dgm:layoutNode>
+      <dgm:forEach name="Name15" axis="followSib" ptType="sibTrans" cnt="1">
+        <dgm:layoutNode name="sibTrans">
+          <dgm:alg type="sp"/>
+          <dgm:shape xmlns:r="http://schemas.openxmlformats.org/officeDocument/2006/relationships" r:blip="">
+            <dgm:adjLst/>
+          </dgm:shape>
+          <dgm:presOf axis="self"/>
+          <dgm:constrLst/>
+          <dgm:ruleLst/>
+        </dgm:layoutNode>
+      </dgm:forEach>
+    </dgm:forEach>
+  </dgm:layoutNode>
+  <dgm:extLst>
+    <a:ext uri="{68A01E43-0DF5-4B5B-8FA6-DAF915123BFB}">
+      <dgm1612:lstStyle xmlns:dgm1612="http://schemas.microsoft.com/office/drawing/2016/12/diagram">
+        <a:lvl1pPr>
+          <a:lnSpc>
+            <a:spcPct val="100000"/>
+          </a:lnSpc>
+        </a:lvl1pPr>
+        <a:lvl2pPr>
+          <a:lnSpc>
+            <a:spcPct val="100000"/>
+          </a:lnSpc>
+        </a:lvl2pPr>
+      </dgm1612:lstStyle>
+    </a:ext>
+  </dgm:extLst>
+</dgm:layoutDef>
+</file>
+
 <file path=ppt/diagrams/quickStyle1.xml><?xml version="1.0" encoding="utf-8"?>
 <dgm:styleDef xmlns:dgm="http://schemas.openxmlformats.org/drawingml/2006/diagram" xmlns:a="http://schemas.openxmlformats.org/drawingml/2006/main" uniqueId="urn:microsoft.com/office/officeart/2005/8/quickstyle/simple1">
   <dgm:title val=""/>
@@ -7447,6 +10503,1040 @@
 </file>
 
 <file path=ppt/diagrams/quickStyle2.xml><?xml version="1.0" encoding="utf-8"?>
+<dgm:styleDef xmlns:dgm="http://schemas.openxmlformats.org/drawingml/2006/diagram" xmlns:a="http://schemas.openxmlformats.org/drawingml/2006/main" uniqueId="urn:microsoft.com/office/officeart/2005/8/quickstyle/simple1">
+  <dgm:title val=""/>
+  <dgm:desc val=""/>
+  <dgm:catLst>
+    <dgm:cat type="simple" pri="10100"/>
+  </dgm:catLst>
+  <dgm:scene3d>
+    <a:camera prst="orthographicFront"/>
+    <a:lightRig rig="threePt" dir="t"/>
+  </dgm:scene3d>
+  <dgm:styleLbl name="node0">
+    <dgm:scene3d>
+      <a:camera prst="orthographicFront"/>
+      <a:lightRig rig="threePt" dir="t"/>
+    </dgm:scene3d>
+    <dgm:sp3d/>
+    <dgm:txPr/>
+    <dgm:style>
+      <a:lnRef idx="2">
+        <a:scrgbClr r="0" g="0" b="0"/>
+      </a:lnRef>
+      <a:fillRef idx="1">
+        <a:scrgbClr r="0" g="0" b="0"/>
+      </a:fillRef>
+      <a:effectRef idx="0">
+        <a:scrgbClr r="0" g="0" b="0"/>
+      </a:effectRef>
+      <a:fontRef idx="minor">
+        <a:schemeClr val="lt1"/>
+      </a:fontRef>
+    </dgm:style>
+  </dgm:styleLbl>
+  <dgm:styleLbl name="lnNode1">
+    <dgm:scene3d>
+      <a:camera prst="orthographicFront"/>
+      <a:lightRig rig="threePt" dir="t"/>
+    </dgm:scene3d>
+    <dgm:sp3d/>
+    <dgm:txPr/>
+    <dgm:style>
+      <a:lnRef idx="2">
+        <a:scrgbClr r="0" g="0" b="0"/>
+      </a:lnRef>
+      <a:fillRef idx="1">
+        <a:scrgbClr r="0" g="0" b="0"/>
+      </a:fillRef>
+      <a:effectRef idx="0">
+        <a:scrgbClr r="0" g="0" b="0"/>
+      </a:effectRef>
+      <a:fontRef idx="minor">
+        <a:schemeClr val="lt1"/>
+      </a:fontRef>
+    </dgm:style>
+  </dgm:styleLbl>
+  <dgm:styleLbl name="vennNode1">
+    <dgm:scene3d>
+      <a:camera prst="orthographicFront"/>
+      <a:lightRig rig="threePt" dir="t"/>
+    </dgm:scene3d>
+    <dgm:sp3d/>
+    <dgm:txPr/>
+    <dgm:style>
+      <a:lnRef idx="2">
+        <a:scrgbClr r="0" g="0" b="0"/>
+      </a:lnRef>
+      <a:fillRef idx="1">
+        <a:scrgbClr r="0" g="0" b="0"/>
+      </a:fillRef>
+      <a:effectRef idx="0">
+        <a:scrgbClr r="0" g="0" b="0"/>
+      </a:effectRef>
+      <a:fontRef idx="minor">
+        <a:schemeClr val="tx1"/>
+      </a:fontRef>
+    </dgm:style>
+  </dgm:styleLbl>
+  <dgm:styleLbl name="alignNode1">
+    <dgm:scene3d>
+      <a:camera prst="orthographicFront"/>
+      <a:lightRig rig="threePt" dir="t"/>
+    </dgm:scene3d>
+    <dgm:sp3d/>
+    <dgm:txPr/>
+    <dgm:style>
+      <a:lnRef idx="2">
+        <a:scrgbClr r="0" g="0" b="0"/>
+      </a:lnRef>
+      <a:fillRef idx="1">
+        <a:scrgbClr r="0" g="0" b="0"/>
+      </a:fillRef>
+      <a:effectRef idx="0">
+        <a:scrgbClr r="0" g="0" b="0"/>
+      </a:effectRef>
+      <a:fontRef idx="minor">
+        <a:schemeClr val="lt1"/>
+      </a:fontRef>
+    </dgm:style>
+  </dgm:styleLbl>
+  <dgm:styleLbl name="node1">
+    <dgm:scene3d>
+      <a:camera prst="orthographicFront"/>
+      <a:lightRig rig="threePt" dir="t"/>
+    </dgm:scene3d>
+    <dgm:sp3d/>
+    <dgm:txPr/>
+    <dgm:style>
+      <a:lnRef idx="2">
+        <a:scrgbClr r="0" g="0" b="0"/>
+      </a:lnRef>
+      <a:fillRef idx="1">
+        <a:scrgbClr r="0" g="0" b="0"/>
+      </a:fillRef>
+      <a:effectRef idx="0">
+        <a:scrgbClr r="0" g="0" b="0"/>
+      </a:effectRef>
+      <a:fontRef idx="minor">
+        <a:schemeClr val="lt1"/>
+      </a:fontRef>
+    </dgm:style>
+  </dgm:styleLbl>
+  <dgm:styleLbl name="node2">
+    <dgm:scene3d>
+      <a:camera prst="orthographicFront"/>
+      <a:lightRig rig="threePt" dir="t"/>
+    </dgm:scene3d>
+    <dgm:sp3d/>
+    <dgm:txPr/>
+    <dgm:style>
+      <a:lnRef idx="2">
+        <a:scrgbClr r="0" g="0" b="0"/>
+      </a:lnRef>
+      <a:fillRef idx="1">
+        <a:scrgbClr r="0" g="0" b="0"/>
+      </a:fillRef>
+      <a:effectRef idx="0">
+        <a:scrgbClr r="0" g="0" b="0"/>
+      </a:effectRef>
+      <a:fontRef idx="minor">
+        <a:schemeClr val="lt1"/>
+      </a:fontRef>
+    </dgm:style>
+  </dgm:styleLbl>
+  <dgm:styleLbl name="node3">
+    <dgm:scene3d>
+      <a:camera prst="orthographicFront"/>
+      <a:lightRig rig="threePt" dir="t"/>
+    </dgm:scene3d>
+    <dgm:sp3d/>
+    <dgm:txPr/>
+    <dgm:style>
+      <a:lnRef idx="2">
+        <a:scrgbClr r="0" g="0" b="0"/>
+      </a:lnRef>
+      <a:fillRef idx="1">
+        <a:scrgbClr r="0" g="0" b="0"/>
+      </a:fillRef>
+      <a:effectRef idx="0">
+        <a:scrgbClr r="0" g="0" b="0"/>
+      </a:effectRef>
+      <a:fontRef idx="minor">
+        <a:schemeClr val="lt1"/>
+      </a:fontRef>
+    </dgm:style>
+  </dgm:styleLbl>
+  <dgm:styleLbl name="node4">
+    <dgm:scene3d>
+      <a:camera prst="orthographicFront"/>
+      <a:lightRig rig="threePt" dir="t"/>
+    </dgm:scene3d>
+    <dgm:sp3d/>
+    <dgm:txPr/>
+    <dgm:style>
+      <a:lnRef idx="2">
+        <a:scrgbClr r="0" g="0" b="0"/>
+      </a:lnRef>
+      <a:fillRef idx="1">
+        <a:scrgbClr r="0" g="0" b="0"/>
+      </a:fillRef>
+      <a:effectRef idx="0">
+        <a:scrgbClr r="0" g="0" b="0"/>
+      </a:effectRef>
+      <a:fontRef idx="minor">
+        <a:schemeClr val="lt1"/>
+      </a:fontRef>
+    </dgm:style>
+  </dgm:styleLbl>
+  <dgm:styleLbl name="fgImgPlace1">
+    <dgm:scene3d>
+      <a:camera prst="orthographicFront"/>
+      <a:lightRig rig="threePt" dir="t"/>
+    </dgm:scene3d>
+    <dgm:sp3d/>
+    <dgm:txPr/>
+    <dgm:style>
+      <a:lnRef idx="2">
+        <a:scrgbClr r="0" g="0" b="0"/>
+      </a:lnRef>
+      <a:fillRef idx="1">
+        <a:scrgbClr r="0" g="0" b="0"/>
+      </a:fillRef>
+      <a:effectRef idx="0">
+        <a:scrgbClr r="0" g="0" b="0"/>
+      </a:effectRef>
+      <a:fontRef idx="minor"/>
+    </dgm:style>
+  </dgm:styleLbl>
+  <dgm:styleLbl name="alignImgPlace1">
+    <dgm:scene3d>
+      <a:camera prst="orthographicFront"/>
+      <a:lightRig rig="threePt" dir="t"/>
+    </dgm:scene3d>
+    <dgm:sp3d/>
+    <dgm:txPr/>
+    <dgm:style>
+      <a:lnRef idx="2">
+        <a:scrgbClr r="0" g="0" b="0"/>
+      </a:lnRef>
+      <a:fillRef idx="1">
+        <a:scrgbClr r="0" g="0" b="0"/>
+      </a:fillRef>
+      <a:effectRef idx="0">
+        <a:scrgbClr r="0" g="0" b="0"/>
+      </a:effectRef>
+      <a:fontRef idx="minor"/>
+    </dgm:style>
+  </dgm:styleLbl>
+  <dgm:styleLbl name="bgImgPlace1">
+    <dgm:scene3d>
+      <a:camera prst="orthographicFront"/>
+      <a:lightRig rig="threePt" dir="t"/>
+    </dgm:scene3d>
+    <dgm:sp3d/>
+    <dgm:txPr/>
+    <dgm:style>
+      <a:lnRef idx="2">
+        <a:scrgbClr r="0" g="0" b="0"/>
+      </a:lnRef>
+      <a:fillRef idx="1">
+        <a:scrgbClr r="0" g="0" b="0"/>
+      </a:fillRef>
+      <a:effectRef idx="0">
+        <a:scrgbClr r="0" g="0" b="0"/>
+      </a:effectRef>
+      <a:fontRef idx="minor"/>
+    </dgm:style>
+  </dgm:styleLbl>
+  <dgm:styleLbl name="sibTrans2D1">
+    <dgm:scene3d>
+      <a:camera prst="orthographicFront"/>
+      <a:lightRig rig="threePt" dir="t"/>
+    </dgm:scene3d>
+    <dgm:sp3d/>
+    <dgm:txPr/>
+    <dgm:style>
+      <a:lnRef idx="0">
+        <a:scrgbClr r="0" g="0" b="0"/>
+      </a:lnRef>
+      <a:fillRef idx="1">
+        <a:scrgbClr r="0" g="0" b="0"/>
+      </a:fillRef>
+      <a:effectRef idx="0">
+        <a:scrgbClr r="0" g="0" b="0"/>
+      </a:effectRef>
+      <a:fontRef idx="minor">
+        <a:schemeClr val="lt1"/>
+      </a:fontRef>
+    </dgm:style>
+  </dgm:styleLbl>
+  <dgm:styleLbl name="fgSibTrans2D1">
+    <dgm:scene3d>
+      <a:camera prst="orthographicFront"/>
+      <a:lightRig rig="threePt" dir="t"/>
+    </dgm:scene3d>
+    <dgm:sp3d/>
+    <dgm:txPr/>
+    <dgm:style>
+      <a:lnRef idx="0">
+        <a:scrgbClr r="0" g="0" b="0"/>
+      </a:lnRef>
+      <a:fillRef idx="1">
+        <a:scrgbClr r="0" g="0" b="0"/>
+      </a:fillRef>
+      <a:effectRef idx="0">
+        <a:scrgbClr r="0" g="0" b="0"/>
+      </a:effectRef>
+      <a:fontRef idx="minor">
+        <a:schemeClr val="lt1"/>
+      </a:fontRef>
+    </dgm:style>
+  </dgm:styleLbl>
+  <dgm:styleLbl name="bgSibTrans2D1">
+    <dgm:scene3d>
+      <a:camera prst="orthographicFront"/>
+      <a:lightRig rig="threePt" dir="t"/>
+    </dgm:scene3d>
+    <dgm:sp3d/>
+    <dgm:txPr/>
+    <dgm:style>
+      <a:lnRef idx="0">
+        <a:scrgbClr r="0" g="0" b="0"/>
+      </a:lnRef>
+      <a:fillRef idx="1">
+        <a:scrgbClr r="0" g="0" b="0"/>
+      </a:fillRef>
+      <a:effectRef idx="0">
+        <a:scrgbClr r="0" g="0" b="0"/>
+      </a:effectRef>
+      <a:fontRef idx="minor">
+        <a:schemeClr val="lt1"/>
+      </a:fontRef>
+    </dgm:style>
+  </dgm:styleLbl>
+  <dgm:styleLbl name="sibTrans1D1">
+    <dgm:scene3d>
+      <a:camera prst="orthographicFront"/>
+      <a:lightRig rig="threePt" dir="t"/>
+    </dgm:scene3d>
+    <dgm:sp3d/>
+    <dgm:txPr/>
+    <dgm:style>
+      <a:lnRef idx="1">
+        <a:scrgbClr r="0" g="0" b="0"/>
+      </a:lnRef>
+      <a:fillRef idx="0">
+        <a:scrgbClr r="0" g="0" b="0"/>
+      </a:fillRef>
+      <a:effectRef idx="0">
+        <a:scrgbClr r="0" g="0" b="0"/>
+      </a:effectRef>
+      <a:fontRef idx="minor"/>
+    </dgm:style>
+  </dgm:styleLbl>
+  <dgm:styleLbl name="callout">
+    <dgm:scene3d>
+      <a:camera prst="orthographicFront"/>
+      <a:lightRig rig="threePt" dir="t"/>
+    </dgm:scene3d>
+    <dgm:sp3d/>
+    <dgm:txPr/>
+    <dgm:style>
+      <a:lnRef idx="2">
+        <a:scrgbClr r="0" g="0" b="0"/>
+      </a:lnRef>
+      <a:fillRef idx="1">
+        <a:scrgbClr r="0" g="0" b="0"/>
+      </a:fillRef>
+      <a:effectRef idx="0">
+        <a:scrgbClr r="0" g="0" b="0"/>
+      </a:effectRef>
+      <a:fontRef idx="minor"/>
+    </dgm:style>
+  </dgm:styleLbl>
+  <dgm:styleLbl name="asst0">
+    <dgm:scene3d>
+      <a:camera prst="orthographicFront"/>
+      <a:lightRig rig="threePt" dir="t"/>
+    </dgm:scene3d>
+    <dgm:sp3d/>
+    <dgm:txPr/>
+    <dgm:style>
+      <a:lnRef idx="2">
+        <a:scrgbClr r="0" g="0" b="0"/>
+      </a:lnRef>
+      <a:fillRef idx="1">
+        <a:scrgbClr r="0" g="0" b="0"/>
+      </a:fillRef>
+      <a:effectRef idx="0">
+        <a:scrgbClr r="0" g="0" b="0"/>
+      </a:effectRef>
+      <a:fontRef idx="minor">
+        <a:schemeClr val="lt1"/>
+      </a:fontRef>
+    </dgm:style>
+  </dgm:styleLbl>
+  <dgm:styleLbl name="asst1">
+    <dgm:scene3d>
+      <a:camera prst="orthographicFront"/>
+      <a:lightRig rig="threePt" dir="t"/>
+    </dgm:scene3d>
+    <dgm:sp3d/>
+    <dgm:txPr/>
+    <dgm:style>
+      <a:lnRef idx="2">
+        <a:scrgbClr r="0" g="0" b="0"/>
+      </a:lnRef>
+      <a:fillRef idx="1">
+        <a:scrgbClr r="0" g="0" b="0"/>
+      </a:fillRef>
+      <a:effectRef idx="0">
+        <a:scrgbClr r="0" g="0" b="0"/>
+      </a:effectRef>
+      <a:fontRef idx="minor">
+        <a:schemeClr val="lt1"/>
+      </a:fontRef>
+    </dgm:style>
+  </dgm:styleLbl>
+  <dgm:styleLbl name="asst2">
+    <dgm:scene3d>
+      <a:camera prst="orthographicFront"/>
+      <a:lightRig rig="threePt" dir="t"/>
+    </dgm:scene3d>
+    <dgm:sp3d/>
+    <dgm:txPr/>
+    <dgm:style>
+      <a:lnRef idx="2">
+        <a:scrgbClr r="0" g="0" b="0"/>
+      </a:lnRef>
+      <a:fillRef idx="1">
+        <a:scrgbClr r="0" g="0" b="0"/>
+      </a:fillRef>
+      <a:effectRef idx="0">
+        <a:scrgbClr r="0" g="0" b="0"/>
+      </a:effectRef>
+      <a:fontRef idx="minor">
+        <a:schemeClr val="lt1"/>
+      </a:fontRef>
+    </dgm:style>
+  </dgm:styleLbl>
+  <dgm:styleLbl name="asst3">
+    <dgm:scene3d>
+      <a:camera prst="orthographicFront"/>
+      <a:lightRig rig="threePt" dir="t"/>
+    </dgm:scene3d>
+    <dgm:sp3d/>
+    <dgm:txPr/>
+    <dgm:style>
+      <a:lnRef idx="2">
+        <a:scrgbClr r="0" g="0" b="0"/>
+      </a:lnRef>
+      <a:fillRef idx="1">
+        <a:scrgbClr r="0" g="0" b="0"/>
+      </a:fillRef>
+      <a:effectRef idx="0">
+        <a:scrgbClr r="0" g="0" b="0"/>
+      </a:effectRef>
+      <a:fontRef idx="minor">
+        <a:schemeClr val="lt1"/>
+      </a:fontRef>
+    </dgm:style>
+  </dgm:styleLbl>
+  <dgm:styleLbl name="asst4">
+    <dgm:scene3d>
+      <a:camera prst="orthographicFront"/>
+      <a:lightRig rig="threePt" dir="t"/>
+    </dgm:scene3d>
+    <dgm:sp3d/>
+    <dgm:txPr/>
+    <dgm:style>
+      <a:lnRef idx="2">
+        <a:scrgbClr r="0" g="0" b="0"/>
+      </a:lnRef>
+      <a:fillRef idx="1">
+        <a:scrgbClr r="0" g="0" b="0"/>
+      </a:fillRef>
+      <a:effectRef idx="0">
+        <a:scrgbClr r="0" g="0" b="0"/>
+      </a:effectRef>
+      <a:fontRef idx="minor">
+        <a:schemeClr val="lt1"/>
+      </a:fontRef>
+    </dgm:style>
+  </dgm:styleLbl>
+  <dgm:styleLbl name="parChTrans2D1">
+    <dgm:scene3d>
+      <a:camera prst="orthographicFront"/>
+      <a:lightRig rig="threePt" dir="t"/>
+    </dgm:scene3d>
+    <dgm:sp3d/>
+    <dgm:txPr/>
+    <dgm:style>
+      <a:lnRef idx="2">
+        <a:scrgbClr r="0" g="0" b="0"/>
+      </a:lnRef>
+      <a:fillRef idx="1">
+        <a:scrgbClr r="0" g="0" b="0"/>
+      </a:fillRef>
+      <a:effectRef idx="0">
+        <a:scrgbClr r="0" g="0" b="0"/>
+      </a:effectRef>
+      <a:fontRef idx="minor">
+        <a:schemeClr val="lt1"/>
+      </a:fontRef>
+    </dgm:style>
+  </dgm:styleLbl>
+  <dgm:styleLbl name="parChTrans2D2">
+    <dgm:scene3d>
+      <a:camera prst="orthographicFront"/>
+      <a:lightRig rig="threePt" dir="t"/>
+    </dgm:scene3d>
+    <dgm:sp3d/>
+    <dgm:txPr/>
+    <dgm:style>
+      <a:lnRef idx="2">
+        <a:scrgbClr r="0" g="0" b="0"/>
+      </a:lnRef>
+      <a:fillRef idx="1">
+        <a:scrgbClr r="0" g="0" b="0"/>
+      </a:fillRef>
+      <a:effectRef idx="0">
+        <a:scrgbClr r="0" g="0" b="0"/>
+      </a:effectRef>
+      <a:fontRef idx="minor">
+        <a:schemeClr val="lt1"/>
+      </a:fontRef>
+    </dgm:style>
+  </dgm:styleLbl>
+  <dgm:styleLbl name="parChTrans2D3">
+    <dgm:scene3d>
+      <a:camera prst="orthographicFront"/>
+      <a:lightRig rig="threePt" dir="t"/>
+    </dgm:scene3d>
+    <dgm:sp3d/>
+    <dgm:txPr/>
+    <dgm:style>
+      <a:lnRef idx="2">
+        <a:scrgbClr r="0" g="0" b="0"/>
+      </a:lnRef>
+      <a:fillRef idx="1">
+        <a:scrgbClr r="0" g="0" b="0"/>
+      </a:fillRef>
+      <a:effectRef idx="0">
+        <a:scrgbClr r="0" g="0" b="0"/>
+      </a:effectRef>
+      <a:fontRef idx="minor">
+        <a:schemeClr val="lt1"/>
+      </a:fontRef>
+    </dgm:style>
+  </dgm:styleLbl>
+  <dgm:styleLbl name="parChTrans2D4">
+    <dgm:scene3d>
+      <a:camera prst="orthographicFront"/>
+      <a:lightRig rig="threePt" dir="t"/>
+    </dgm:scene3d>
+    <dgm:sp3d/>
+    <dgm:txPr/>
+    <dgm:style>
+      <a:lnRef idx="2">
+        <a:scrgbClr r="0" g="0" b="0"/>
+      </a:lnRef>
+      <a:fillRef idx="1">
+        <a:scrgbClr r="0" g="0" b="0"/>
+      </a:fillRef>
+      <a:effectRef idx="0">
+        <a:scrgbClr r="0" g="0" b="0"/>
+      </a:effectRef>
+      <a:fontRef idx="minor">
+        <a:schemeClr val="lt1"/>
+      </a:fontRef>
+    </dgm:style>
+  </dgm:styleLbl>
+  <dgm:styleLbl name="parChTrans1D1">
+    <dgm:scene3d>
+      <a:camera prst="orthographicFront"/>
+      <a:lightRig rig="threePt" dir="t"/>
+    </dgm:scene3d>
+    <dgm:sp3d/>
+    <dgm:txPr/>
+    <dgm:style>
+      <a:lnRef idx="2">
+        <a:scrgbClr r="0" g="0" b="0"/>
+      </a:lnRef>
+      <a:fillRef idx="0">
+        <a:scrgbClr r="0" g="0" b="0"/>
+      </a:fillRef>
+      <a:effectRef idx="0">
+        <a:scrgbClr r="0" g="0" b="0"/>
+      </a:effectRef>
+      <a:fontRef idx="minor"/>
+    </dgm:style>
+  </dgm:styleLbl>
+  <dgm:styleLbl name="parChTrans1D2">
+    <dgm:scene3d>
+      <a:camera prst="orthographicFront"/>
+      <a:lightRig rig="threePt" dir="t"/>
+    </dgm:scene3d>
+    <dgm:sp3d/>
+    <dgm:txPr/>
+    <dgm:style>
+      <a:lnRef idx="2">
+        <a:scrgbClr r="0" g="0" b="0"/>
+      </a:lnRef>
+      <a:fillRef idx="0">
+        <a:scrgbClr r="0" g="0" b="0"/>
+      </a:fillRef>
+      <a:effectRef idx="0">
+        <a:scrgbClr r="0" g="0" b="0"/>
+      </a:effectRef>
+      <a:fontRef idx="minor"/>
+    </dgm:style>
+  </dgm:styleLbl>
+  <dgm:styleLbl name="parChTrans1D3">
+    <dgm:scene3d>
+      <a:camera prst="orthographicFront"/>
+      <a:lightRig rig="threePt" dir="t"/>
+    </dgm:scene3d>
+    <dgm:sp3d/>
+    <dgm:txPr/>
+    <dgm:style>
+      <a:lnRef idx="2">
+        <a:scrgbClr r="0" g="0" b="0"/>
+      </a:lnRef>
+      <a:fillRef idx="0">
+        <a:scrgbClr r="0" g="0" b="0"/>
+      </a:fillRef>
+      <a:effectRef idx="0">
+        <a:scrgbClr r="0" g="0" b="0"/>
+      </a:effectRef>
+      <a:fontRef idx="minor"/>
+    </dgm:style>
+  </dgm:styleLbl>
+  <dgm:styleLbl name="parChTrans1D4">
+    <dgm:scene3d>
+      <a:camera prst="orthographicFront"/>
+      <a:lightRig rig="threePt" dir="t"/>
+    </dgm:scene3d>
+    <dgm:sp3d/>
+    <dgm:txPr/>
+    <dgm:style>
+      <a:lnRef idx="2">
+        <a:scrgbClr r="0" g="0" b="0"/>
+      </a:lnRef>
+      <a:fillRef idx="0">
+        <a:scrgbClr r="0" g="0" b="0"/>
+      </a:fillRef>
+      <a:effectRef idx="0">
+        <a:scrgbClr r="0" g="0" b="0"/>
+      </a:effectRef>
+      <a:fontRef idx="minor"/>
+    </dgm:style>
+  </dgm:styleLbl>
+  <dgm:styleLbl name="fgAcc1">
+    <dgm:scene3d>
+      <a:camera prst="orthographicFront"/>
+      <a:lightRig rig="threePt" dir="t"/>
+    </dgm:scene3d>
+    <dgm:sp3d/>
+    <dgm:txPr/>
+    <dgm:style>
+      <a:lnRef idx="2">
+        <a:scrgbClr r="0" g="0" b="0"/>
+      </a:lnRef>
+      <a:fillRef idx="1">
+        <a:scrgbClr r="0" g="0" b="0"/>
+      </a:fillRef>
+      <a:effectRef idx="0">
+        <a:scrgbClr r="0" g="0" b="0"/>
+      </a:effectRef>
+      <a:fontRef idx="minor"/>
+    </dgm:style>
+  </dgm:styleLbl>
+  <dgm:styleLbl name="conFgAcc1">
+    <dgm:scene3d>
+      <a:camera prst="orthographicFront"/>
+      <a:lightRig rig="threePt" dir="t"/>
+    </dgm:scene3d>
+    <dgm:sp3d/>
+    <dgm:txPr/>
+    <dgm:style>
+      <a:lnRef idx="2">
+        <a:scrgbClr r="0" g="0" b="0"/>
+      </a:lnRef>
+      <a:fillRef idx="1">
+        <a:scrgbClr r="0" g="0" b="0"/>
+      </a:fillRef>
+      <a:effectRef idx="0">
+        <a:scrgbClr r="0" g="0" b="0"/>
+      </a:effectRef>
+      <a:fontRef idx="minor"/>
+    </dgm:style>
+  </dgm:styleLbl>
+  <dgm:styleLbl name="alignAcc1">
+    <dgm:scene3d>
+      <a:camera prst="orthographicFront"/>
+      <a:lightRig rig="threePt" dir="t"/>
+    </dgm:scene3d>
+    <dgm:sp3d/>
+    <dgm:txPr/>
+    <dgm:style>
+      <a:lnRef idx="2">
+        <a:scrgbClr r="0" g="0" b="0"/>
+      </a:lnRef>
+      <a:fillRef idx="1">
+        <a:scrgbClr r="0" g="0" b="0"/>
+      </a:fillRef>
+      <a:effectRef idx="0">
+        <a:scrgbClr r="0" g="0" b="0"/>
+      </a:effectRef>
+      <a:fontRef idx="minor"/>
+    </dgm:style>
+  </dgm:styleLbl>
+  <dgm:styleLbl name="trAlignAcc1">
+    <dgm:scene3d>
+      <a:camera prst="orthographicFront"/>
+      <a:lightRig rig="threePt" dir="t"/>
+    </dgm:scene3d>
+    <dgm:sp3d/>
+    <dgm:txPr/>
+    <dgm:style>
+      <a:lnRef idx="1">
+        <a:scrgbClr r="0" g="0" b="0"/>
+      </a:lnRef>
+      <a:fillRef idx="1">
+        <a:scrgbClr r="0" g="0" b="0"/>
+      </a:fillRef>
+      <a:effectRef idx="0">
+        <a:scrgbClr r="0" g="0" b="0"/>
+      </a:effectRef>
+      <a:fontRef idx="minor"/>
+    </dgm:style>
+  </dgm:styleLbl>
+  <dgm:styleLbl name="bgAcc1">
+    <dgm:scene3d>
+      <a:camera prst="orthographicFront"/>
+      <a:lightRig rig="threePt" dir="t"/>
+    </dgm:scene3d>
+    <dgm:sp3d/>
+    <dgm:txPr/>
+    <dgm:style>
+      <a:lnRef idx="2">
+        <a:scrgbClr r="0" g="0" b="0"/>
+      </a:lnRef>
+      <a:fillRef idx="1">
+        <a:scrgbClr r="0" g="0" b="0"/>
+      </a:fillRef>
+      <a:effectRef idx="0">
+        <a:scrgbClr r="0" g="0" b="0"/>
+      </a:effectRef>
+      <a:fontRef idx="minor"/>
+    </dgm:style>
+  </dgm:styleLbl>
+  <dgm:styleLbl name="solidFgAcc1">
+    <dgm:scene3d>
+      <a:camera prst="orthographicFront"/>
+      <a:lightRig rig="threePt" dir="t"/>
+    </dgm:scene3d>
+    <dgm:sp3d/>
+    <dgm:txPr/>
+    <dgm:style>
+      <a:lnRef idx="2">
+        <a:scrgbClr r="0" g="0" b="0"/>
+      </a:lnRef>
+      <a:fillRef idx="1">
+        <a:scrgbClr r="0" g="0" b="0"/>
+      </a:fillRef>
+      <a:effectRef idx="0">
+        <a:scrgbClr r="0" g="0" b="0"/>
+      </a:effectRef>
+      <a:fontRef idx="minor"/>
+    </dgm:style>
+  </dgm:styleLbl>
+  <dgm:styleLbl name="solidAlignAcc1">
+    <dgm:scene3d>
+      <a:camera prst="orthographicFront"/>
+      <a:lightRig rig="threePt" dir="t"/>
+    </dgm:scene3d>
+    <dgm:sp3d/>
+    <dgm:txPr/>
+    <dgm:style>
+      <a:lnRef idx="2">
+        <a:scrgbClr r="0" g="0" b="0"/>
+      </a:lnRef>
+      <a:fillRef idx="1">
+        <a:scrgbClr r="0" g="0" b="0"/>
+      </a:fillRef>
+      <a:effectRef idx="0">
+        <a:scrgbClr r="0" g="0" b="0"/>
+      </a:effectRef>
+      <a:fontRef idx="minor"/>
+    </dgm:style>
+  </dgm:styleLbl>
+  <dgm:styleLbl name="solidBgAcc1">
+    <dgm:scene3d>
+      <a:camera prst="orthographicFront"/>
+      <a:lightRig rig="threePt" dir="t"/>
+    </dgm:scene3d>
+    <dgm:sp3d/>
+    <dgm:txPr/>
+    <dgm:style>
+      <a:lnRef idx="2">
+        <a:scrgbClr r="0" g="0" b="0"/>
+      </a:lnRef>
+      <a:fillRef idx="1">
+        <a:scrgbClr r="0" g="0" b="0"/>
+      </a:fillRef>
+      <a:effectRef idx="0">
+        <a:scrgbClr r="0" g="0" b="0"/>
+      </a:effectRef>
+      <a:fontRef idx="minor"/>
+    </dgm:style>
+  </dgm:styleLbl>
+  <dgm:styleLbl name="fgAccFollowNode1">
+    <dgm:scene3d>
+      <a:camera prst="orthographicFront"/>
+      <a:lightRig rig="threePt" dir="t"/>
+    </dgm:scene3d>
+    <dgm:sp3d/>
+    <dgm:txPr/>
+    <dgm:style>
+      <a:lnRef idx="2">
+        <a:scrgbClr r="0" g="0" b="0"/>
+      </a:lnRef>
+      <a:fillRef idx="1">
+        <a:scrgbClr r="0" g="0" b="0"/>
+      </a:fillRef>
+      <a:effectRef idx="0">
+        <a:scrgbClr r="0" g="0" b="0"/>
+      </a:effectRef>
+      <a:fontRef idx="minor"/>
+    </dgm:style>
+  </dgm:styleLbl>
+  <dgm:styleLbl name="alignAccFollowNode1">
+    <dgm:scene3d>
+      <a:camera prst="orthographicFront"/>
+      <a:lightRig rig="threePt" dir="t"/>
+    </dgm:scene3d>
+    <dgm:sp3d/>
+    <dgm:txPr/>
+    <dgm:style>
+      <a:lnRef idx="2">
+        <a:scrgbClr r="0" g="0" b="0"/>
+      </a:lnRef>
+      <a:fillRef idx="1">
+        <a:scrgbClr r="0" g="0" b="0"/>
+      </a:fillRef>
+      <a:effectRef idx="0">
+        <a:scrgbClr r="0" g="0" b="0"/>
+      </a:effectRef>
+      <a:fontRef idx="minor"/>
+    </dgm:style>
+  </dgm:styleLbl>
+  <dgm:styleLbl name="bgAccFollowNode1">
+    <dgm:scene3d>
+      <a:camera prst="orthographicFront"/>
+      <a:lightRig rig="threePt" dir="t"/>
+    </dgm:scene3d>
+    <dgm:sp3d/>
+    <dgm:txPr/>
+    <dgm:style>
+      <a:lnRef idx="2">
+        <a:scrgbClr r="0" g="0" b="0"/>
+      </a:lnRef>
+      <a:fillRef idx="1">
+        <a:scrgbClr r="0" g="0" b="0"/>
+      </a:fillRef>
+      <a:effectRef idx="0">
+        <a:scrgbClr r="0" g="0" b="0"/>
+      </a:effectRef>
+      <a:fontRef idx="minor"/>
+    </dgm:style>
+  </dgm:styleLbl>
+  <dgm:styleLbl name="fgAcc0">
+    <dgm:scene3d>
+      <a:camera prst="orthographicFront"/>
+      <a:lightRig rig="threePt" dir="t"/>
+    </dgm:scene3d>
+    <dgm:sp3d/>
+    <dgm:txPr/>
+    <dgm:style>
+      <a:lnRef idx="2">
+        <a:scrgbClr r="0" g="0" b="0"/>
+      </a:lnRef>
+      <a:fillRef idx="1">
+        <a:scrgbClr r="0" g="0" b="0"/>
+      </a:fillRef>
+      <a:effectRef idx="0">
+        <a:scrgbClr r="0" g="0" b="0"/>
+      </a:effectRef>
+      <a:fontRef idx="minor"/>
+    </dgm:style>
+  </dgm:styleLbl>
+  <dgm:styleLbl name="fgAcc2">
+    <dgm:scene3d>
+      <a:camera prst="orthographicFront"/>
+      <a:lightRig rig="threePt" dir="t"/>
+    </dgm:scene3d>
+    <dgm:sp3d/>
+    <dgm:txPr/>
+    <dgm:style>
+      <a:lnRef idx="2">
+        <a:scrgbClr r="0" g="0" b="0"/>
+      </a:lnRef>
+      <a:fillRef idx="1">
+        <a:scrgbClr r="0" g="0" b="0"/>
+      </a:fillRef>
+      <a:effectRef idx="0">
+        <a:scrgbClr r="0" g="0" b="0"/>
+      </a:effectRef>
+      <a:fontRef idx="minor"/>
+    </dgm:style>
+  </dgm:styleLbl>
+  <dgm:styleLbl name="fgAcc3">
+    <dgm:scene3d>
+      <a:camera prst="orthographicFront"/>
+      <a:lightRig rig="threePt" dir="t"/>
+    </dgm:scene3d>
+    <dgm:sp3d/>
+    <dgm:txPr/>
+    <dgm:style>
+      <a:lnRef idx="2">
+        <a:scrgbClr r="0" g="0" b="0"/>
+      </a:lnRef>
+      <a:fillRef idx="1">
+        <a:scrgbClr r="0" g="0" b="0"/>
+      </a:fillRef>
+      <a:effectRef idx="0">
+        <a:scrgbClr r="0" g="0" b="0"/>
+      </a:effectRef>
+      <a:fontRef idx="minor"/>
+    </dgm:style>
+  </dgm:styleLbl>
+  <dgm:styleLbl name="fgAcc4">
+    <dgm:scene3d>
+      <a:camera prst="orthographicFront"/>
+      <a:lightRig rig="threePt" dir="t"/>
+    </dgm:scene3d>
+    <dgm:sp3d/>
+    <dgm:txPr/>
+    <dgm:style>
+      <a:lnRef idx="2">
+        <a:scrgbClr r="0" g="0" b="0"/>
+      </a:lnRef>
+      <a:fillRef idx="1">
+        <a:scrgbClr r="0" g="0" b="0"/>
+      </a:fillRef>
+      <a:effectRef idx="0">
+        <a:scrgbClr r="0" g="0" b="0"/>
+      </a:effectRef>
+      <a:fontRef idx="minor"/>
+    </dgm:style>
+  </dgm:styleLbl>
+  <dgm:styleLbl name="bgShp">
+    <dgm:scene3d>
+      <a:camera prst="orthographicFront"/>
+      <a:lightRig rig="threePt" dir="t"/>
+    </dgm:scene3d>
+    <dgm:sp3d/>
+    <dgm:txPr/>
+    <dgm:style>
+      <a:lnRef idx="0">
+        <a:scrgbClr r="0" g="0" b="0"/>
+      </a:lnRef>
+      <a:fillRef idx="1">
+        <a:scrgbClr r="0" g="0" b="0"/>
+      </a:fillRef>
+      <a:effectRef idx="0">
+        <a:scrgbClr r="0" g="0" b="0"/>
+      </a:effectRef>
+      <a:fontRef idx="minor"/>
+    </dgm:style>
+  </dgm:styleLbl>
+  <dgm:styleLbl name="dkBgShp">
+    <dgm:scene3d>
+      <a:camera prst="orthographicFront"/>
+      <a:lightRig rig="threePt" dir="t"/>
+    </dgm:scene3d>
+    <dgm:sp3d/>
+    <dgm:txPr/>
+    <dgm:style>
+      <a:lnRef idx="0">
+        <a:scrgbClr r="0" g="0" b="0"/>
+      </a:lnRef>
+      <a:fillRef idx="1">
+        <a:scrgbClr r="0" g="0" b="0"/>
+      </a:fillRef>
+      <a:effectRef idx="0">
+        <a:scrgbClr r="0" g="0" b="0"/>
+      </a:effectRef>
+      <a:fontRef idx="minor"/>
+    </dgm:style>
+  </dgm:styleLbl>
+  <dgm:styleLbl name="trBgShp">
+    <dgm:scene3d>
+      <a:camera prst="orthographicFront"/>
+      <a:lightRig rig="threePt" dir="t"/>
+    </dgm:scene3d>
+    <dgm:sp3d/>
+    <dgm:txPr/>
+    <dgm:style>
+      <a:lnRef idx="0">
+        <a:scrgbClr r="0" g="0" b="0"/>
+      </a:lnRef>
+      <a:fillRef idx="1">
+        <a:scrgbClr r="0" g="0" b="0"/>
+      </a:fillRef>
+      <a:effectRef idx="0">
+        <a:scrgbClr r="0" g="0" b="0"/>
+      </a:effectRef>
+      <a:fontRef idx="minor"/>
+    </dgm:style>
+  </dgm:styleLbl>
+  <dgm:styleLbl name="fgShp">
+    <dgm:scene3d>
+      <a:camera prst="orthographicFront"/>
+      <a:lightRig rig="threePt" dir="t"/>
+    </dgm:scene3d>
+    <dgm:sp3d/>
+    <dgm:txPr/>
+    <dgm:style>
+      <a:lnRef idx="2">
+        <a:scrgbClr r="0" g="0" b="0"/>
+      </a:lnRef>
+      <a:fillRef idx="1">
+        <a:scrgbClr r="0" g="0" b="0"/>
+      </a:fillRef>
+      <a:effectRef idx="0">
+        <a:scrgbClr r="0" g="0" b="0"/>
+      </a:effectRef>
+      <a:fontRef idx="minor"/>
+    </dgm:style>
+  </dgm:styleLbl>
+  <dgm:styleLbl name="revTx">
+    <dgm:scene3d>
+      <a:camera prst="orthographicFront"/>
+      <a:lightRig rig="threePt" dir="t"/>
+    </dgm:scene3d>
+    <dgm:sp3d/>
+    <dgm:txPr/>
+    <dgm:style>
+      <a:lnRef idx="0">
+        <a:scrgbClr r="0" g="0" b="0"/>
+      </a:lnRef>
+      <a:fillRef idx="0">
+        <a:scrgbClr r="0" g="0" b="0"/>
+      </a:fillRef>
+      <a:effectRef idx="0">
+        <a:scrgbClr r="0" g="0" b="0"/>
+      </a:effectRef>
+      <a:fontRef idx="minor"/>
+    </dgm:style>
+  </dgm:styleLbl>
+</dgm:styleDef>
+</file>
+
+<file path=ppt/diagrams/quickStyle3.xml><?xml version="1.0" encoding="utf-8"?>
 <dgm:styleDef xmlns:dgm="http://schemas.openxmlformats.org/drawingml/2006/diagram" xmlns:a="http://schemas.openxmlformats.org/drawingml/2006/main" uniqueId="urn:microsoft.com/office/officeart/2005/8/quickstyle/simple1">
   <dgm:title val=""/>
   <dgm:desc val=""/>
@@ -9034,7 +13124,7 @@
           <a:p>
             <a:fld id="{386CE63F-9E7F-4C04-9D0D-FCA25A8E9E86}" type="datetime8">
               <a:rPr lang="en-US" smtClean="0"/>
-              <a:t>9/16/2020 5:54 PM</a:t>
+              <a:t>9/16/2020 6:26 PM</a:t>
             </a:fld>
             <a:endParaRPr lang="en-US" dirty="0"/>
           </a:p>
@@ -9068,6 +13158,253 @@
     <p:extLst>
       <p:ext uri="{BB962C8B-B14F-4D97-AF65-F5344CB8AC3E}">
         <p14:creationId xmlns:p14="http://schemas.microsoft.com/office/powerpoint/2010/main" val="2469873414"/>
+      </p:ext>
+    </p:extLst>
+  </p:cSld>
+  <p:clrMapOvr>
+    <a:masterClrMapping/>
+  </p:clrMapOvr>
+</p:notes>
+</file>
+
+<file path=ppt/notesSlides/notesSlide10.xml><?xml version="1.0" encoding="utf-8"?>
+<p:notes xmlns:a="http://schemas.openxmlformats.org/drawingml/2006/main" xmlns:r="http://schemas.openxmlformats.org/officeDocument/2006/relationships" xmlns:p="http://schemas.openxmlformats.org/presentationml/2006/main">
+  <p:cSld>
+    <p:spTree>
+      <p:nvGrpSpPr>
+        <p:cNvPr id="1" name=""/>
+        <p:cNvGrpSpPr/>
+        <p:nvPr/>
+      </p:nvGrpSpPr>
+      <p:grpSpPr>
+        <a:xfrm>
+          <a:off x="0" y="0"/>
+          <a:ext cx="0" cy="0"/>
+          <a:chOff x="0" y="0"/>
+          <a:chExt cx="0" cy="0"/>
+        </a:xfrm>
+      </p:grpSpPr>
+      <p:sp>
+        <p:nvSpPr>
+          <p:cNvPr id="2" name="Slide Image Placeholder 1"/>
+          <p:cNvSpPr>
+            <a:spLocks noGrp="1" noRot="1" noChangeAspect="1"/>
+          </p:cNvSpPr>
+          <p:nvPr>
+            <p:ph type="sldImg"/>
+          </p:nvPr>
+        </p:nvSpPr>
+        <p:spPr/>
+      </p:sp>
+      <p:sp>
+        <p:nvSpPr>
+          <p:cNvPr id="3" name="Notes Placeholder 2"/>
+          <p:cNvSpPr>
+            <a:spLocks noGrp="1"/>
+          </p:cNvSpPr>
+          <p:nvPr>
+            <p:ph type="body" idx="1"/>
+          </p:nvPr>
+        </p:nvSpPr>
+        <p:spPr>
+          <a:xfrm>
+            <a:off x="685800" y="4351020"/>
+            <a:ext cx="5486400" cy="4114800"/>
+          </a:xfrm>
+        </p:spPr>
+        <p:txBody>
+          <a:bodyPr/>
+          <a:lstStyle/>
+          <a:p>
+            <a:r>
+              <a:rPr lang="en-GB" dirty="0" err="1"/>
+              <a:t>FunctionExamples.json</a:t>
+            </a:r>
+            <a:r>
+              <a:rPr lang="en-GB" dirty="0"/>
+              <a:t> – </a:t>
+            </a:r>
+            <a:r>
+              <a:rPr lang="en-GB" dirty="0" err="1"/>
+              <a:t>UniqueString</a:t>
+            </a:r>
+            <a:r>
+              <a:rPr lang="en-GB" dirty="0"/>
+              <a:t>, </a:t>
+            </a:r>
+            <a:r>
+              <a:rPr lang="en-GB" dirty="0" err="1"/>
+              <a:t>ResourceGroup</a:t>
+            </a:r>
+            <a:r>
+              <a:rPr lang="en-GB" dirty="0"/>
+              <a:t>, </a:t>
+            </a:r>
+            <a:r>
+              <a:rPr lang="en-GB" dirty="0" err="1"/>
+              <a:t>ListKeys</a:t>
+            </a:r>
+            <a:r>
+              <a:rPr lang="en-GB" dirty="0"/>
+              <a:t>, </a:t>
+            </a:r>
+            <a:r>
+              <a:rPr lang="en-GB" dirty="0" err="1"/>
+              <a:t>toLower</a:t>
+            </a:r>
+            <a:endParaRPr lang="en-GB" dirty="0"/>
+          </a:p>
+          <a:p>
+            <a:r>
+              <a:rPr lang="en-GB" dirty="0" err="1"/>
+              <a:t>SaSToken.json</a:t>
+            </a:r>
+            <a:r>
+              <a:rPr lang="en-GB" dirty="0"/>
+              <a:t> – generating a SAS token with </a:t>
+            </a:r>
+            <a:r>
+              <a:rPr lang="en-GB" dirty="0" err="1"/>
+              <a:t>ListKeys</a:t>
+            </a:r>
+            <a:endParaRPr lang="en-GB" dirty="0"/>
+          </a:p>
+          <a:p>
+            <a:r>
+              <a:rPr lang="en-GB" dirty="0" err="1"/>
+              <a:t>Mod.json</a:t>
+            </a:r>
+            <a:r>
+              <a:rPr lang="en-GB" dirty="0"/>
+              <a:t> – using mod to alternate between storage accounts</a:t>
+            </a:r>
+          </a:p>
+        </p:txBody>
+      </p:sp>
+      <p:sp>
+        <p:nvSpPr>
+          <p:cNvPr id="4" name="Header Placeholder 3"/>
+          <p:cNvSpPr>
+            <a:spLocks noGrp="1"/>
+          </p:cNvSpPr>
+          <p:nvPr>
+            <p:ph type="hdr" sz="quarter"/>
+          </p:nvPr>
+        </p:nvSpPr>
+        <p:spPr/>
+        <p:txBody>
+          <a:bodyPr/>
+          <a:lstStyle/>
+          <a:p>
+            <a:endParaRPr lang="en-US" dirty="0"/>
+          </a:p>
+        </p:txBody>
+      </p:sp>
+      <p:sp>
+        <p:nvSpPr>
+          <p:cNvPr id="5" name="Footer Placeholder 4"/>
+          <p:cNvSpPr>
+            <a:spLocks noGrp="1"/>
+          </p:cNvSpPr>
+          <p:nvPr>
+            <p:ph type="ftr" sz="quarter" idx="4"/>
+          </p:nvPr>
+        </p:nvSpPr>
+        <p:spPr/>
+        <p:txBody>
+          <a:bodyPr/>
+          <a:lstStyle/>
+          <a:p>
+            <a:pPr defTabSz="914099" eaLnBrk="0" hangingPunct="0"/>
+            <a:r>
+              <a:rPr lang="en-US" sz="400">
+                <a:gradFill>
+                  <a:gsLst>
+                    <a:gs pos="0">
+                      <a:prstClr val="black"/>
+                    </a:gs>
+                    <a:gs pos="100000">
+                      <a:prstClr val="black"/>
+                    </a:gs>
+                  </a:gsLst>
+                  <a:lin ang="5400000" scaled="0"/>
+                </a:gradFill>
+                <a:latin typeface="Segoe UI" pitchFamily="34" charset="0"/>
+                <a:ea typeface="Segoe UI" pitchFamily="34" charset="0"/>
+                <a:cs typeface="Segoe UI" pitchFamily="34" charset="0"/>
+              </a:rPr>
+              <a:t>© Microsoft Corporation. All rights reserved. MICROSOFT MAKES NO WARRANTIES, EXPRESS, IMPLIED OR STATUTORY, AS TO THE INFORMATION IN THIS PRESENTATION.</a:t>
+            </a:r>
+            <a:endParaRPr lang="en-US" sz="400" dirty="0">
+              <a:gradFill>
+                <a:gsLst>
+                  <a:gs pos="0">
+                    <a:prstClr val="black"/>
+                  </a:gs>
+                  <a:gs pos="100000">
+                    <a:prstClr val="black"/>
+                  </a:gs>
+                </a:gsLst>
+                <a:lin ang="5400000" scaled="0"/>
+              </a:gradFill>
+              <a:latin typeface="Segoe UI" pitchFamily="34" charset="0"/>
+              <a:ea typeface="Segoe UI" pitchFamily="34" charset="0"/>
+              <a:cs typeface="Segoe UI" pitchFamily="34" charset="0"/>
+            </a:endParaRPr>
+          </a:p>
+        </p:txBody>
+      </p:sp>
+      <p:sp>
+        <p:nvSpPr>
+          <p:cNvPr id="6" name="Date Placeholder 5"/>
+          <p:cNvSpPr>
+            <a:spLocks noGrp="1"/>
+          </p:cNvSpPr>
+          <p:nvPr>
+            <p:ph type="dt" idx="1"/>
+          </p:nvPr>
+        </p:nvSpPr>
+        <p:spPr/>
+        <p:txBody>
+          <a:bodyPr/>
+          <a:lstStyle/>
+          <a:p>
+            <a:fld id="{386CE63F-9E7F-4C04-9D0D-FCA25A8E9E86}" type="datetime8">
+              <a:rPr lang="en-US" smtClean="0"/>
+              <a:t>9/16/2020 6:26 PM</a:t>
+            </a:fld>
+            <a:endParaRPr lang="en-US" dirty="0"/>
+          </a:p>
+        </p:txBody>
+      </p:sp>
+      <p:sp>
+        <p:nvSpPr>
+          <p:cNvPr id="7" name="Slide Number Placeholder 6"/>
+          <p:cNvSpPr>
+            <a:spLocks noGrp="1"/>
+          </p:cNvSpPr>
+          <p:nvPr>
+            <p:ph type="sldNum" sz="quarter" idx="5"/>
+          </p:nvPr>
+        </p:nvSpPr>
+        <p:spPr/>
+        <p:txBody>
+          <a:bodyPr/>
+          <a:lstStyle/>
+          <a:p>
+            <a:fld id="{B4008EB6-D09E-4580-8CD6-DDB14511944F}" type="slidenum">
+              <a:rPr lang="en-US" smtClean="0"/>
+              <a:pPr/>
+              <a:t>15</a:t>
+            </a:fld>
+            <a:endParaRPr lang="en-US" dirty="0"/>
+          </a:p>
+        </p:txBody>
+      </p:sp>
+    </p:spTree>
+    <p:extLst>
+      <p:ext uri="{BB962C8B-B14F-4D97-AF65-F5344CB8AC3E}">
+        <p14:creationId xmlns:p14="http://schemas.microsoft.com/office/powerpoint/2010/main" val="3203318202"/>
       </p:ext>
     </p:extLst>
   </p:cSld>
@@ -9281,7 +13618,7 @@
           <a:p>
             <a:fld id="{386CE63F-9E7F-4C04-9D0D-FCA25A8E9E86}" type="datetime8">
               <a:rPr lang="en-US" smtClean="0"/>
-              <a:t>9/16/2020 5:54 PM</a:t>
+              <a:t>9/16/2020 6:26 PM</a:t>
             </a:fld>
             <a:endParaRPr lang="en-US" dirty="0"/>
           </a:p>
@@ -9528,7 +13865,7 @@
           <a:p>
             <a:fld id="{386CE63F-9E7F-4C04-9D0D-FCA25A8E9E86}" type="datetime8">
               <a:rPr lang="en-US" smtClean="0"/>
-              <a:t>9/16/2020 5:49 PM</a:t>
+              <a:t>9/16/2020 6:36 PM</a:t>
             </a:fld>
             <a:endParaRPr lang="en-US" dirty="0"/>
           </a:p>
@@ -9561,7 +13898,7 @@
     </p:spTree>
     <p:extLst>
       <p:ext uri="{BB962C8B-B14F-4D97-AF65-F5344CB8AC3E}">
-        <p14:creationId xmlns:p14="http://schemas.microsoft.com/office/powerpoint/2010/main" val="3270654706"/>
+        <p14:creationId xmlns:p14="http://schemas.microsoft.com/office/powerpoint/2010/main" val="1171825668"/>
       </p:ext>
     </p:extLst>
   </p:cSld>
@@ -9775,7 +14112,7 @@
           <a:p>
             <a:fld id="{386CE63F-9E7F-4C04-9D0D-FCA25A8E9E86}" type="datetime8">
               <a:rPr lang="en-US" smtClean="0"/>
-              <a:t>9/16/2020 5:49 PM</a:t>
+              <a:t>9/16/2020 6:26 PM</a:t>
             </a:fld>
             <a:endParaRPr lang="en-US" dirty="0"/>
           </a:p>
@@ -9808,7 +14145,7 @@
     </p:spTree>
     <p:extLst>
       <p:ext uri="{BB962C8B-B14F-4D97-AF65-F5344CB8AC3E}">
-        <p14:creationId xmlns:p14="http://schemas.microsoft.com/office/powerpoint/2010/main" val="1766973546"/>
+        <p14:creationId xmlns:p14="http://schemas.microsoft.com/office/powerpoint/2010/main" val="3270654706"/>
       </p:ext>
     </p:extLst>
   </p:cSld>
@@ -10022,7 +14359,7 @@
           <a:p>
             <a:fld id="{386CE63F-9E7F-4C04-9D0D-FCA25A8E9E86}" type="datetime8">
               <a:rPr lang="en-US" smtClean="0"/>
-              <a:t>9/16/2020 5:49 PM</a:t>
+              <a:t>9/16/2020 6:26 PM</a:t>
             </a:fld>
             <a:endParaRPr lang="en-US" dirty="0"/>
           </a:p>
@@ -10046,7 +14383,7 @@
             <a:fld id="{B4008EB6-D09E-4580-8CD6-DDB14511944F}" type="slidenum">
               <a:rPr lang="en-US" smtClean="0"/>
               <a:pPr/>
-              <a:t>8</a:t>
+              <a:t>7</a:t>
             </a:fld>
             <a:endParaRPr lang="en-US" dirty="0"/>
           </a:p>
@@ -10055,7 +14392,7 @@
     </p:spTree>
     <p:extLst>
       <p:ext uri="{BB962C8B-B14F-4D97-AF65-F5344CB8AC3E}">
-        <p14:creationId xmlns:p14="http://schemas.microsoft.com/office/powerpoint/2010/main" val="565281758"/>
+        <p14:creationId xmlns:p14="http://schemas.microsoft.com/office/powerpoint/2010/main" val="1766973546"/>
       </p:ext>
     </p:extLst>
   </p:cSld>
@@ -10269,7 +14606,7 @@
           <a:p>
             <a:fld id="{386CE63F-9E7F-4C04-9D0D-FCA25A8E9E86}" type="datetime8">
               <a:rPr lang="en-US" smtClean="0"/>
-              <a:t>9/16/2020 5:49 PM</a:t>
+              <a:t>9/16/2020 6:26 PM</a:t>
             </a:fld>
             <a:endParaRPr lang="en-US" dirty="0"/>
           </a:p>
@@ -10302,7 +14639,7 @@
     </p:spTree>
     <p:extLst>
       <p:ext uri="{BB962C8B-B14F-4D97-AF65-F5344CB8AC3E}">
-        <p14:creationId xmlns:p14="http://schemas.microsoft.com/office/powerpoint/2010/main" val="61483185"/>
+        <p14:creationId xmlns:p14="http://schemas.microsoft.com/office/powerpoint/2010/main" val="565281758"/>
       </p:ext>
     </p:extLst>
   </p:cSld>
@@ -10516,7 +14853,7 @@
           <a:p>
             <a:fld id="{386CE63F-9E7F-4C04-9D0D-FCA25A8E9E86}" type="datetime8">
               <a:rPr lang="en-US" smtClean="0"/>
-              <a:t>9/16/2020 5:53 PM</a:t>
+              <a:t>9/16/2020 6:26 PM</a:t>
             </a:fld>
             <a:endParaRPr lang="en-US" dirty="0"/>
           </a:p>
@@ -10549,7 +14886,7 @@
     </p:spTree>
     <p:extLst>
       <p:ext uri="{BB962C8B-B14F-4D97-AF65-F5344CB8AC3E}">
-        <p14:creationId xmlns:p14="http://schemas.microsoft.com/office/powerpoint/2010/main" val="4059389083"/>
+        <p14:creationId xmlns:p14="http://schemas.microsoft.com/office/powerpoint/2010/main" val="61483185"/>
       </p:ext>
     </p:extLst>
   </p:cSld>
@@ -10763,7 +15100,7 @@
           <a:p>
             <a:fld id="{386CE63F-9E7F-4C04-9D0D-FCA25A8E9E86}" type="datetime8">
               <a:rPr lang="en-US" smtClean="0"/>
-              <a:t>9/16/2020 5:49 PM</a:t>
+              <a:t>9/16/2020 6:44 PM</a:t>
             </a:fld>
             <a:endParaRPr lang="en-US" dirty="0"/>
           </a:p>
@@ -10787,7 +15124,7 @@
             <a:fld id="{B4008EB6-D09E-4580-8CD6-DDB14511944F}" type="slidenum">
               <a:rPr lang="en-US" smtClean="0"/>
               <a:pPr/>
-              <a:t>12</a:t>
+              <a:t>11</a:t>
             </a:fld>
             <a:endParaRPr lang="en-US" dirty="0"/>
           </a:p>
@@ -10796,7 +15133,7 @@
     </p:spTree>
     <p:extLst>
       <p:ext uri="{BB962C8B-B14F-4D97-AF65-F5344CB8AC3E}">
-        <p14:creationId xmlns:p14="http://schemas.microsoft.com/office/powerpoint/2010/main" val="4036095824"/>
+        <p14:creationId xmlns:p14="http://schemas.microsoft.com/office/powerpoint/2010/main" val="4059389083"/>
       </p:ext>
     </p:extLst>
   </p:cSld>
@@ -11010,7 +15347,7 @@
           <a:p>
             <a:fld id="{386CE63F-9E7F-4C04-9D0D-FCA25A8E9E86}" type="datetime8">
               <a:rPr lang="en-US" smtClean="0"/>
-              <a:t>9/16/2020 6:06 PM</a:t>
+              <a:t>9/16/2020 6:26 PM</a:t>
             </a:fld>
             <a:endParaRPr lang="en-US" dirty="0"/>
           </a:p>
@@ -11034,7 +15371,7 @@
             <a:fld id="{B4008EB6-D09E-4580-8CD6-DDB14511944F}" type="slidenum">
               <a:rPr lang="en-US" smtClean="0"/>
               <a:pPr/>
-              <a:t>14</a:t>
+              <a:t>13</a:t>
             </a:fld>
             <a:endParaRPr lang="en-US" dirty="0"/>
           </a:p>
@@ -11043,7 +15380,7 @@
     </p:spTree>
     <p:extLst>
       <p:ext uri="{BB962C8B-B14F-4D97-AF65-F5344CB8AC3E}">
-        <p14:creationId xmlns:p14="http://schemas.microsoft.com/office/powerpoint/2010/main" val="3203318202"/>
+        <p14:creationId xmlns:p14="http://schemas.microsoft.com/office/powerpoint/2010/main" val="4036095824"/>
       </p:ext>
     </p:extLst>
   </p:cSld>
@@ -14459,6 +18796,568 @@
                 </a:solidFill>
                 <a:latin typeface="Metropolis" panose="00000500000000000000" pitchFamily="50" charset="0"/>
               </a:rPr>
+              <a:t> Tooling – Third Parties</a:t>
+            </a:r>
+          </a:p>
+        </p:txBody>
+      </p:sp>
+      <p:sp>
+        <p:nvSpPr>
+          <p:cNvPr id="7" name="TextBox 6">
+            <a:extLst>
+              <a:ext uri="{FF2B5EF4-FFF2-40B4-BE49-F238E27FC236}">
+                <a16:creationId xmlns:a16="http://schemas.microsoft.com/office/drawing/2014/main" id="{40116F11-9801-46D2-8A4F-DA355A9A38C6}"/>
+              </a:ext>
+            </a:extLst>
+          </p:cNvPr>
+          <p:cNvSpPr txBox="1"/>
+          <p:nvPr/>
+        </p:nvSpPr>
+        <p:spPr>
+          <a:xfrm>
+            <a:off x="3837122" y="2940534"/>
+            <a:ext cx="1108573" cy="369332"/>
+          </a:xfrm>
+          <a:prstGeom prst="rect">
+            <a:avLst/>
+          </a:prstGeom>
+          <a:noFill/>
+        </p:spPr>
+        <p:txBody>
+          <a:bodyPr wrap="none" rtlCol="0">
+            <a:spAutoFit/>
+          </a:bodyPr>
+          <a:lstStyle/>
+          <a:p>
+            <a:r>
+              <a:rPr lang="en-GB" dirty="0">
+                <a:solidFill>
+                  <a:schemeClr val="tx1">
+                    <a:lumMod val="65000"/>
+                    <a:lumOff val="35000"/>
+                  </a:schemeClr>
+                </a:solidFill>
+                <a:latin typeface="Metropolis" panose="00000500000000000000" pitchFamily="50" charset="0"/>
+                <a:ea typeface="+mj-ea"/>
+                <a:cs typeface="+mj-cs"/>
+              </a:rPr>
+              <a:t>Terraform</a:t>
+            </a:r>
+          </a:p>
+        </p:txBody>
+      </p:sp>
+      <p:sp>
+        <p:nvSpPr>
+          <p:cNvPr id="8" name="TextBox 7">
+            <a:extLst>
+              <a:ext uri="{FF2B5EF4-FFF2-40B4-BE49-F238E27FC236}">
+                <a16:creationId xmlns:a16="http://schemas.microsoft.com/office/drawing/2014/main" id="{BDAEA703-18B8-40FA-A1B6-FAF163703C2D}"/>
+              </a:ext>
+            </a:extLst>
+          </p:cNvPr>
+          <p:cNvSpPr txBox="1"/>
+          <p:nvPr/>
+        </p:nvSpPr>
+        <p:spPr>
+          <a:xfrm>
+            <a:off x="6454203" y="2940534"/>
+            <a:ext cx="837089" cy="369332"/>
+          </a:xfrm>
+          <a:prstGeom prst="rect">
+            <a:avLst/>
+          </a:prstGeom>
+          <a:noFill/>
+        </p:spPr>
+        <p:txBody>
+          <a:bodyPr wrap="none" rtlCol="0">
+            <a:spAutoFit/>
+          </a:bodyPr>
+          <a:lstStyle/>
+          <a:p>
+            <a:r>
+              <a:rPr lang="en-GB" dirty="0" err="1">
+                <a:solidFill>
+                  <a:schemeClr val="tx1">
+                    <a:lumMod val="65000"/>
+                    <a:lumOff val="35000"/>
+                  </a:schemeClr>
+                </a:solidFill>
+                <a:latin typeface="Metropolis" panose="00000500000000000000" pitchFamily="50" charset="0"/>
+                <a:ea typeface="+mj-ea"/>
+                <a:cs typeface="+mj-cs"/>
+              </a:rPr>
+              <a:t>Pulumi</a:t>
+            </a:r>
+            <a:endParaRPr lang="en-GB" dirty="0">
+              <a:solidFill>
+                <a:schemeClr val="tx1">
+                  <a:lumMod val="65000"/>
+                  <a:lumOff val="35000"/>
+                </a:schemeClr>
+              </a:solidFill>
+              <a:latin typeface="Metropolis" panose="00000500000000000000" pitchFamily="50" charset="0"/>
+              <a:ea typeface="+mj-ea"/>
+              <a:cs typeface="+mj-cs"/>
+            </a:endParaRPr>
+          </a:p>
+        </p:txBody>
+      </p:sp>
+      <p:sp>
+        <p:nvSpPr>
+          <p:cNvPr id="14" name="TextBox 13">
+            <a:extLst>
+              <a:ext uri="{FF2B5EF4-FFF2-40B4-BE49-F238E27FC236}">
+                <a16:creationId xmlns:a16="http://schemas.microsoft.com/office/drawing/2014/main" id="{2EF4549B-B3C7-443D-ACD8-60BC9D5DA7E0}"/>
+              </a:ext>
+            </a:extLst>
+          </p:cNvPr>
+          <p:cNvSpPr txBox="1"/>
+          <p:nvPr/>
+        </p:nvSpPr>
+        <p:spPr>
+          <a:xfrm>
+            <a:off x="371350" y="4064655"/>
+            <a:ext cx="5392320" cy="2369880"/>
+          </a:xfrm>
+          <a:prstGeom prst="rect">
+            <a:avLst/>
+          </a:prstGeom>
+          <a:noFill/>
+        </p:spPr>
+        <p:txBody>
+          <a:bodyPr wrap="square" rtlCol="0">
+            <a:spAutoFit/>
+          </a:bodyPr>
+          <a:lstStyle/>
+          <a:p>
+            <a:r>
+              <a:rPr lang="en-GB" sz="2600" b="1" dirty="0">
+                <a:solidFill>
+                  <a:schemeClr val="tx1">
+                    <a:lumMod val="65000"/>
+                    <a:lumOff val="35000"/>
+                  </a:schemeClr>
+                </a:solidFill>
+                <a:latin typeface="Metropolis" panose="00000500000000000000" pitchFamily="50" charset="0"/>
+                <a:ea typeface="+mj-ea"/>
+                <a:cs typeface="+mj-cs"/>
+              </a:rPr>
+              <a:t>Positives</a:t>
+            </a:r>
+          </a:p>
+          <a:p>
+            <a:pPr marL="285750" indent="-285750">
+              <a:buFont typeface="Arial" panose="020B0604020202020204" pitchFamily="34" charset="0"/>
+              <a:buChar char="•"/>
+            </a:pPr>
+            <a:r>
+              <a:rPr lang="en-GB" sz="2600" dirty="0">
+                <a:solidFill>
+                  <a:schemeClr val="tx1">
+                    <a:lumMod val="65000"/>
+                    <a:lumOff val="35000"/>
+                  </a:schemeClr>
+                </a:solidFill>
+                <a:latin typeface="Metropolis" panose="00000500000000000000" pitchFamily="50" charset="0"/>
+                <a:ea typeface="+mj-ea"/>
+                <a:cs typeface="+mj-cs"/>
+              </a:rPr>
+              <a:t>Multi Cloud Support</a:t>
+            </a:r>
+          </a:p>
+          <a:p>
+            <a:pPr marL="285750" indent="-285750">
+              <a:buFont typeface="Arial" panose="020B0604020202020204" pitchFamily="34" charset="0"/>
+              <a:buChar char="•"/>
+            </a:pPr>
+            <a:r>
+              <a:rPr lang="en-GB" sz="2600" dirty="0">
+                <a:solidFill>
+                  <a:schemeClr val="tx1">
+                    <a:lumMod val="65000"/>
+                    <a:lumOff val="35000"/>
+                  </a:schemeClr>
+                </a:solidFill>
+                <a:latin typeface="Metropolis" panose="00000500000000000000" pitchFamily="50" charset="0"/>
+                <a:ea typeface="+mj-ea"/>
+                <a:cs typeface="+mj-cs"/>
+              </a:rPr>
+              <a:t>Non Cloud Support</a:t>
+            </a:r>
+          </a:p>
+          <a:p>
+            <a:pPr marL="285750" indent="-285750">
+              <a:buFont typeface="Arial" panose="020B0604020202020204" pitchFamily="34" charset="0"/>
+              <a:buChar char="•"/>
+            </a:pPr>
+            <a:r>
+              <a:rPr lang="en-GB" sz="2600" dirty="0">
+                <a:solidFill>
+                  <a:schemeClr val="tx1">
+                    <a:lumMod val="65000"/>
+                    <a:lumOff val="35000"/>
+                  </a:schemeClr>
+                </a:solidFill>
+                <a:latin typeface="Metropolis" panose="00000500000000000000" pitchFamily="50" charset="0"/>
+                <a:ea typeface="+mj-ea"/>
+                <a:cs typeface="+mj-cs"/>
+              </a:rPr>
+              <a:t>Stateful – Plan, Destroy, Import</a:t>
+            </a:r>
+          </a:p>
+          <a:p>
+            <a:pPr marL="285750" indent="-285750">
+              <a:buFont typeface="Arial" panose="020B0604020202020204" pitchFamily="34" charset="0"/>
+              <a:buChar char="•"/>
+            </a:pPr>
+            <a:r>
+              <a:rPr lang="en-GB" sz="2600" dirty="0">
+                <a:solidFill>
+                  <a:schemeClr val="tx1">
+                    <a:lumMod val="65000"/>
+                    <a:lumOff val="35000"/>
+                  </a:schemeClr>
+                </a:solidFill>
+                <a:latin typeface="Metropolis" panose="00000500000000000000" pitchFamily="50" charset="0"/>
+                <a:ea typeface="+mj-ea"/>
+                <a:cs typeface="+mj-cs"/>
+              </a:rPr>
+              <a:t>Open Source</a:t>
+            </a:r>
+          </a:p>
+          <a:p>
+            <a:pPr marL="285750" indent="-285750">
+              <a:buFont typeface="Arial" panose="020B0604020202020204" pitchFamily="34" charset="0"/>
+              <a:buChar char="•"/>
+            </a:pPr>
+            <a:endParaRPr lang="en-GB" dirty="0"/>
+          </a:p>
+        </p:txBody>
+      </p:sp>
+      <p:sp>
+        <p:nvSpPr>
+          <p:cNvPr id="15" name="TextBox 14">
+            <a:extLst>
+              <a:ext uri="{FF2B5EF4-FFF2-40B4-BE49-F238E27FC236}">
+                <a16:creationId xmlns:a16="http://schemas.microsoft.com/office/drawing/2014/main" id="{2117FD55-BA9F-45F9-8A3B-50BF215D31E0}"/>
+              </a:ext>
+            </a:extLst>
+          </p:cNvPr>
+          <p:cNvSpPr txBox="1"/>
+          <p:nvPr/>
+        </p:nvSpPr>
+        <p:spPr>
+          <a:xfrm>
+            <a:off x="5957055" y="4064655"/>
+            <a:ext cx="5392320" cy="3170099"/>
+          </a:xfrm>
+          <a:prstGeom prst="rect">
+            <a:avLst/>
+          </a:prstGeom>
+          <a:noFill/>
+        </p:spPr>
+        <p:txBody>
+          <a:bodyPr wrap="square" rtlCol="0">
+            <a:spAutoFit/>
+          </a:bodyPr>
+          <a:lstStyle/>
+          <a:p>
+            <a:r>
+              <a:rPr lang="en-GB" sz="2600" b="1" dirty="0">
+                <a:solidFill>
+                  <a:schemeClr val="tx1">
+                    <a:lumMod val="65000"/>
+                    <a:lumOff val="35000"/>
+                  </a:schemeClr>
+                </a:solidFill>
+                <a:latin typeface="Metropolis" panose="00000500000000000000" pitchFamily="50" charset="0"/>
+                <a:ea typeface="+mj-ea"/>
+                <a:cs typeface="+mj-cs"/>
+              </a:rPr>
+              <a:t>Negatives</a:t>
+            </a:r>
+          </a:p>
+          <a:p>
+            <a:pPr marL="285750" indent="-285750">
+              <a:buFont typeface="Arial" panose="020B0604020202020204" pitchFamily="34" charset="0"/>
+              <a:buChar char="•"/>
+            </a:pPr>
+            <a:r>
+              <a:rPr lang="en-GB" sz="2600" dirty="0">
+                <a:solidFill>
+                  <a:schemeClr val="tx1">
+                    <a:lumMod val="65000"/>
+                    <a:lumOff val="35000"/>
+                  </a:schemeClr>
+                </a:solidFill>
+                <a:latin typeface="Metropolis" panose="00000500000000000000" pitchFamily="50" charset="0"/>
+                <a:ea typeface="+mj-ea"/>
+                <a:cs typeface="+mj-cs"/>
+              </a:rPr>
+              <a:t>Delayed implementation of new resources</a:t>
+            </a:r>
+          </a:p>
+          <a:p>
+            <a:pPr marL="285750" indent="-285750">
+              <a:buFont typeface="Arial" panose="020B0604020202020204" pitchFamily="34" charset="0"/>
+              <a:buChar char="•"/>
+            </a:pPr>
+            <a:r>
+              <a:rPr lang="en-GB" sz="2600" dirty="0">
+                <a:solidFill>
+                  <a:schemeClr val="tx1">
+                    <a:lumMod val="65000"/>
+                    <a:lumOff val="35000"/>
+                  </a:schemeClr>
+                </a:solidFill>
+                <a:latin typeface="Metropolis" panose="00000500000000000000" pitchFamily="50" charset="0"/>
+                <a:ea typeface="+mj-ea"/>
+                <a:cs typeface="+mj-cs"/>
+              </a:rPr>
+              <a:t>Management of State File</a:t>
+            </a:r>
+          </a:p>
+          <a:p>
+            <a:pPr marL="285750" indent="-285750">
+              <a:buFont typeface="Arial" panose="020B0604020202020204" pitchFamily="34" charset="0"/>
+              <a:buChar char="•"/>
+            </a:pPr>
+            <a:r>
+              <a:rPr lang="en-GB" sz="2600" dirty="0">
+                <a:solidFill>
+                  <a:schemeClr val="tx1">
+                    <a:lumMod val="65000"/>
+                    <a:lumOff val="35000"/>
+                  </a:schemeClr>
+                </a:solidFill>
+                <a:latin typeface="Metropolis" panose="00000500000000000000" pitchFamily="50" charset="0"/>
+                <a:ea typeface="+mj-ea"/>
+                <a:cs typeface="+mj-cs"/>
+              </a:rPr>
+              <a:t>Third Party Support</a:t>
+            </a:r>
+          </a:p>
+          <a:p>
+            <a:pPr marL="285750" indent="-285750">
+              <a:buFont typeface="Arial" panose="020B0604020202020204" pitchFamily="34" charset="0"/>
+              <a:buChar char="•"/>
+            </a:pPr>
+            <a:r>
+              <a:rPr lang="en-GB" sz="2600" dirty="0">
+                <a:solidFill>
+                  <a:schemeClr val="tx1">
+                    <a:lumMod val="65000"/>
+                    <a:lumOff val="35000"/>
+                  </a:schemeClr>
+                </a:solidFill>
+                <a:latin typeface="Metropolis" panose="00000500000000000000" pitchFamily="50" charset="0"/>
+                <a:ea typeface="+mj-ea"/>
+                <a:cs typeface="+mj-cs"/>
+              </a:rPr>
+              <a:t>Cost</a:t>
+            </a:r>
+          </a:p>
+          <a:p>
+            <a:pPr marL="285750" indent="-285750">
+              <a:buFont typeface="Arial" panose="020B0604020202020204" pitchFamily="34" charset="0"/>
+              <a:buChar char="•"/>
+            </a:pPr>
+            <a:endParaRPr lang="en-GB" sz="2600" dirty="0">
+              <a:solidFill>
+                <a:schemeClr val="tx1">
+                  <a:lumMod val="65000"/>
+                  <a:lumOff val="35000"/>
+                </a:schemeClr>
+              </a:solidFill>
+              <a:latin typeface="Metropolis" panose="00000500000000000000" pitchFamily="50" charset="0"/>
+              <a:ea typeface="+mj-ea"/>
+              <a:cs typeface="+mj-cs"/>
+            </a:endParaRPr>
+          </a:p>
+          <a:p>
+            <a:pPr marL="285750" indent="-285750">
+              <a:buFont typeface="Arial" panose="020B0604020202020204" pitchFamily="34" charset="0"/>
+              <a:buChar char="•"/>
+            </a:pPr>
+            <a:endParaRPr lang="en-GB" dirty="0"/>
+          </a:p>
+        </p:txBody>
+      </p:sp>
+      <p:pic>
+        <p:nvPicPr>
+          <p:cNvPr id="11" name="Picture 2" descr="Documentation - Terraform by HashiCorp">
+            <a:extLst>
+              <a:ext uri="{FF2B5EF4-FFF2-40B4-BE49-F238E27FC236}">
+                <a16:creationId xmlns:a16="http://schemas.microsoft.com/office/drawing/2014/main" id="{F31AEB3F-4C1C-4CEC-A8D2-5198DBF346D3}"/>
+              </a:ext>
+            </a:extLst>
+          </p:cNvPr>
+          <p:cNvPicPr>
+            <a:picLocks noChangeAspect="1" noChangeArrowheads="1"/>
+          </p:cNvPicPr>
+          <p:nvPr/>
+        </p:nvPicPr>
+        <p:blipFill>
+          <a:blip r:embed="rId3">
+            <a:extLst>
+              <a:ext uri="{28A0092B-C50C-407E-A947-70E740481C1C}">
+                <a14:useLocalDpi xmlns:a14="http://schemas.microsoft.com/office/drawing/2010/main" val="0"/>
+              </a:ext>
+            </a:extLst>
+          </a:blip>
+          <a:srcRect/>
+          <a:stretch>
+            <a:fillRect/>
+          </a:stretch>
+        </p:blipFill>
+        <p:spPr bwMode="auto">
+          <a:xfrm>
+            <a:off x="3667587" y="1324076"/>
+            <a:ext cx="1447645" cy="1447645"/>
+          </a:xfrm>
+          <a:prstGeom prst="rect">
+            <a:avLst/>
+          </a:prstGeom>
+          <a:noFill/>
+          <a:extLst>
+            <a:ext uri="{909E8E84-426E-40DD-AFC4-6F175D3DCCD1}">
+              <a14:hiddenFill xmlns:a14="http://schemas.microsoft.com/office/drawing/2010/main">
+                <a:solidFill>
+                  <a:srgbClr val="FFFFFF"/>
+                </a:solidFill>
+              </a14:hiddenFill>
+            </a:ext>
+          </a:extLst>
+        </p:spPr>
+      </p:pic>
+      <p:pic>
+        <p:nvPicPr>
+          <p:cNvPr id="12" name="Picture 4" descr="GitHub - pulumi/pulumi: Pulumi - Modern Infrastructure as Code. Any cloud,  any language 🚀">
+            <a:extLst>
+              <a:ext uri="{FF2B5EF4-FFF2-40B4-BE49-F238E27FC236}">
+                <a16:creationId xmlns:a16="http://schemas.microsoft.com/office/drawing/2014/main" id="{4F178968-3531-4A6F-B538-0F289345CE4F}"/>
+              </a:ext>
+            </a:extLst>
+          </p:cNvPr>
+          <p:cNvPicPr>
+            <a:picLocks noChangeAspect="1" noChangeArrowheads="1"/>
+          </p:cNvPicPr>
+          <p:nvPr/>
+        </p:nvPicPr>
+        <p:blipFill>
+          <a:blip r:embed="rId4">
+            <a:extLst>
+              <a:ext uri="{28A0092B-C50C-407E-A947-70E740481C1C}">
+                <a14:useLocalDpi xmlns:a14="http://schemas.microsoft.com/office/drawing/2010/main" val="0"/>
+              </a:ext>
+            </a:extLst>
+          </a:blip>
+          <a:srcRect/>
+          <a:stretch>
+            <a:fillRect/>
+          </a:stretch>
+        </p:blipFill>
+        <p:spPr bwMode="auto">
+          <a:xfrm>
+            <a:off x="6148926" y="1324076"/>
+            <a:ext cx="1447645" cy="1447645"/>
+          </a:xfrm>
+          <a:prstGeom prst="rect">
+            <a:avLst/>
+          </a:prstGeom>
+          <a:noFill/>
+          <a:extLst>
+            <a:ext uri="{909E8E84-426E-40DD-AFC4-6F175D3DCCD1}">
+              <a14:hiddenFill xmlns:a14="http://schemas.microsoft.com/office/drawing/2010/main">
+                <a:solidFill>
+                  <a:srgbClr val="FFFFFF"/>
+                </a:solidFill>
+              </a14:hiddenFill>
+            </a:ext>
+          </a:extLst>
+        </p:spPr>
+      </p:pic>
+    </p:spTree>
+    <p:extLst>
+      <p:ext uri="{BB962C8B-B14F-4D97-AF65-F5344CB8AC3E}">
+        <p14:creationId xmlns:p14="http://schemas.microsoft.com/office/powerpoint/2010/main" val="3717109558"/>
+      </p:ext>
+    </p:extLst>
+  </p:cSld>
+  <p:clrMapOvr>
+    <a:masterClrMapping/>
+  </p:clrMapOvr>
+  <p:transition>
+    <p:fade/>
+  </p:transition>
+</p:sld>
+</file>
+
+<file path=ppt/slides/slide11.xml><?xml version="1.0" encoding="utf-8"?>
+<p:sld xmlns:a="http://schemas.openxmlformats.org/drawingml/2006/main" xmlns:r="http://schemas.openxmlformats.org/officeDocument/2006/relationships" xmlns:p="http://schemas.openxmlformats.org/presentationml/2006/main">
+  <p:cSld>
+    <p:spTree>
+      <p:nvGrpSpPr>
+        <p:cNvPr id="1" name=""/>
+        <p:cNvGrpSpPr/>
+        <p:nvPr/>
+      </p:nvGrpSpPr>
+      <p:grpSpPr>
+        <a:xfrm>
+          <a:off x="0" y="0"/>
+          <a:ext cx="0" cy="0"/>
+          <a:chOff x="0" y="0"/>
+          <a:chExt cx="0" cy="0"/>
+        </a:xfrm>
+      </p:grpSpPr>
+      <p:sp>
+        <p:nvSpPr>
+          <p:cNvPr id="2" name="Title 1">
+            <a:extLst>
+              <a:ext uri="{FF2B5EF4-FFF2-40B4-BE49-F238E27FC236}">
+                <a16:creationId xmlns:a16="http://schemas.microsoft.com/office/drawing/2014/main" id="{9D68766F-C534-403E-92A1-86AFA261D230}"/>
+              </a:ext>
+            </a:extLst>
+          </p:cNvPr>
+          <p:cNvSpPr>
+            <a:spLocks noGrp="1"/>
+          </p:cNvSpPr>
+          <p:nvPr>
+            <p:ph type="title"/>
+          </p:nvPr>
+        </p:nvSpPr>
+        <p:spPr>
+          <a:xfrm>
+            <a:off x="234577" y="-1487"/>
+            <a:ext cx="10515600" cy="1325563"/>
+          </a:xfrm>
+        </p:spPr>
+        <p:txBody>
+          <a:bodyPr/>
+          <a:lstStyle/>
+          <a:p>
+            <a:r>
+              <a:rPr lang="en-GB" dirty="0" err="1">
+                <a:solidFill>
+                  <a:schemeClr val="tx1">
+                    <a:lumMod val="65000"/>
+                    <a:lumOff val="35000"/>
+                  </a:schemeClr>
+                </a:solidFill>
+                <a:latin typeface="Metropolis" panose="00000500000000000000" pitchFamily="50" charset="0"/>
+              </a:rPr>
+              <a:t>IaC</a:t>
+            </a:r>
+            <a:r>
+              <a:rPr lang="en-GB" dirty="0">
+                <a:solidFill>
+                  <a:schemeClr val="tx1">
+                    <a:lumMod val="65000"/>
+                    <a:lumOff val="35000"/>
+                  </a:schemeClr>
+                </a:solidFill>
+                <a:latin typeface="Metropolis" panose="00000500000000000000" pitchFamily="50" charset="0"/>
+              </a:rPr>
               <a:t> Tooling Comparison</a:t>
             </a:r>
           </a:p>
@@ -14479,14 +19378,14 @@
           <p:nvPr>
             <p:extLst>
               <p:ext uri="{D42A27DB-BD31-4B8C-83A1-F6EECF244321}">
-                <p14:modId xmlns:p14="http://schemas.microsoft.com/office/powerpoint/2010/main" val="2707883015"/>
+                <p14:modId xmlns:p14="http://schemas.microsoft.com/office/powerpoint/2010/main" val="875720877"/>
               </p:ext>
             </p:extLst>
           </p:nvPr>
         </p:nvGraphicFramePr>
         <p:xfrm>
           <a:off x="631230" y="1374550"/>
-          <a:ext cx="9598251" cy="2923424"/>
+          <a:ext cx="9598251" cy="3771149"/>
         </p:xfrm>
         <a:graphic>
           <a:graphicData uri="http://schemas.openxmlformats.org/drawingml/2006/table">
@@ -14502,28 +19401,28 @@
                     </a:ext>
                   </a:extLst>
                 </a:gridCol>
-                <a:gridCol w="2249326">
+                <a:gridCol w="1712037">
                   <a:extLst>
                     <a:ext uri="{9D8B030D-6E8A-4147-A177-3AD203B41FA5}">
                       <a16:colId xmlns:a16="http://schemas.microsoft.com/office/drawing/2014/main" val="87587165"/>
                     </a:ext>
                   </a:extLst>
                 </a:gridCol>
-                <a:gridCol w="1349596">
+                <a:gridCol w="1551530">
                   <a:extLst>
                     <a:ext uri="{9D8B030D-6E8A-4147-A177-3AD203B41FA5}">
                       <a16:colId xmlns:a16="http://schemas.microsoft.com/office/drawing/2014/main" val="3999795245"/>
                     </a:ext>
                   </a:extLst>
                 </a:gridCol>
-                <a:gridCol w="1349596">
+                <a:gridCol w="1486638">
                   <a:extLst>
                     <a:ext uri="{9D8B030D-6E8A-4147-A177-3AD203B41FA5}">
                       <a16:colId xmlns:a16="http://schemas.microsoft.com/office/drawing/2014/main" val="727194672"/>
                     </a:ext>
                   </a:extLst>
                 </a:gridCol>
-                <a:gridCol w="1349596">
+                <a:gridCol w="1547909">
                   <a:extLst>
                     <a:ext uri="{9D8B030D-6E8A-4147-A177-3AD203B41FA5}">
                       <a16:colId xmlns:a16="http://schemas.microsoft.com/office/drawing/2014/main" val="771222460"/>
@@ -15594,6 +20493,215 @@
                   </a:ext>
                 </a:extLst>
               </a:tr>
+              <a:tr h="254696">
+                <a:tc>
+                  <a:txBody>
+                    <a:bodyPr/>
+                    <a:lstStyle/>
+                    <a:p>
+                      <a:pPr algn="l" fontAlgn="b"/>
+                      <a:r>
+                        <a:rPr lang="en-GB" sz="1800" b="0" i="0" u="none" strike="noStrike" dirty="0">
+                          <a:solidFill>
+                            <a:srgbClr val="000000"/>
+                          </a:solidFill>
+                          <a:effectLst/>
+                          <a:latin typeface="Metropolis" panose="00000500000000000000"/>
+                        </a:rPr>
+                        <a:t>Additional Features</a:t>
+                      </a:r>
+                    </a:p>
+                  </a:txBody>
+                  <a:tcPr marL="9525" marR="9525" marT="9525" marB="0" anchor="b">
+                    <a:solidFill>
+                      <a:schemeClr val="accent1">
+                        <a:lumMod val="40000"/>
+                        <a:lumOff val="60000"/>
+                      </a:schemeClr>
+                    </a:solidFill>
+                  </a:tcPr>
+                </a:tc>
+                <a:tc>
+                  <a:txBody>
+                    <a:bodyPr/>
+                    <a:lstStyle/>
+                    <a:p>
+                      <a:pPr algn="ctr" fontAlgn="b"/>
+                      <a:r>
+                        <a:rPr lang="en-GB" sz="1100" b="0" i="0" u="none" strike="noStrike" dirty="0">
+                          <a:solidFill>
+                            <a:srgbClr val="000000"/>
+                          </a:solidFill>
+                          <a:effectLst/>
+                          <a:latin typeface="Metropolis" panose="00000500000000000000"/>
+                        </a:rPr>
+                        <a:t>Policy (separate service)</a:t>
+                      </a:r>
+                    </a:p>
+                  </a:txBody>
+                  <a:tcPr marL="9525" marR="9525" marT="9525" marB="0"/>
+                </a:tc>
+                <a:tc>
+                  <a:txBody>
+                    <a:bodyPr/>
+                    <a:lstStyle/>
+                    <a:p>
+                      <a:pPr algn="ctr" fontAlgn="b"/>
+                      <a:r>
+                        <a:rPr lang="en-GB" sz="1100" b="0" i="0" u="none" strike="noStrike" dirty="0">
+                          <a:solidFill>
+                            <a:srgbClr val="000000"/>
+                          </a:solidFill>
+                          <a:effectLst/>
+                          <a:latin typeface="Metropolis" panose="00000500000000000000"/>
+                        </a:rPr>
+                        <a:t>Policy (separate service)</a:t>
+                      </a:r>
+                    </a:p>
+                  </a:txBody>
+                  <a:tcPr marL="9525" marR="9525" marT="9525" marB="0"/>
+                </a:tc>
+                <a:tc>
+                  <a:txBody>
+                    <a:bodyPr/>
+                    <a:lstStyle/>
+                    <a:p>
+                      <a:pPr algn="ctr" fontAlgn="b"/>
+                      <a:endParaRPr lang="en-GB" sz="1100" b="0" i="0" u="none" strike="noStrike" dirty="0">
+                        <a:solidFill>
+                          <a:srgbClr val="000000"/>
+                        </a:solidFill>
+                        <a:effectLst/>
+                        <a:latin typeface="Metropolis" panose="00000500000000000000"/>
+                      </a:endParaRPr>
+                    </a:p>
+                  </a:txBody>
+                  <a:tcPr marL="9525" marR="9525" marT="9525" marB="0"/>
+                </a:tc>
+                <a:tc>
+                  <a:txBody>
+                    <a:bodyPr/>
+                    <a:lstStyle/>
+                    <a:p>
+                      <a:pPr algn="ctr" fontAlgn="b"/>
+                      <a:r>
+                        <a:rPr lang="en-GB" sz="1100" b="0" i="0" u="none" strike="noStrike" dirty="0">
+                          <a:solidFill>
+                            <a:srgbClr val="000000"/>
+                          </a:solidFill>
+                          <a:effectLst/>
+                          <a:latin typeface="Metropolis" panose="00000500000000000000"/>
+                        </a:rPr>
+                        <a:t>Cloud State</a:t>
+                      </a:r>
+                    </a:p>
+                    <a:p>
+                      <a:pPr algn="ctr" fontAlgn="b"/>
+                      <a:r>
+                        <a:rPr lang="en-GB" sz="1100" b="0" i="0" u="none" strike="noStrike" dirty="0">
+                          <a:solidFill>
+                            <a:srgbClr val="000000"/>
+                          </a:solidFill>
+                          <a:effectLst/>
+                          <a:latin typeface="Metropolis" panose="00000500000000000000"/>
+                        </a:rPr>
+                        <a:t>Policy &amp; Governance</a:t>
+                      </a:r>
+                    </a:p>
+                    <a:p>
+                      <a:pPr algn="ctr" fontAlgn="b"/>
+                      <a:r>
+                        <a:rPr lang="en-GB" sz="1100" b="0" i="0" u="none" strike="noStrike" dirty="0">
+                          <a:solidFill>
+                            <a:srgbClr val="000000"/>
+                          </a:solidFill>
+                          <a:effectLst/>
+                          <a:latin typeface="Metropolis" panose="00000500000000000000"/>
+                        </a:rPr>
+                        <a:t>Module Repository</a:t>
+                      </a:r>
+                    </a:p>
+                    <a:p>
+                      <a:pPr algn="ctr" fontAlgn="b"/>
+                      <a:r>
+                        <a:rPr lang="en-GB" sz="1100" b="0" i="0" u="none" strike="noStrike" dirty="0">
+                          <a:solidFill>
+                            <a:srgbClr val="000000"/>
+                          </a:solidFill>
+                          <a:effectLst/>
+                          <a:latin typeface="Metropolis" panose="00000500000000000000"/>
+                        </a:rPr>
+                        <a:t>Web Portal</a:t>
+                      </a:r>
+                    </a:p>
+                    <a:p>
+                      <a:pPr algn="ctr" fontAlgn="b"/>
+                      <a:r>
+                        <a:rPr lang="en-GB" sz="1100" b="0" i="0" u="none" strike="noStrike" dirty="0">
+                          <a:solidFill>
+                            <a:srgbClr val="000000"/>
+                          </a:solidFill>
+                          <a:effectLst/>
+                          <a:latin typeface="Metropolis" panose="00000500000000000000"/>
+                        </a:rPr>
+                        <a:t>Cost Estimation</a:t>
+                      </a:r>
+                    </a:p>
+                  </a:txBody>
+                  <a:tcPr marL="9525" marR="9525" marT="9525" marB="0"/>
+                </a:tc>
+                <a:tc>
+                  <a:txBody>
+                    <a:bodyPr/>
+                    <a:lstStyle/>
+                    <a:p>
+                      <a:pPr algn="ctr" fontAlgn="b"/>
+                      <a:r>
+                        <a:rPr lang="en-GB" sz="1100" b="0" i="0" u="none" strike="noStrike" dirty="0">
+                          <a:solidFill>
+                            <a:srgbClr val="000000"/>
+                          </a:solidFill>
+                          <a:effectLst/>
+                          <a:latin typeface="Metropolis" panose="00000500000000000000"/>
+                        </a:rPr>
+                        <a:t>Cloud State</a:t>
+                      </a:r>
+                    </a:p>
+                    <a:p>
+                      <a:pPr algn="ctr" fontAlgn="b"/>
+                      <a:r>
+                        <a:rPr lang="en-GB" sz="1100" b="0" i="0" u="none" strike="noStrike" dirty="0">
+                          <a:solidFill>
+                            <a:srgbClr val="000000"/>
+                          </a:solidFill>
+                          <a:effectLst/>
+                          <a:latin typeface="Metropolis" panose="00000500000000000000"/>
+                        </a:rPr>
+                        <a:t>Policy &amp; Governance</a:t>
+                      </a:r>
+                    </a:p>
+                    <a:p>
+                      <a:pPr algn="ctr" fontAlgn="b"/>
+                      <a:r>
+                        <a:rPr lang="en-GB" sz="1100" b="0" i="0" u="none" strike="noStrike" dirty="0">
+                          <a:solidFill>
+                            <a:srgbClr val="000000"/>
+                          </a:solidFill>
+                          <a:effectLst/>
+                          <a:latin typeface="Metropolis" panose="00000500000000000000"/>
+                        </a:rPr>
+                        <a:t>Web Portal</a:t>
+                      </a:r>
+                    </a:p>
+                  </a:txBody>
+                  <a:tcPr marL="9525" marR="9525" marT="9525" marB="0"/>
+                </a:tc>
+                <a:extLst>
+                  <a:ext uri="{0D108BD9-81ED-4DB2-BD59-A6C34878D82A}">
+                    <a16:rowId xmlns:a16="http://schemas.microsoft.com/office/drawing/2014/main" val="2374489070"/>
+                  </a:ext>
+                </a:extLst>
+              </a:tr>
             </a:tbl>
           </a:graphicData>
         </a:graphic>
@@ -15614,7 +20722,7 @@
 </p:sld>
 </file>
 
-<file path=ppt/slides/slide11.xml><?xml version="1.0" encoding="utf-8"?>
+<file path=ppt/slides/slide12.xml><?xml version="1.0" encoding="utf-8"?>
 <p:sld xmlns:a="http://schemas.openxmlformats.org/drawingml/2006/main" xmlns:r="http://schemas.openxmlformats.org/officeDocument/2006/relationships" xmlns:p="http://schemas.openxmlformats.org/presentationml/2006/main">
   <p:cSld>
     <p:spTree>
@@ -15845,7 +20953,7 @@
 </p:sld>
 </file>
 
-<file path=ppt/slides/slide12.xml><?xml version="1.0" encoding="utf-8"?>
+<file path=ppt/slides/slide13.xml><?xml version="1.0" encoding="utf-8"?>
 <p:sld xmlns:a="http://schemas.openxmlformats.org/drawingml/2006/main" xmlns:r="http://schemas.openxmlformats.org/officeDocument/2006/relationships" xmlns:p="http://schemas.openxmlformats.org/presentationml/2006/main">
   <p:cSld>
     <p:spTree>
@@ -16059,7 +21167,7 @@
 </p:sld>
 </file>
 
-<file path=ppt/slides/slide13.xml><?xml version="1.0" encoding="utf-8"?>
+<file path=ppt/slides/slide14.xml><?xml version="1.0" encoding="utf-8"?>
 <p:sld xmlns:a="http://schemas.openxmlformats.org/drawingml/2006/main" xmlns:r="http://schemas.openxmlformats.org/officeDocument/2006/relationships" xmlns:p="http://schemas.openxmlformats.org/presentationml/2006/main">
   <p:cSld>
     <p:spTree>
@@ -16271,7 +21379,7 @@
 </p:sld>
 </file>
 
-<file path=ppt/slides/slide14.xml><?xml version="1.0" encoding="utf-8"?>
+<file path=ppt/slides/slide15.xml><?xml version="1.0" encoding="utf-8"?>
 <p:sld xmlns:a="http://schemas.openxmlformats.org/drawingml/2006/main" xmlns:r="http://schemas.openxmlformats.org/officeDocument/2006/relationships" xmlns:p="http://schemas.openxmlformats.org/presentationml/2006/main">
   <p:cSld>
     <p:bg>
@@ -16361,7 +21469,9 @@
           <a:lstStyle/>
           <a:p>
             <a:pPr algn="ctr"/>
-            <a:endParaRPr lang="en-US"/>
+            <a:endParaRPr lang="en-US">
+              <a:latin typeface="Metropolis" panose="00000500000000000000"/>
+            </a:endParaRPr>
           </a:p>
         </p:txBody>
       </p:sp>
@@ -16400,7 +21510,7 @@
                     <a:lumMod val="50000"/>
                   </a:schemeClr>
                 </a:solidFill>
-                <a:latin typeface="Metropolis"/>
+                <a:latin typeface="Metropolis" panose="00000500000000000000"/>
               </a:rPr>
               <a:t>Getting Started</a:t>
             </a:r>
@@ -16420,7 +21530,7 @@
           <p:nvPr>
             <p:extLst>
               <p:ext uri="{D42A27DB-BD31-4B8C-83A1-F6EECF244321}">
-                <p14:modId xmlns:p14="http://schemas.microsoft.com/office/powerpoint/2010/main" val="3660666997"/>
+                <p14:modId xmlns:p14="http://schemas.microsoft.com/office/powerpoint/2010/main" val="3484169375"/>
               </p:ext>
             </p:extLst>
           </p:nvPr>
@@ -16448,6 +21558,710 @@
   <p:transition>
     <p:fade/>
   </p:transition>
+</p:sld>
+</file>
+
+<file path=ppt/slides/slide16.xml><?xml version="1.0" encoding="utf-8"?>
+<p:sld xmlns:a="http://schemas.openxmlformats.org/drawingml/2006/main" xmlns:r="http://schemas.openxmlformats.org/officeDocument/2006/relationships" xmlns:p="http://schemas.openxmlformats.org/presentationml/2006/main">
+  <p:cSld>
+    <p:spTree>
+      <p:nvGrpSpPr>
+        <p:cNvPr id="1" name=""/>
+        <p:cNvGrpSpPr/>
+        <p:nvPr/>
+      </p:nvGrpSpPr>
+      <p:grpSpPr>
+        <a:xfrm>
+          <a:off x="0" y="0"/>
+          <a:ext cx="0" cy="0"/>
+          <a:chOff x="0" y="0"/>
+          <a:chExt cx="0" cy="0"/>
+        </a:xfrm>
+      </p:grpSpPr>
+      <p:pic>
+        <p:nvPicPr>
+          <p:cNvPr id="6" name="Picture 5">
+            <a:extLst>
+              <a:ext uri="{FF2B5EF4-FFF2-40B4-BE49-F238E27FC236}">
+                <a16:creationId xmlns:a16="http://schemas.microsoft.com/office/drawing/2014/main" id="{98AC5797-7E80-4D6A-BC90-315D2634C5DB}"/>
+              </a:ext>
+            </a:extLst>
+          </p:cNvPr>
+          <p:cNvPicPr>
+            <a:picLocks noChangeAspect="1"/>
+          </p:cNvPicPr>
+          <p:nvPr/>
+        </p:nvPicPr>
+        <p:blipFill>
+          <a:blip r:embed="rId2">
+            <a:extLst>
+              <a:ext uri="{28A0092B-C50C-407E-A947-70E740481C1C}">
+                <a14:useLocalDpi xmlns:a14="http://schemas.microsoft.com/office/drawing/2010/main" val="0"/>
+              </a:ext>
+            </a:extLst>
+          </a:blip>
+          <a:stretch>
+            <a:fillRect/>
+          </a:stretch>
+        </p:blipFill>
+        <p:spPr>
+          <a:xfrm>
+            <a:off x="8641975" y="5980837"/>
+            <a:ext cx="3372971" cy="633775"/>
+          </a:xfrm>
+          <a:prstGeom prst="rect">
+            <a:avLst/>
+          </a:prstGeom>
+        </p:spPr>
+      </p:pic>
+      <p:pic>
+        <p:nvPicPr>
+          <p:cNvPr id="9" name="Picture 8" descr="A picture containing crossword, text, piece, photo&#10;&#10;Description automatically generated">
+            <a:extLst>
+              <a:ext uri="{FF2B5EF4-FFF2-40B4-BE49-F238E27FC236}">
+                <a16:creationId xmlns:a16="http://schemas.microsoft.com/office/drawing/2014/main" id="{554EE44F-AA0A-4170-A0F3-7EB7A801A255}"/>
+              </a:ext>
+            </a:extLst>
+          </p:cNvPr>
+          <p:cNvPicPr>
+            <a:picLocks noChangeAspect="1"/>
+          </p:cNvPicPr>
+          <p:nvPr/>
+        </p:nvPicPr>
+        <p:blipFill>
+          <a:blip r:embed="rId3">
+            <a:extLst>
+              <a:ext uri="{28A0092B-C50C-407E-A947-70E740481C1C}">
+                <a14:useLocalDpi xmlns:a14="http://schemas.microsoft.com/office/drawing/2010/main" val="0"/>
+              </a:ext>
+            </a:extLst>
+          </a:blip>
+          <a:stretch>
+            <a:fillRect/>
+          </a:stretch>
+        </p:blipFill>
+        <p:spPr>
+          <a:xfrm>
+            <a:off x="3687588" y="1746209"/>
+            <a:ext cx="4041058" cy="4041058"/>
+          </a:xfrm>
+          <a:prstGeom prst="rect">
+            <a:avLst/>
+          </a:prstGeom>
+        </p:spPr>
+      </p:pic>
+      <p:sp>
+        <p:nvSpPr>
+          <p:cNvPr id="12" name="Rectangle 11">
+            <a:extLst>
+              <a:ext uri="{FF2B5EF4-FFF2-40B4-BE49-F238E27FC236}">
+                <a16:creationId xmlns:a16="http://schemas.microsoft.com/office/drawing/2014/main" id="{E8772B96-D919-4B56-9C6B-BCDCB0A7C25C}"/>
+              </a:ext>
+            </a:extLst>
+          </p:cNvPr>
+          <p:cNvSpPr/>
+          <p:nvPr/>
+        </p:nvSpPr>
+        <p:spPr>
+          <a:xfrm>
+            <a:off x="3687588" y="5787267"/>
+            <a:ext cx="4440446" cy="646331"/>
+          </a:xfrm>
+          <a:prstGeom prst="rect">
+            <a:avLst/>
+          </a:prstGeom>
+        </p:spPr>
+        <p:txBody>
+          <a:bodyPr wrap="none">
+            <a:spAutoFit/>
+          </a:bodyPr>
+          <a:lstStyle/>
+          <a:p>
+            <a:r>
+              <a:rPr lang="en-GB" sz="3600" dirty="0">
+                <a:solidFill>
+                  <a:schemeClr val="tx1">
+                    <a:lumMod val="75000"/>
+                    <a:lumOff val="25000"/>
+                  </a:schemeClr>
+                </a:solidFill>
+                <a:latin typeface="Metropolis"/>
+              </a:rPr>
+              <a:t>https://cogan.to/f427c</a:t>
+            </a:r>
+          </a:p>
+        </p:txBody>
+      </p:sp>
+      <p:sp>
+        <p:nvSpPr>
+          <p:cNvPr id="13" name="Title 12">
+            <a:extLst>
+              <a:ext uri="{FF2B5EF4-FFF2-40B4-BE49-F238E27FC236}">
+                <a16:creationId xmlns:a16="http://schemas.microsoft.com/office/drawing/2014/main" id="{ADE7DA53-4478-4EDA-8F6E-003A981DA3E3}"/>
+              </a:ext>
+            </a:extLst>
+          </p:cNvPr>
+          <p:cNvSpPr>
+            <a:spLocks noGrp="1"/>
+          </p:cNvSpPr>
+          <p:nvPr>
+            <p:ph type="title"/>
+          </p:nvPr>
+        </p:nvSpPr>
+        <p:spPr/>
+        <p:txBody>
+          <a:bodyPr/>
+          <a:lstStyle/>
+          <a:p>
+            <a:r>
+              <a:rPr lang="en-GB" dirty="0">
+                <a:solidFill>
+                  <a:schemeClr val="tx1">
+                    <a:lumMod val="75000"/>
+                    <a:lumOff val="25000"/>
+                  </a:schemeClr>
+                </a:solidFill>
+                <a:latin typeface="Metropolis" panose="00000500000000000000"/>
+              </a:rPr>
+              <a:t>Slides and Demos</a:t>
+            </a:r>
+          </a:p>
+        </p:txBody>
+      </p:sp>
+    </p:spTree>
+    <p:extLst>
+      <p:ext uri="{BB962C8B-B14F-4D97-AF65-F5344CB8AC3E}">
+        <p14:creationId xmlns:p14="http://schemas.microsoft.com/office/powerpoint/2010/main" val="3289953856"/>
+      </p:ext>
+    </p:extLst>
+  </p:cSld>
+  <p:clrMapOvr>
+    <a:masterClrMapping/>
+  </p:clrMapOvr>
+</p:sld>
+</file>
+
+<file path=ppt/slides/slide17.xml><?xml version="1.0" encoding="utf-8"?>
+<p:sld xmlns:a="http://schemas.openxmlformats.org/drawingml/2006/main" xmlns:r="http://schemas.openxmlformats.org/officeDocument/2006/relationships" xmlns:p="http://schemas.openxmlformats.org/presentationml/2006/main">
+  <p:cSld>
+    <p:spTree>
+      <p:nvGrpSpPr>
+        <p:cNvPr id="1" name=""/>
+        <p:cNvGrpSpPr/>
+        <p:nvPr/>
+      </p:nvGrpSpPr>
+      <p:grpSpPr>
+        <a:xfrm>
+          <a:off x="0" y="0"/>
+          <a:ext cx="0" cy="0"/>
+          <a:chOff x="0" y="0"/>
+          <a:chExt cx="0" cy="0"/>
+        </a:xfrm>
+      </p:grpSpPr>
+      <p:sp>
+        <p:nvSpPr>
+          <p:cNvPr id="2" name="Title 1">
+            <a:extLst>
+              <a:ext uri="{FF2B5EF4-FFF2-40B4-BE49-F238E27FC236}">
+                <a16:creationId xmlns:a16="http://schemas.microsoft.com/office/drawing/2014/main" id="{A6E2234C-963A-4BDB-AC81-D452BD38A69B}"/>
+              </a:ext>
+            </a:extLst>
+          </p:cNvPr>
+          <p:cNvSpPr>
+            <a:spLocks noGrp="1"/>
+          </p:cNvSpPr>
+          <p:nvPr>
+            <p:ph type="title"/>
+          </p:nvPr>
+        </p:nvSpPr>
+        <p:spPr/>
+        <p:txBody>
+          <a:bodyPr/>
+          <a:lstStyle/>
+          <a:p>
+            <a:r>
+              <a:rPr lang="en-GB" dirty="0">
+                <a:solidFill>
+                  <a:schemeClr val="tx1">
+                    <a:lumMod val="65000"/>
+                    <a:lumOff val="35000"/>
+                  </a:schemeClr>
+                </a:solidFill>
+                <a:latin typeface="Metropolis" panose="00000500000000000000" pitchFamily="50" charset="0"/>
+              </a:rPr>
+              <a:t>About Me</a:t>
+            </a:r>
+            <a:endParaRPr lang="en-CH" dirty="0">
+              <a:solidFill>
+                <a:schemeClr val="tx1">
+                  <a:lumMod val="65000"/>
+                  <a:lumOff val="35000"/>
+                </a:schemeClr>
+              </a:solidFill>
+              <a:latin typeface="Metropolis" panose="00000500000000000000" pitchFamily="50" charset="0"/>
+            </a:endParaRPr>
+          </a:p>
+        </p:txBody>
+      </p:sp>
+      <p:pic>
+        <p:nvPicPr>
+          <p:cNvPr id="4" name="Picture 2" descr="Title762406932">
+            <a:extLst>
+              <a:ext uri="{FF2B5EF4-FFF2-40B4-BE49-F238E27FC236}">
+                <a16:creationId xmlns:a16="http://schemas.microsoft.com/office/drawing/2014/main" id="{7BA46E82-A330-4DEF-98B2-20DEE3005862}"/>
+              </a:ext>
+            </a:extLst>
+          </p:cNvPr>
+          <p:cNvPicPr>
+            <a:picLocks noChangeAspect="1" noChangeArrowheads="1"/>
+          </p:cNvPicPr>
+          <p:nvPr/>
+        </p:nvPicPr>
+        <p:blipFill>
+          <a:blip r:embed="rId2">
+            <a:extLst>
+              <a:ext uri="{28A0092B-C50C-407E-A947-70E740481C1C}">
+                <a14:useLocalDpi xmlns:a14="http://schemas.microsoft.com/office/drawing/2010/main" val="0"/>
+              </a:ext>
+            </a:extLst>
+          </a:blip>
+          <a:srcRect/>
+          <a:stretch>
+            <a:fillRect/>
+          </a:stretch>
+        </p:blipFill>
+        <p:spPr bwMode="auto">
+          <a:xfrm>
+            <a:off x="781967" y="1630247"/>
+            <a:ext cx="2540000" cy="2540000"/>
+          </a:xfrm>
+          <a:prstGeom prst="rect">
+            <a:avLst/>
+          </a:prstGeom>
+          <a:noFill/>
+          <a:extLst>
+            <a:ext uri="{909E8E84-426E-40DD-AFC4-6F175D3DCCD1}">
+              <a14:hiddenFill xmlns:a14="http://schemas.microsoft.com/office/drawing/2010/main">
+                <a:solidFill>
+                  <a:srgbClr val="FFFFFF"/>
+                </a:solidFill>
+              </a14:hiddenFill>
+            </a:ext>
+          </a:extLst>
+        </p:spPr>
+      </p:pic>
+      <p:sp>
+        <p:nvSpPr>
+          <p:cNvPr id="5" name="TextBox 4">
+            <a:extLst>
+              <a:ext uri="{FF2B5EF4-FFF2-40B4-BE49-F238E27FC236}">
+                <a16:creationId xmlns:a16="http://schemas.microsoft.com/office/drawing/2014/main" id="{1872E7FA-7992-477F-8C4E-C1FB1F056038}"/>
+              </a:ext>
+            </a:extLst>
+          </p:cNvPr>
+          <p:cNvSpPr txBox="1"/>
+          <p:nvPr/>
+        </p:nvSpPr>
+        <p:spPr>
+          <a:xfrm>
+            <a:off x="4470400" y="1630247"/>
+            <a:ext cx="6868868" cy="2216184"/>
+          </a:xfrm>
+          <a:prstGeom prst="rect">
+            <a:avLst/>
+          </a:prstGeom>
+          <a:noFill/>
+        </p:spPr>
+        <p:txBody>
+          <a:bodyPr wrap="none" lIns="0" tIns="0" rIns="0" bIns="0" rtlCol="0">
+            <a:spAutoFit/>
+          </a:bodyPr>
+          <a:lstStyle/>
+          <a:p>
+            <a:pPr algn="l"/>
+            <a:r>
+              <a:rPr lang="en-GB" sz="6400" dirty="0">
+                <a:solidFill>
+                  <a:schemeClr val="accent1"/>
+                </a:solidFill>
+                <a:latin typeface="Metropolis" panose="00000500000000000000" pitchFamily="50" charset="0"/>
+              </a:rPr>
+              <a:t>Sam Cogan</a:t>
+            </a:r>
+          </a:p>
+          <a:p>
+            <a:pPr algn="l"/>
+            <a:br>
+              <a:rPr lang="en-GB" sz="2667" dirty="0">
+                <a:gradFill>
+                  <a:gsLst>
+                    <a:gs pos="2917">
+                      <a:schemeClr val="tx1"/>
+                    </a:gs>
+                    <a:gs pos="30000">
+                      <a:schemeClr val="tx1"/>
+                    </a:gs>
+                  </a:gsLst>
+                  <a:lin ang="5400000" scaled="0"/>
+                </a:gradFill>
+                <a:latin typeface="Metropolis" panose="00000500000000000000" pitchFamily="50" charset="0"/>
+              </a:rPr>
+            </a:br>
+            <a:r>
+              <a:rPr lang="en-GB" sz="2667" dirty="0">
+                <a:solidFill>
+                  <a:schemeClr val="tx1">
+                    <a:lumMod val="65000"/>
+                    <a:lumOff val="35000"/>
+                  </a:schemeClr>
+                </a:solidFill>
+                <a:latin typeface="Metropolis" panose="00000500000000000000" pitchFamily="50" charset="0"/>
+              </a:rPr>
+              <a:t>Solution Architect – Willis Towers Watson</a:t>
+            </a:r>
+          </a:p>
+          <a:p>
+            <a:pPr algn="l"/>
+            <a:r>
+              <a:rPr lang="en-GB" sz="2667" dirty="0">
+                <a:solidFill>
+                  <a:schemeClr val="tx1">
+                    <a:lumMod val="65000"/>
+                    <a:lumOff val="35000"/>
+                  </a:schemeClr>
+                </a:solidFill>
+                <a:latin typeface="Metropolis" panose="00000500000000000000" pitchFamily="50" charset="0"/>
+              </a:rPr>
+              <a:t>Microsoft Azure MVP</a:t>
+            </a:r>
+            <a:endParaRPr lang="en-US" sz="2667" dirty="0" err="1">
+              <a:solidFill>
+                <a:schemeClr val="tx1">
+                  <a:lumMod val="65000"/>
+                  <a:lumOff val="35000"/>
+                </a:schemeClr>
+              </a:solidFill>
+              <a:latin typeface="Metropolis" panose="00000500000000000000" pitchFamily="50" charset="0"/>
+            </a:endParaRPr>
+          </a:p>
+        </p:txBody>
+      </p:sp>
+      <p:sp>
+        <p:nvSpPr>
+          <p:cNvPr id="6" name="TextBox 5">
+            <a:extLst>
+              <a:ext uri="{FF2B5EF4-FFF2-40B4-BE49-F238E27FC236}">
+                <a16:creationId xmlns:a16="http://schemas.microsoft.com/office/drawing/2014/main" id="{23B22BEF-6E4F-4173-9BCF-3D301F132299}"/>
+              </a:ext>
+            </a:extLst>
+          </p:cNvPr>
+          <p:cNvSpPr txBox="1"/>
+          <p:nvPr/>
+        </p:nvSpPr>
+        <p:spPr>
+          <a:xfrm>
+            <a:off x="4947458" y="4647155"/>
+            <a:ext cx="3781849" cy="410433"/>
+          </a:xfrm>
+          <a:prstGeom prst="rect">
+            <a:avLst/>
+          </a:prstGeom>
+          <a:noFill/>
+        </p:spPr>
+        <p:txBody>
+          <a:bodyPr wrap="square" lIns="0" tIns="0" rIns="0" bIns="0" rtlCol="0">
+            <a:spAutoFit/>
+          </a:bodyPr>
+          <a:lstStyle/>
+          <a:p>
+            <a:pPr algn="l"/>
+            <a:r>
+              <a:rPr lang="en-GB" sz="2667" dirty="0">
+                <a:solidFill>
+                  <a:schemeClr val="tx1">
+                    <a:lumMod val="65000"/>
+                    <a:lumOff val="35000"/>
+                  </a:schemeClr>
+                </a:solidFill>
+                <a:latin typeface="Metropolis" panose="00000500000000000000" pitchFamily="50" charset="0"/>
+              </a:rPr>
+              <a:t>samcogan.com</a:t>
+            </a:r>
+          </a:p>
+        </p:txBody>
+      </p:sp>
+      <p:pic>
+        <p:nvPicPr>
+          <p:cNvPr id="7" name="Graphic 6">
+            <a:extLst>
+              <a:ext uri="{FF2B5EF4-FFF2-40B4-BE49-F238E27FC236}">
+                <a16:creationId xmlns:a16="http://schemas.microsoft.com/office/drawing/2014/main" id="{D1486BDD-2E81-4057-B118-D61C45BE686C}"/>
+              </a:ext>
+            </a:extLst>
+          </p:cNvPr>
+          <p:cNvPicPr>
+            <a:picLocks noChangeAspect="1"/>
+          </p:cNvPicPr>
+          <p:nvPr/>
+        </p:nvPicPr>
+        <p:blipFill>
+          <a:blip r:embed="rId3">
+            <a:extLst>
+              <a:ext uri="{96DAC541-7B7A-43D3-8B79-37D633B846F1}">
+                <asvg:svgBlip xmlns:asvg="http://schemas.microsoft.com/office/drawing/2016/SVG/main" r:embed="rId4"/>
+              </a:ext>
+            </a:extLst>
+          </a:blip>
+          <a:stretch>
+            <a:fillRect/>
+          </a:stretch>
+        </p:blipFill>
+        <p:spPr>
+          <a:xfrm>
+            <a:off x="4470400" y="4647153"/>
+            <a:ext cx="410371" cy="410371"/>
+          </a:xfrm>
+          <a:prstGeom prst="rect">
+            <a:avLst/>
+          </a:prstGeom>
+        </p:spPr>
+      </p:pic>
+      <p:sp>
+        <p:nvSpPr>
+          <p:cNvPr id="8" name="TextBox 7">
+            <a:extLst>
+              <a:ext uri="{FF2B5EF4-FFF2-40B4-BE49-F238E27FC236}">
+                <a16:creationId xmlns:a16="http://schemas.microsoft.com/office/drawing/2014/main" id="{E1E6D920-E851-40EA-AD43-4817ADB66F02}"/>
+              </a:ext>
+            </a:extLst>
+          </p:cNvPr>
+          <p:cNvSpPr txBox="1"/>
+          <p:nvPr/>
+        </p:nvSpPr>
+        <p:spPr>
+          <a:xfrm>
+            <a:off x="4947458" y="5114149"/>
+            <a:ext cx="1990930" cy="410433"/>
+          </a:xfrm>
+          <a:prstGeom prst="rect">
+            <a:avLst/>
+          </a:prstGeom>
+          <a:noFill/>
+        </p:spPr>
+        <p:txBody>
+          <a:bodyPr wrap="none" lIns="0" tIns="0" rIns="0" bIns="0" rtlCol="0">
+            <a:spAutoFit/>
+          </a:bodyPr>
+          <a:lstStyle/>
+          <a:p>
+            <a:pPr algn="l"/>
+            <a:r>
+              <a:rPr lang="en-GB" sz="2667" dirty="0">
+                <a:solidFill>
+                  <a:schemeClr val="tx1">
+                    <a:lumMod val="65000"/>
+                    <a:lumOff val="35000"/>
+                  </a:schemeClr>
+                </a:solidFill>
+                <a:latin typeface="Metropolis" panose="00000500000000000000" pitchFamily="50" charset="0"/>
+              </a:rPr>
+              <a:t>@</a:t>
+            </a:r>
+            <a:r>
+              <a:rPr lang="en-GB" sz="2667" dirty="0" err="1">
+                <a:solidFill>
+                  <a:schemeClr val="tx1">
+                    <a:lumMod val="65000"/>
+                    <a:lumOff val="35000"/>
+                  </a:schemeClr>
+                </a:solidFill>
+                <a:latin typeface="Metropolis" panose="00000500000000000000" pitchFamily="50" charset="0"/>
+              </a:rPr>
+              <a:t>samcogan</a:t>
+            </a:r>
+            <a:endParaRPr lang="en-GB" sz="2667" dirty="0">
+              <a:solidFill>
+                <a:schemeClr val="tx1">
+                  <a:lumMod val="65000"/>
+                  <a:lumOff val="35000"/>
+                </a:schemeClr>
+              </a:solidFill>
+              <a:latin typeface="Metropolis" panose="00000500000000000000" pitchFamily="50" charset="0"/>
+            </a:endParaRPr>
+          </a:p>
+        </p:txBody>
+      </p:sp>
+      <p:pic>
+        <p:nvPicPr>
+          <p:cNvPr id="9" name="Graphic 8">
+            <a:extLst>
+              <a:ext uri="{FF2B5EF4-FFF2-40B4-BE49-F238E27FC236}">
+                <a16:creationId xmlns:a16="http://schemas.microsoft.com/office/drawing/2014/main" id="{AFD77926-6B43-46A4-8531-41825BB99E34}"/>
+              </a:ext>
+            </a:extLst>
+          </p:cNvPr>
+          <p:cNvPicPr>
+            <a:picLocks noChangeAspect="1"/>
+          </p:cNvPicPr>
+          <p:nvPr/>
+        </p:nvPicPr>
+        <p:blipFill>
+          <a:blip r:embed="rId5">
+            <a:extLst>
+              <a:ext uri="{96DAC541-7B7A-43D3-8B79-37D633B846F1}">
+                <asvg:svgBlip xmlns:asvg="http://schemas.microsoft.com/office/drawing/2016/SVG/main" r:embed="rId6"/>
+              </a:ext>
+            </a:extLst>
+          </a:blip>
+          <a:stretch>
+            <a:fillRect/>
+          </a:stretch>
+        </p:blipFill>
+        <p:spPr>
+          <a:xfrm>
+            <a:off x="4470401" y="5114149"/>
+            <a:ext cx="410369" cy="410369"/>
+          </a:xfrm>
+          <a:prstGeom prst="rect">
+            <a:avLst/>
+          </a:prstGeom>
+        </p:spPr>
+      </p:pic>
+      <p:sp>
+        <p:nvSpPr>
+          <p:cNvPr id="10" name="TextBox 9">
+            <a:extLst>
+              <a:ext uri="{FF2B5EF4-FFF2-40B4-BE49-F238E27FC236}">
+                <a16:creationId xmlns:a16="http://schemas.microsoft.com/office/drawing/2014/main" id="{2C9917EE-278B-4969-9893-5A9728BCB1BE}"/>
+              </a:ext>
+            </a:extLst>
+          </p:cNvPr>
+          <p:cNvSpPr txBox="1"/>
+          <p:nvPr/>
+        </p:nvSpPr>
+        <p:spPr>
+          <a:xfrm>
+            <a:off x="4947458" y="5581142"/>
+            <a:ext cx="1816203" cy="410433"/>
+          </a:xfrm>
+          <a:prstGeom prst="rect">
+            <a:avLst/>
+          </a:prstGeom>
+          <a:noFill/>
+        </p:spPr>
+        <p:txBody>
+          <a:bodyPr wrap="none" lIns="0" tIns="0" rIns="0" bIns="0" rtlCol="0">
+            <a:spAutoFit/>
+          </a:bodyPr>
+          <a:lstStyle/>
+          <a:p>
+            <a:pPr algn="l"/>
+            <a:r>
+              <a:rPr lang="en-GB" sz="2667" dirty="0" err="1">
+                <a:solidFill>
+                  <a:schemeClr val="tx1">
+                    <a:lumMod val="65000"/>
+                    <a:lumOff val="35000"/>
+                  </a:schemeClr>
+                </a:solidFill>
+                <a:latin typeface="Metropolis" panose="00000500000000000000" pitchFamily="50" charset="0"/>
+              </a:rPr>
+              <a:t>sam-cogan</a:t>
+            </a:r>
+            <a:endParaRPr lang="en-GB" sz="2667" dirty="0">
+              <a:solidFill>
+                <a:schemeClr val="tx1">
+                  <a:lumMod val="65000"/>
+                  <a:lumOff val="35000"/>
+                </a:schemeClr>
+              </a:solidFill>
+              <a:latin typeface="Metropolis" panose="00000500000000000000" pitchFamily="50" charset="0"/>
+            </a:endParaRPr>
+          </a:p>
+        </p:txBody>
+      </p:sp>
+      <p:pic>
+        <p:nvPicPr>
+          <p:cNvPr id="11" name="Graphic 10">
+            <a:extLst>
+              <a:ext uri="{FF2B5EF4-FFF2-40B4-BE49-F238E27FC236}">
+                <a16:creationId xmlns:a16="http://schemas.microsoft.com/office/drawing/2014/main" id="{00709674-EC71-4F67-85DC-FB88FA4846DE}"/>
+              </a:ext>
+            </a:extLst>
+          </p:cNvPr>
+          <p:cNvPicPr>
+            <a:picLocks noChangeAspect="1"/>
+          </p:cNvPicPr>
+          <p:nvPr/>
+        </p:nvPicPr>
+        <p:blipFill>
+          <a:blip r:embed="rId7">
+            <a:extLst>
+              <a:ext uri="{96DAC541-7B7A-43D3-8B79-37D633B846F1}">
+                <asvg:svgBlip xmlns:asvg="http://schemas.microsoft.com/office/drawing/2016/SVG/main" r:embed="rId8"/>
+              </a:ext>
+            </a:extLst>
+          </a:blip>
+          <a:stretch>
+            <a:fillRect/>
+          </a:stretch>
+        </p:blipFill>
+        <p:spPr>
+          <a:xfrm>
+            <a:off x="4474369" y="5585111"/>
+            <a:ext cx="406400" cy="406400"/>
+          </a:xfrm>
+          <a:prstGeom prst="rect">
+            <a:avLst/>
+          </a:prstGeom>
+        </p:spPr>
+      </p:pic>
+      <p:pic>
+        <p:nvPicPr>
+          <p:cNvPr id="14" name="Picture 13">
+            <a:extLst>
+              <a:ext uri="{FF2B5EF4-FFF2-40B4-BE49-F238E27FC236}">
+                <a16:creationId xmlns:a16="http://schemas.microsoft.com/office/drawing/2014/main" id="{407ED0C9-C5A8-4D71-9EF4-B76CB5CDA0FA}"/>
+              </a:ext>
+            </a:extLst>
+          </p:cNvPr>
+          <p:cNvPicPr>
+            <a:picLocks noChangeAspect="1"/>
+          </p:cNvPicPr>
+          <p:nvPr/>
+        </p:nvPicPr>
+        <p:blipFill>
+          <a:blip r:embed="rId9">
+            <a:extLst>
+              <a:ext uri="{28A0092B-C50C-407E-A947-70E740481C1C}">
+                <a14:useLocalDpi xmlns:a14="http://schemas.microsoft.com/office/drawing/2010/main" val="0"/>
+              </a:ext>
+            </a:extLst>
+          </a:blip>
+          <a:stretch>
+            <a:fillRect/>
+          </a:stretch>
+        </p:blipFill>
+        <p:spPr>
+          <a:xfrm>
+            <a:off x="907440" y="4857560"/>
+            <a:ext cx="2289053" cy="923546"/>
+          </a:xfrm>
+          <a:prstGeom prst="rect">
+            <a:avLst/>
+          </a:prstGeom>
+        </p:spPr>
+      </p:pic>
+    </p:spTree>
+    <p:extLst>
+      <p:ext uri="{BB962C8B-B14F-4D97-AF65-F5344CB8AC3E}">
+        <p14:creationId xmlns:p14="http://schemas.microsoft.com/office/powerpoint/2010/main" val="1384411452"/>
+      </p:ext>
+    </p:extLst>
+  </p:cSld>
+  <p:clrMapOvr>
+    <a:masterClrMapping/>
+  </p:clrMapOvr>
 </p:sld>
 </file>
 
@@ -17150,7 +22964,7 @@
           <a:lstStyle/>
           <a:p>
             <a:r>
-              <a:rPr lang="en-GB">
+              <a:rPr lang="en-GB" dirty="0">
                 <a:solidFill>
                   <a:schemeClr val="tx1">
                     <a:lumMod val="65000"/>
@@ -17161,15 +22975,6 @@
               </a:rPr>
               <a:t>What is Infrastructure as Code?</a:t>
             </a:r>
-            <a:endParaRPr lang="en-GB" dirty="0">
-              <a:solidFill>
-                <a:schemeClr val="tx1">
-                  <a:lumMod val="65000"/>
-                  <a:lumOff val="35000"/>
-                </a:schemeClr>
-              </a:solidFill>
-              <a:latin typeface="Metropolis" panose="00000500000000000000" pitchFamily="50" charset="0"/>
-            </a:endParaRPr>
           </a:p>
         </p:txBody>
       </p:sp>
@@ -17320,6 +23125,118 @@
 </file>
 
 <file path=ppt/slides/slide5.xml><?xml version="1.0" encoding="utf-8"?>
+<p:sld xmlns:a="http://schemas.openxmlformats.org/drawingml/2006/main" xmlns:r="http://schemas.openxmlformats.org/officeDocument/2006/relationships" xmlns:p="http://schemas.openxmlformats.org/presentationml/2006/main">
+  <p:cSld>
+    <p:spTree>
+      <p:nvGrpSpPr>
+        <p:cNvPr id="1" name=""/>
+        <p:cNvGrpSpPr/>
+        <p:nvPr/>
+      </p:nvGrpSpPr>
+      <p:grpSpPr>
+        <a:xfrm>
+          <a:off x="0" y="0"/>
+          <a:ext cx="0" cy="0"/>
+          <a:chOff x="0" y="0"/>
+          <a:chExt cx="0" cy="0"/>
+        </a:xfrm>
+      </p:grpSpPr>
+      <p:sp>
+        <p:nvSpPr>
+          <p:cNvPr id="2" name="Title 1">
+            <a:extLst>
+              <a:ext uri="{FF2B5EF4-FFF2-40B4-BE49-F238E27FC236}">
+                <a16:creationId xmlns:a16="http://schemas.microsoft.com/office/drawing/2014/main" id="{9D68766F-C534-403E-92A1-86AFA261D230}"/>
+              </a:ext>
+            </a:extLst>
+          </p:cNvPr>
+          <p:cNvSpPr>
+            <a:spLocks noGrp="1"/>
+          </p:cNvSpPr>
+          <p:nvPr>
+            <p:ph type="title"/>
+          </p:nvPr>
+        </p:nvSpPr>
+        <p:spPr>
+          <a:xfrm>
+            <a:off x="838200" y="155839"/>
+            <a:ext cx="10515600" cy="1133693"/>
+          </a:xfrm>
+        </p:spPr>
+        <p:txBody>
+          <a:bodyPr vert="horz" lIns="91440" tIns="45720" rIns="91440" bIns="45720" rtlCol="0" anchor="ctr">
+            <a:normAutofit/>
+          </a:bodyPr>
+          <a:lstStyle/>
+          <a:p>
+            <a:r>
+              <a:rPr lang="en-GB" sz="5400" dirty="0">
+                <a:solidFill>
+                  <a:schemeClr val="tx1">
+                    <a:lumMod val="65000"/>
+                    <a:lumOff val="35000"/>
+                  </a:schemeClr>
+                </a:solidFill>
+                <a:latin typeface="Metropolis" panose="00000500000000000000" pitchFamily="50" charset="0"/>
+              </a:rPr>
+              <a:t>What is Infrastructure as Code?</a:t>
+            </a:r>
+            <a:endParaRPr lang="en-US" sz="5200" kern="1200" dirty="0">
+              <a:solidFill>
+                <a:schemeClr val="bg2">
+                  <a:lumMod val="50000"/>
+                </a:schemeClr>
+              </a:solidFill>
+              <a:latin typeface="Metropolis"/>
+            </a:endParaRPr>
+          </a:p>
+        </p:txBody>
+      </p:sp>
+      <p:graphicFrame>
+        <p:nvGraphicFramePr>
+          <p:cNvPr id="6" name="Text Placeholder 2">
+            <a:extLst>
+              <a:ext uri="{FF2B5EF4-FFF2-40B4-BE49-F238E27FC236}">
+                <a16:creationId xmlns:a16="http://schemas.microsoft.com/office/drawing/2014/main" id="{47C99D6D-DE3A-4752-AD8C-75D435E31552}"/>
+              </a:ext>
+            </a:extLst>
+          </p:cNvPr>
+          <p:cNvGraphicFramePr/>
+          <p:nvPr>
+            <p:extLst>
+              <p:ext uri="{D42A27DB-BD31-4B8C-83A1-F6EECF244321}">
+                <p14:modId xmlns:p14="http://schemas.microsoft.com/office/powerpoint/2010/main" val="2938171163"/>
+              </p:ext>
+            </p:extLst>
+          </p:nvPr>
+        </p:nvGraphicFramePr>
+        <p:xfrm>
+          <a:off x="838200" y="1156274"/>
+          <a:ext cx="10515600" cy="5020689"/>
+        </p:xfrm>
+        <a:graphic>
+          <a:graphicData uri="http://schemas.openxmlformats.org/drawingml/2006/diagram">
+            <dgm:relIds xmlns:dgm="http://schemas.openxmlformats.org/drawingml/2006/diagram" xmlns:r="http://schemas.openxmlformats.org/officeDocument/2006/relationships" r:dm="rId3" r:lo="rId4" r:qs="rId5" r:cs="rId6"/>
+          </a:graphicData>
+        </a:graphic>
+      </p:graphicFrame>
+    </p:spTree>
+    <p:extLst>
+      <p:ext uri="{BB962C8B-B14F-4D97-AF65-F5344CB8AC3E}">
+        <p14:creationId xmlns:p14="http://schemas.microsoft.com/office/powerpoint/2010/main" val="3767366259"/>
+      </p:ext>
+    </p:extLst>
+  </p:cSld>
+  <p:clrMapOvr>
+    <a:masterClrMapping/>
+  </p:clrMapOvr>
+  <p:transition>
+    <p:fade/>
+  </p:transition>
+</p:sld>
+</file>
+
+<file path=ppt/slides/slide6.xml><?xml version="1.0" encoding="utf-8"?>
 <p:sld xmlns:a="http://schemas.openxmlformats.org/drawingml/2006/main" xmlns:r="http://schemas.openxmlformats.org/officeDocument/2006/relationships" xmlns:p="http://schemas.openxmlformats.org/presentationml/2006/main">
   <p:cSld>
     <p:bg>
@@ -17459,7 +23376,7 @@
           <p:nvPr>
             <p:extLst>
               <p:ext uri="{D42A27DB-BD31-4B8C-83A1-F6EECF244321}">
-                <p14:modId xmlns:p14="http://schemas.microsoft.com/office/powerpoint/2010/main" val="2031820807"/>
+                <p14:modId xmlns:p14="http://schemas.microsoft.com/office/powerpoint/2010/main" val="462762309"/>
               </p:ext>
             </p:extLst>
           </p:nvPr>
@@ -17490,7 +23407,7 @@
 </p:sld>
 </file>
 
-<file path=ppt/slides/slide6.xml><?xml version="1.0" encoding="utf-8"?>
+<file path=ppt/slides/slide7.xml><?xml version="1.0" encoding="utf-8"?>
 <p:sld xmlns:a="http://schemas.openxmlformats.org/drawingml/2006/main" xmlns:r="http://schemas.openxmlformats.org/officeDocument/2006/relationships" xmlns:p="http://schemas.openxmlformats.org/presentationml/2006/main">
   <p:cSld>
     <p:spTree>
@@ -18043,7 +23960,7 @@
 </p:sld>
 </file>
 
-<file path=ppt/slides/slide7.xml><?xml version="1.0" encoding="utf-8"?>
+<file path=ppt/slides/slide8.xml><?xml version="1.0" encoding="utf-8"?>
 <p:sld xmlns:a="http://schemas.openxmlformats.org/drawingml/2006/main" xmlns:r="http://schemas.openxmlformats.org/officeDocument/2006/relationships" xmlns:p="http://schemas.openxmlformats.org/presentationml/2006/main">
   <p:cSld>
     <p:spTree>
@@ -18255,7 +24172,7 @@
 </p:sld>
 </file>
 
-<file path=ppt/slides/slide8.xml><?xml version="1.0" encoding="utf-8"?>
+<file path=ppt/slides/slide9.xml><?xml version="1.0" encoding="utf-8"?>
 <p:sld xmlns:a="http://schemas.openxmlformats.org/drawingml/2006/main" xmlns:r="http://schemas.openxmlformats.org/officeDocument/2006/relationships" xmlns:p="http://schemas.openxmlformats.org/presentationml/2006/main">
   <p:cSld>
     <p:spTree>
@@ -18883,568 +24800,6 @@
     <p:extLst>
       <p:ext uri="{BB962C8B-B14F-4D97-AF65-F5344CB8AC3E}">
         <p14:creationId xmlns:p14="http://schemas.microsoft.com/office/powerpoint/2010/main" val="2768821801"/>
-      </p:ext>
-    </p:extLst>
-  </p:cSld>
-  <p:clrMapOvr>
-    <a:masterClrMapping/>
-  </p:clrMapOvr>
-  <p:transition>
-    <p:fade/>
-  </p:transition>
-</p:sld>
-</file>
-
-<file path=ppt/slides/slide9.xml><?xml version="1.0" encoding="utf-8"?>
-<p:sld xmlns:a="http://schemas.openxmlformats.org/drawingml/2006/main" xmlns:r="http://schemas.openxmlformats.org/officeDocument/2006/relationships" xmlns:p="http://schemas.openxmlformats.org/presentationml/2006/main">
-  <p:cSld>
-    <p:spTree>
-      <p:nvGrpSpPr>
-        <p:cNvPr id="1" name=""/>
-        <p:cNvGrpSpPr/>
-        <p:nvPr/>
-      </p:nvGrpSpPr>
-      <p:grpSpPr>
-        <a:xfrm>
-          <a:off x="0" y="0"/>
-          <a:ext cx="0" cy="0"/>
-          <a:chOff x="0" y="0"/>
-          <a:chExt cx="0" cy="0"/>
-        </a:xfrm>
-      </p:grpSpPr>
-      <p:sp>
-        <p:nvSpPr>
-          <p:cNvPr id="2" name="Title 1">
-            <a:extLst>
-              <a:ext uri="{FF2B5EF4-FFF2-40B4-BE49-F238E27FC236}">
-                <a16:creationId xmlns:a16="http://schemas.microsoft.com/office/drawing/2014/main" id="{9D68766F-C534-403E-92A1-86AFA261D230}"/>
-              </a:ext>
-            </a:extLst>
-          </p:cNvPr>
-          <p:cNvSpPr>
-            <a:spLocks noGrp="1"/>
-          </p:cNvSpPr>
-          <p:nvPr>
-            <p:ph type="title"/>
-          </p:nvPr>
-        </p:nvSpPr>
-        <p:spPr>
-          <a:xfrm>
-            <a:off x="234577" y="-1487"/>
-            <a:ext cx="10515600" cy="1325563"/>
-          </a:xfrm>
-        </p:spPr>
-        <p:txBody>
-          <a:bodyPr/>
-          <a:lstStyle/>
-          <a:p>
-            <a:r>
-              <a:rPr lang="en-GB" dirty="0" err="1">
-                <a:solidFill>
-                  <a:schemeClr val="tx1">
-                    <a:lumMod val="65000"/>
-                    <a:lumOff val="35000"/>
-                  </a:schemeClr>
-                </a:solidFill>
-                <a:latin typeface="Metropolis" panose="00000500000000000000" pitchFamily="50" charset="0"/>
-              </a:rPr>
-              <a:t>IaC</a:t>
-            </a:r>
-            <a:r>
-              <a:rPr lang="en-GB" dirty="0">
-                <a:solidFill>
-                  <a:schemeClr val="tx1">
-                    <a:lumMod val="65000"/>
-                    <a:lumOff val="35000"/>
-                  </a:schemeClr>
-                </a:solidFill>
-                <a:latin typeface="Metropolis" panose="00000500000000000000" pitchFamily="50" charset="0"/>
-              </a:rPr>
-              <a:t> Tooling – Third Parties</a:t>
-            </a:r>
-          </a:p>
-        </p:txBody>
-      </p:sp>
-      <p:sp>
-        <p:nvSpPr>
-          <p:cNvPr id="7" name="TextBox 6">
-            <a:extLst>
-              <a:ext uri="{FF2B5EF4-FFF2-40B4-BE49-F238E27FC236}">
-                <a16:creationId xmlns:a16="http://schemas.microsoft.com/office/drawing/2014/main" id="{40116F11-9801-46D2-8A4F-DA355A9A38C6}"/>
-              </a:ext>
-            </a:extLst>
-          </p:cNvPr>
-          <p:cNvSpPr txBox="1"/>
-          <p:nvPr/>
-        </p:nvSpPr>
-        <p:spPr>
-          <a:xfrm>
-            <a:off x="3837122" y="2940534"/>
-            <a:ext cx="1108573" cy="369332"/>
-          </a:xfrm>
-          <a:prstGeom prst="rect">
-            <a:avLst/>
-          </a:prstGeom>
-          <a:noFill/>
-        </p:spPr>
-        <p:txBody>
-          <a:bodyPr wrap="none" rtlCol="0">
-            <a:spAutoFit/>
-          </a:bodyPr>
-          <a:lstStyle/>
-          <a:p>
-            <a:r>
-              <a:rPr lang="en-GB" dirty="0">
-                <a:solidFill>
-                  <a:schemeClr val="tx1">
-                    <a:lumMod val="65000"/>
-                    <a:lumOff val="35000"/>
-                  </a:schemeClr>
-                </a:solidFill>
-                <a:latin typeface="Metropolis" panose="00000500000000000000" pitchFamily="50" charset="0"/>
-                <a:ea typeface="+mj-ea"/>
-                <a:cs typeface="+mj-cs"/>
-              </a:rPr>
-              <a:t>Terraform</a:t>
-            </a:r>
-          </a:p>
-        </p:txBody>
-      </p:sp>
-      <p:sp>
-        <p:nvSpPr>
-          <p:cNvPr id="8" name="TextBox 7">
-            <a:extLst>
-              <a:ext uri="{FF2B5EF4-FFF2-40B4-BE49-F238E27FC236}">
-                <a16:creationId xmlns:a16="http://schemas.microsoft.com/office/drawing/2014/main" id="{BDAEA703-18B8-40FA-A1B6-FAF163703C2D}"/>
-              </a:ext>
-            </a:extLst>
-          </p:cNvPr>
-          <p:cNvSpPr txBox="1"/>
-          <p:nvPr/>
-        </p:nvSpPr>
-        <p:spPr>
-          <a:xfrm>
-            <a:off x="6454203" y="2940534"/>
-            <a:ext cx="837089" cy="369332"/>
-          </a:xfrm>
-          <a:prstGeom prst="rect">
-            <a:avLst/>
-          </a:prstGeom>
-          <a:noFill/>
-        </p:spPr>
-        <p:txBody>
-          <a:bodyPr wrap="none" rtlCol="0">
-            <a:spAutoFit/>
-          </a:bodyPr>
-          <a:lstStyle/>
-          <a:p>
-            <a:r>
-              <a:rPr lang="en-GB" dirty="0" err="1">
-                <a:solidFill>
-                  <a:schemeClr val="tx1">
-                    <a:lumMod val="65000"/>
-                    <a:lumOff val="35000"/>
-                  </a:schemeClr>
-                </a:solidFill>
-                <a:latin typeface="Metropolis" panose="00000500000000000000" pitchFamily="50" charset="0"/>
-                <a:ea typeface="+mj-ea"/>
-                <a:cs typeface="+mj-cs"/>
-              </a:rPr>
-              <a:t>Pulumi</a:t>
-            </a:r>
-            <a:endParaRPr lang="en-GB" dirty="0">
-              <a:solidFill>
-                <a:schemeClr val="tx1">
-                  <a:lumMod val="65000"/>
-                  <a:lumOff val="35000"/>
-                </a:schemeClr>
-              </a:solidFill>
-              <a:latin typeface="Metropolis" panose="00000500000000000000" pitchFamily="50" charset="0"/>
-              <a:ea typeface="+mj-ea"/>
-              <a:cs typeface="+mj-cs"/>
-            </a:endParaRPr>
-          </a:p>
-        </p:txBody>
-      </p:sp>
-      <p:sp>
-        <p:nvSpPr>
-          <p:cNvPr id="14" name="TextBox 13">
-            <a:extLst>
-              <a:ext uri="{FF2B5EF4-FFF2-40B4-BE49-F238E27FC236}">
-                <a16:creationId xmlns:a16="http://schemas.microsoft.com/office/drawing/2014/main" id="{2EF4549B-B3C7-443D-ACD8-60BC9D5DA7E0}"/>
-              </a:ext>
-            </a:extLst>
-          </p:cNvPr>
-          <p:cNvSpPr txBox="1"/>
-          <p:nvPr/>
-        </p:nvSpPr>
-        <p:spPr>
-          <a:xfrm>
-            <a:off x="371350" y="4064655"/>
-            <a:ext cx="5392320" cy="2369880"/>
-          </a:xfrm>
-          <a:prstGeom prst="rect">
-            <a:avLst/>
-          </a:prstGeom>
-          <a:noFill/>
-        </p:spPr>
-        <p:txBody>
-          <a:bodyPr wrap="square" rtlCol="0">
-            <a:spAutoFit/>
-          </a:bodyPr>
-          <a:lstStyle/>
-          <a:p>
-            <a:r>
-              <a:rPr lang="en-GB" sz="2600" b="1" dirty="0">
-                <a:solidFill>
-                  <a:schemeClr val="tx1">
-                    <a:lumMod val="65000"/>
-                    <a:lumOff val="35000"/>
-                  </a:schemeClr>
-                </a:solidFill>
-                <a:latin typeface="Metropolis" panose="00000500000000000000" pitchFamily="50" charset="0"/>
-                <a:ea typeface="+mj-ea"/>
-                <a:cs typeface="+mj-cs"/>
-              </a:rPr>
-              <a:t>Positives</a:t>
-            </a:r>
-          </a:p>
-          <a:p>
-            <a:pPr marL="285750" indent="-285750">
-              <a:buFont typeface="Arial" panose="020B0604020202020204" pitchFamily="34" charset="0"/>
-              <a:buChar char="•"/>
-            </a:pPr>
-            <a:r>
-              <a:rPr lang="en-GB" sz="2600" dirty="0">
-                <a:solidFill>
-                  <a:schemeClr val="tx1">
-                    <a:lumMod val="65000"/>
-                    <a:lumOff val="35000"/>
-                  </a:schemeClr>
-                </a:solidFill>
-                <a:latin typeface="Metropolis" panose="00000500000000000000" pitchFamily="50" charset="0"/>
-                <a:ea typeface="+mj-ea"/>
-                <a:cs typeface="+mj-cs"/>
-              </a:rPr>
-              <a:t>Multi Cloud Support</a:t>
-            </a:r>
-          </a:p>
-          <a:p>
-            <a:pPr marL="285750" indent="-285750">
-              <a:buFont typeface="Arial" panose="020B0604020202020204" pitchFamily="34" charset="0"/>
-              <a:buChar char="•"/>
-            </a:pPr>
-            <a:r>
-              <a:rPr lang="en-GB" sz="2600" dirty="0">
-                <a:solidFill>
-                  <a:schemeClr val="tx1">
-                    <a:lumMod val="65000"/>
-                    <a:lumOff val="35000"/>
-                  </a:schemeClr>
-                </a:solidFill>
-                <a:latin typeface="Metropolis" panose="00000500000000000000" pitchFamily="50" charset="0"/>
-                <a:ea typeface="+mj-ea"/>
-                <a:cs typeface="+mj-cs"/>
-              </a:rPr>
-              <a:t>Non Cloud Support</a:t>
-            </a:r>
-          </a:p>
-          <a:p>
-            <a:pPr marL="285750" indent="-285750">
-              <a:buFont typeface="Arial" panose="020B0604020202020204" pitchFamily="34" charset="0"/>
-              <a:buChar char="•"/>
-            </a:pPr>
-            <a:r>
-              <a:rPr lang="en-GB" sz="2600" dirty="0">
-                <a:solidFill>
-                  <a:schemeClr val="tx1">
-                    <a:lumMod val="65000"/>
-                    <a:lumOff val="35000"/>
-                  </a:schemeClr>
-                </a:solidFill>
-                <a:latin typeface="Metropolis" panose="00000500000000000000" pitchFamily="50" charset="0"/>
-                <a:ea typeface="+mj-ea"/>
-                <a:cs typeface="+mj-cs"/>
-              </a:rPr>
-              <a:t>Stateful – Plan, Destroy, Import</a:t>
-            </a:r>
-          </a:p>
-          <a:p>
-            <a:pPr marL="285750" indent="-285750">
-              <a:buFont typeface="Arial" panose="020B0604020202020204" pitchFamily="34" charset="0"/>
-              <a:buChar char="•"/>
-            </a:pPr>
-            <a:r>
-              <a:rPr lang="en-GB" sz="2600" dirty="0">
-                <a:solidFill>
-                  <a:schemeClr val="tx1">
-                    <a:lumMod val="65000"/>
-                    <a:lumOff val="35000"/>
-                  </a:schemeClr>
-                </a:solidFill>
-                <a:latin typeface="Metropolis" panose="00000500000000000000" pitchFamily="50" charset="0"/>
-                <a:ea typeface="+mj-ea"/>
-                <a:cs typeface="+mj-cs"/>
-              </a:rPr>
-              <a:t>Open Source</a:t>
-            </a:r>
-          </a:p>
-          <a:p>
-            <a:pPr marL="285750" indent="-285750">
-              <a:buFont typeface="Arial" panose="020B0604020202020204" pitchFamily="34" charset="0"/>
-              <a:buChar char="•"/>
-            </a:pPr>
-            <a:endParaRPr lang="en-GB" dirty="0"/>
-          </a:p>
-        </p:txBody>
-      </p:sp>
-      <p:sp>
-        <p:nvSpPr>
-          <p:cNvPr id="15" name="TextBox 14">
-            <a:extLst>
-              <a:ext uri="{FF2B5EF4-FFF2-40B4-BE49-F238E27FC236}">
-                <a16:creationId xmlns:a16="http://schemas.microsoft.com/office/drawing/2014/main" id="{2117FD55-BA9F-45F9-8A3B-50BF215D31E0}"/>
-              </a:ext>
-            </a:extLst>
-          </p:cNvPr>
-          <p:cNvSpPr txBox="1"/>
-          <p:nvPr/>
-        </p:nvSpPr>
-        <p:spPr>
-          <a:xfrm>
-            <a:off x="5957055" y="4064655"/>
-            <a:ext cx="5392320" cy="3170099"/>
-          </a:xfrm>
-          <a:prstGeom prst="rect">
-            <a:avLst/>
-          </a:prstGeom>
-          <a:noFill/>
-        </p:spPr>
-        <p:txBody>
-          <a:bodyPr wrap="square" rtlCol="0">
-            <a:spAutoFit/>
-          </a:bodyPr>
-          <a:lstStyle/>
-          <a:p>
-            <a:r>
-              <a:rPr lang="en-GB" sz="2600" b="1" dirty="0">
-                <a:solidFill>
-                  <a:schemeClr val="tx1">
-                    <a:lumMod val="65000"/>
-                    <a:lumOff val="35000"/>
-                  </a:schemeClr>
-                </a:solidFill>
-                <a:latin typeface="Metropolis" panose="00000500000000000000" pitchFamily="50" charset="0"/>
-                <a:ea typeface="+mj-ea"/>
-                <a:cs typeface="+mj-cs"/>
-              </a:rPr>
-              <a:t>Negatives</a:t>
-            </a:r>
-          </a:p>
-          <a:p>
-            <a:pPr marL="285750" indent="-285750">
-              <a:buFont typeface="Arial" panose="020B0604020202020204" pitchFamily="34" charset="0"/>
-              <a:buChar char="•"/>
-            </a:pPr>
-            <a:r>
-              <a:rPr lang="en-GB" sz="2600" dirty="0">
-                <a:solidFill>
-                  <a:schemeClr val="tx1">
-                    <a:lumMod val="65000"/>
-                    <a:lumOff val="35000"/>
-                  </a:schemeClr>
-                </a:solidFill>
-                <a:latin typeface="Metropolis" panose="00000500000000000000" pitchFamily="50" charset="0"/>
-                <a:ea typeface="+mj-ea"/>
-                <a:cs typeface="+mj-cs"/>
-              </a:rPr>
-              <a:t>Delayed implementation of new resources</a:t>
-            </a:r>
-          </a:p>
-          <a:p>
-            <a:pPr marL="285750" indent="-285750">
-              <a:buFont typeface="Arial" panose="020B0604020202020204" pitchFamily="34" charset="0"/>
-              <a:buChar char="•"/>
-            </a:pPr>
-            <a:r>
-              <a:rPr lang="en-GB" sz="2600" dirty="0">
-                <a:solidFill>
-                  <a:schemeClr val="tx1">
-                    <a:lumMod val="65000"/>
-                    <a:lumOff val="35000"/>
-                  </a:schemeClr>
-                </a:solidFill>
-                <a:latin typeface="Metropolis" panose="00000500000000000000" pitchFamily="50" charset="0"/>
-                <a:ea typeface="+mj-ea"/>
-                <a:cs typeface="+mj-cs"/>
-              </a:rPr>
-              <a:t>Management of State File</a:t>
-            </a:r>
-          </a:p>
-          <a:p>
-            <a:pPr marL="285750" indent="-285750">
-              <a:buFont typeface="Arial" panose="020B0604020202020204" pitchFamily="34" charset="0"/>
-              <a:buChar char="•"/>
-            </a:pPr>
-            <a:r>
-              <a:rPr lang="en-GB" sz="2600" dirty="0">
-                <a:solidFill>
-                  <a:schemeClr val="tx1">
-                    <a:lumMod val="65000"/>
-                    <a:lumOff val="35000"/>
-                  </a:schemeClr>
-                </a:solidFill>
-                <a:latin typeface="Metropolis" panose="00000500000000000000" pitchFamily="50" charset="0"/>
-                <a:ea typeface="+mj-ea"/>
-                <a:cs typeface="+mj-cs"/>
-              </a:rPr>
-              <a:t>Third Party Support</a:t>
-            </a:r>
-          </a:p>
-          <a:p>
-            <a:pPr marL="285750" indent="-285750">
-              <a:buFont typeface="Arial" panose="020B0604020202020204" pitchFamily="34" charset="0"/>
-              <a:buChar char="•"/>
-            </a:pPr>
-            <a:r>
-              <a:rPr lang="en-GB" sz="2600" dirty="0">
-                <a:solidFill>
-                  <a:schemeClr val="tx1">
-                    <a:lumMod val="65000"/>
-                    <a:lumOff val="35000"/>
-                  </a:schemeClr>
-                </a:solidFill>
-                <a:latin typeface="Metropolis" panose="00000500000000000000" pitchFamily="50" charset="0"/>
-                <a:ea typeface="+mj-ea"/>
-                <a:cs typeface="+mj-cs"/>
-              </a:rPr>
-              <a:t>Cost</a:t>
-            </a:r>
-          </a:p>
-          <a:p>
-            <a:pPr marL="285750" indent="-285750">
-              <a:buFont typeface="Arial" panose="020B0604020202020204" pitchFamily="34" charset="0"/>
-              <a:buChar char="•"/>
-            </a:pPr>
-            <a:endParaRPr lang="en-GB" sz="2600" dirty="0">
-              <a:solidFill>
-                <a:schemeClr val="tx1">
-                  <a:lumMod val="65000"/>
-                  <a:lumOff val="35000"/>
-                </a:schemeClr>
-              </a:solidFill>
-              <a:latin typeface="Metropolis" panose="00000500000000000000" pitchFamily="50" charset="0"/>
-              <a:ea typeface="+mj-ea"/>
-              <a:cs typeface="+mj-cs"/>
-            </a:endParaRPr>
-          </a:p>
-          <a:p>
-            <a:pPr marL="285750" indent="-285750">
-              <a:buFont typeface="Arial" panose="020B0604020202020204" pitchFamily="34" charset="0"/>
-              <a:buChar char="•"/>
-            </a:pPr>
-            <a:endParaRPr lang="en-GB" dirty="0"/>
-          </a:p>
-        </p:txBody>
-      </p:sp>
-      <p:pic>
-        <p:nvPicPr>
-          <p:cNvPr id="11" name="Picture 2" descr="Documentation - Terraform by HashiCorp">
-            <a:extLst>
-              <a:ext uri="{FF2B5EF4-FFF2-40B4-BE49-F238E27FC236}">
-                <a16:creationId xmlns:a16="http://schemas.microsoft.com/office/drawing/2014/main" id="{F31AEB3F-4C1C-4CEC-A8D2-5198DBF346D3}"/>
-              </a:ext>
-            </a:extLst>
-          </p:cNvPr>
-          <p:cNvPicPr>
-            <a:picLocks noChangeAspect="1" noChangeArrowheads="1"/>
-          </p:cNvPicPr>
-          <p:nvPr/>
-        </p:nvPicPr>
-        <p:blipFill>
-          <a:blip r:embed="rId3">
-            <a:extLst>
-              <a:ext uri="{28A0092B-C50C-407E-A947-70E740481C1C}">
-                <a14:useLocalDpi xmlns:a14="http://schemas.microsoft.com/office/drawing/2010/main" val="0"/>
-              </a:ext>
-            </a:extLst>
-          </a:blip>
-          <a:srcRect/>
-          <a:stretch>
-            <a:fillRect/>
-          </a:stretch>
-        </p:blipFill>
-        <p:spPr bwMode="auto">
-          <a:xfrm>
-            <a:off x="3667587" y="1324076"/>
-            <a:ext cx="1447645" cy="1447645"/>
-          </a:xfrm>
-          <a:prstGeom prst="rect">
-            <a:avLst/>
-          </a:prstGeom>
-          <a:noFill/>
-          <a:extLst>
-            <a:ext uri="{909E8E84-426E-40DD-AFC4-6F175D3DCCD1}">
-              <a14:hiddenFill xmlns:a14="http://schemas.microsoft.com/office/drawing/2010/main">
-                <a:solidFill>
-                  <a:srgbClr val="FFFFFF"/>
-                </a:solidFill>
-              </a14:hiddenFill>
-            </a:ext>
-          </a:extLst>
-        </p:spPr>
-      </p:pic>
-      <p:pic>
-        <p:nvPicPr>
-          <p:cNvPr id="12" name="Picture 4" descr="GitHub - pulumi/pulumi: Pulumi - Modern Infrastructure as Code. Any cloud,  any language 🚀">
-            <a:extLst>
-              <a:ext uri="{FF2B5EF4-FFF2-40B4-BE49-F238E27FC236}">
-                <a16:creationId xmlns:a16="http://schemas.microsoft.com/office/drawing/2014/main" id="{4F178968-3531-4A6F-B538-0F289345CE4F}"/>
-              </a:ext>
-            </a:extLst>
-          </p:cNvPr>
-          <p:cNvPicPr>
-            <a:picLocks noChangeAspect="1" noChangeArrowheads="1"/>
-          </p:cNvPicPr>
-          <p:nvPr/>
-        </p:nvPicPr>
-        <p:blipFill>
-          <a:blip r:embed="rId4">
-            <a:extLst>
-              <a:ext uri="{28A0092B-C50C-407E-A947-70E740481C1C}">
-                <a14:useLocalDpi xmlns:a14="http://schemas.microsoft.com/office/drawing/2010/main" val="0"/>
-              </a:ext>
-            </a:extLst>
-          </a:blip>
-          <a:srcRect/>
-          <a:stretch>
-            <a:fillRect/>
-          </a:stretch>
-        </p:blipFill>
-        <p:spPr bwMode="auto">
-          <a:xfrm>
-            <a:off x="6148926" y="1324076"/>
-            <a:ext cx="1447645" cy="1447645"/>
-          </a:xfrm>
-          <a:prstGeom prst="rect">
-            <a:avLst/>
-          </a:prstGeom>
-          <a:noFill/>
-          <a:extLst>
-            <a:ext uri="{909E8E84-426E-40DD-AFC4-6F175D3DCCD1}">
-              <a14:hiddenFill xmlns:a14="http://schemas.microsoft.com/office/drawing/2010/main">
-                <a:solidFill>
-                  <a:srgbClr val="FFFFFF"/>
-                </a:solidFill>
-              </a14:hiddenFill>
-            </a:ext>
-          </a:extLst>
-        </p:spPr>
-      </p:pic>
-    </p:spTree>
-    <p:extLst>
-      <p:ext uri="{BB962C8B-B14F-4D97-AF65-F5344CB8AC3E}">
-        <p14:creationId xmlns:p14="http://schemas.microsoft.com/office/powerpoint/2010/main" val="3717109558"/>
       </p:ext>
     </p:extLst>
   </p:cSld>
